--- a/pre1.pptx
+++ b/pre1.pptx
@@ -5,10 +5,10 @@
     <p:sldMasterId id="2147483648" r:id="rId1"/>
   </p:sldMasterIdLst>
   <p:notesMasterIdLst>
-    <p:notesMasterId r:id="rId18"/>
+    <p:notesMasterId r:id="rId24"/>
   </p:notesMasterIdLst>
   <p:handoutMasterIdLst>
-    <p:handoutMasterId r:id="rId19"/>
+    <p:handoutMasterId r:id="rId25"/>
   </p:handoutMasterIdLst>
   <p:sldIdLst>
     <p:sldId id="265" r:id="rId2"/>
@@ -26,7 +26,13 @@
     <p:sldId id="292" r:id="rId14"/>
     <p:sldId id="293" r:id="rId15"/>
     <p:sldId id="287" r:id="rId16"/>
-    <p:sldId id="273" r:id="rId17"/>
+    <p:sldId id="300" r:id="rId17"/>
+    <p:sldId id="296" r:id="rId18"/>
+    <p:sldId id="283" r:id="rId19"/>
+    <p:sldId id="297" r:id="rId20"/>
+    <p:sldId id="298" r:id="rId21"/>
+    <p:sldId id="299" r:id="rId22"/>
+    <p:sldId id="273" r:id="rId23"/>
   </p:sldIdLst>
   <p:sldSz cx="9144000" cy="6858000" type="screen4x3"/>
   <p:notesSz cx="6858000" cy="9144000"/>
@@ -1124,6 +1130,189 @@
         </p:txBody>
       </p:sp>
     </p:spTree>
+    <p:extLst>
+      <p:ext uri="{BB962C8B-B14F-4D97-AF65-F5344CB8AC3E}">
+        <p14:creationId xmlns:p14="http://schemas.microsoft.com/office/powerpoint/2010/main" val="1552452845"/>
+      </p:ext>
+    </p:extLst>
+  </p:cSld>
+  <p:clrMapOvr>
+    <a:masterClrMapping/>
+  </p:clrMapOvr>
+</p:notes>
+</file>
+
+<file path=ppt/notesSlides/notesSlide17.xml><?xml version="1.0" encoding="utf-8"?>
+<p:notes xmlns:a="http://schemas.openxmlformats.org/drawingml/2006/main" xmlns:r="http://schemas.openxmlformats.org/officeDocument/2006/relationships" xmlns:p="http://schemas.openxmlformats.org/presentationml/2006/main">
+  <p:cSld>
+    <p:spTree>
+      <p:nvGrpSpPr>
+        <p:cNvPr id="1" name=""/>
+        <p:cNvGrpSpPr/>
+        <p:nvPr/>
+      </p:nvGrpSpPr>
+      <p:grpSpPr>
+        <a:xfrm>
+          <a:off x="0" y="0"/>
+          <a:ext cx="0" cy="0"/>
+          <a:chOff x="0" y="0"/>
+          <a:chExt cx="0" cy="0"/>
+        </a:xfrm>
+      </p:grpSpPr>
+      <p:sp>
+        <p:nvSpPr>
+          <p:cNvPr id="2" name="幻灯片图像占位符 1"/>
+          <p:cNvSpPr>
+            <a:spLocks noGrp="1" noRot="1" noChangeAspect="1"/>
+          </p:cNvSpPr>
+          <p:nvPr>
+            <p:ph type="sldImg" idx="2"/>
+          </p:nvPr>
+        </p:nvSpPr>
+        <p:spPr/>
+      </p:sp>
+      <p:sp>
+        <p:nvSpPr>
+          <p:cNvPr id="3" name="文本占位符 2"/>
+          <p:cNvSpPr>
+            <a:spLocks noGrp="1"/>
+          </p:cNvSpPr>
+          <p:nvPr>
+            <p:ph type="body" idx="3"/>
+          </p:nvPr>
+        </p:nvSpPr>
+        <p:spPr/>
+        <p:txBody>
+          <a:bodyPr/>
+          <a:lstStyle/>
+          <a:p>
+            <a:endParaRPr lang="zh-CN" altLang="en-US" dirty="0"/>
+          </a:p>
+        </p:txBody>
+      </p:sp>
+    </p:spTree>
+  </p:cSld>
+  <p:clrMapOvr>
+    <a:masterClrMapping/>
+  </p:clrMapOvr>
+</p:notes>
+</file>
+
+<file path=ppt/notesSlides/notesSlide18.xml><?xml version="1.0" encoding="utf-8"?>
+<p:notes xmlns:a="http://schemas.openxmlformats.org/drawingml/2006/main" xmlns:r="http://schemas.openxmlformats.org/officeDocument/2006/relationships" xmlns:p="http://schemas.openxmlformats.org/presentationml/2006/main">
+  <p:cSld>
+    <p:spTree>
+      <p:nvGrpSpPr>
+        <p:cNvPr id="1" name=""/>
+        <p:cNvGrpSpPr/>
+        <p:nvPr/>
+      </p:nvGrpSpPr>
+      <p:grpSpPr>
+        <a:xfrm>
+          <a:off x="0" y="0"/>
+          <a:ext cx="0" cy="0"/>
+          <a:chOff x="0" y="0"/>
+          <a:chExt cx="0" cy="0"/>
+        </a:xfrm>
+      </p:grpSpPr>
+      <p:sp>
+        <p:nvSpPr>
+          <p:cNvPr id="2" name="幻灯片图像占位符 1"/>
+          <p:cNvSpPr>
+            <a:spLocks noGrp="1" noRot="1" noChangeAspect="1"/>
+          </p:cNvSpPr>
+          <p:nvPr>
+            <p:ph type="sldImg" idx="2"/>
+          </p:nvPr>
+        </p:nvSpPr>
+        <p:spPr/>
+      </p:sp>
+      <p:sp>
+        <p:nvSpPr>
+          <p:cNvPr id="3" name="文本占位符 2"/>
+          <p:cNvSpPr>
+            <a:spLocks noGrp="1"/>
+          </p:cNvSpPr>
+          <p:nvPr>
+            <p:ph type="body" idx="3"/>
+          </p:nvPr>
+        </p:nvSpPr>
+        <p:spPr/>
+        <p:txBody>
+          <a:bodyPr/>
+          <a:lstStyle/>
+          <a:p>
+            <a:endParaRPr lang="zh-CN" altLang="en-US" dirty="0"/>
+          </a:p>
+        </p:txBody>
+      </p:sp>
+    </p:spTree>
+    <p:extLst>
+      <p:ext uri="{BB962C8B-B14F-4D97-AF65-F5344CB8AC3E}">
+        <p14:creationId xmlns:p14="http://schemas.microsoft.com/office/powerpoint/2010/main" val="2078766800"/>
+      </p:ext>
+    </p:extLst>
+  </p:cSld>
+  <p:clrMapOvr>
+    <a:masterClrMapping/>
+  </p:clrMapOvr>
+</p:notes>
+</file>
+
+<file path=ppt/notesSlides/notesSlide19.xml><?xml version="1.0" encoding="utf-8"?>
+<p:notes xmlns:a="http://schemas.openxmlformats.org/drawingml/2006/main" xmlns:r="http://schemas.openxmlformats.org/officeDocument/2006/relationships" xmlns:p="http://schemas.openxmlformats.org/presentationml/2006/main">
+  <p:cSld>
+    <p:spTree>
+      <p:nvGrpSpPr>
+        <p:cNvPr id="1" name=""/>
+        <p:cNvGrpSpPr/>
+        <p:nvPr/>
+      </p:nvGrpSpPr>
+      <p:grpSpPr>
+        <a:xfrm>
+          <a:off x="0" y="0"/>
+          <a:ext cx="0" cy="0"/>
+          <a:chOff x="0" y="0"/>
+          <a:chExt cx="0" cy="0"/>
+        </a:xfrm>
+      </p:grpSpPr>
+      <p:sp>
+        <p:nvSpPr>
+          <p:cNvPr id="2" name="幻灯片图像占位符 1"/>
+          <p:cNvSpPr>
+            <a:spLocks noGrp="1" noRot="1" noChangeAspect="1"/>
+          </p:cNvSpPr>
+          <p:nvPr>
+            <p:ph type="sldImg" idx="2"/>
+          </p:nvPr>
+        </p:nvSpPr>
+        <p:spPr/>
+      </p:sp>
+      <p:sp>
+        <p:nvSpPr>
+          <p:cNvPr id="3" name="文本占位符 2"/>
+          <p:cNvSpPr>
+            <a:spLocks noGrp="1"/>
+          </p:cNvSpPr>
+          <p:nvPr>
+            <p:ph type="body" idx="3"/>
+          </p:nvPr>
+        </p:nvSpPr>
+        <p:spPr/>
+        <p:txBody>
+          <a:bodyPr/>
+          <a:lstStyle/>
+          <a:p>
+            <a:endParaRPr lang="zh-CN" altLang="en-US" dirty="0"/>
+          </a:p>
+        </p:txBody>
+      </p:sp>
+    </p:spTree>
+    <p:extLst>
+      <p:ext uri="{BB962C8B-B14F-4D97-AF65-F5344CB8AC3E}">
+        <p14:creationId xmlns:p14="http://schemas.microsoft.com/office/powerpoint/2010/main" val="2423844213"/>
+      </p:ext>
+    </p:extLst>
   </p:cSld>
   <p:clrMapOvr>
     <a:masterClrMapping/>
@@ -1132,6 +1321,184 @@
 </file>
 
 <file path=ppt/notesSlides/notesSlide2.xml><?xml version="1.0" encoding="utf-8"?>
+<p:notes xmlns:a="http://schemas.openxmlformats.org/drawingml/2006/main" xmlns:r="http://schemas.openxmlformats.org/officeDocument/2006/relationships" xmlns:p="http://schemas.openxmlformats.org/presentationml/2006/main">
+  <p:cSld>
+    <p:spTree>
+      <p:nvGrpSpPr>
+        <p:cNvPr id="1" name=""/>
+        <p:cNvGrpSpPr/>
+        <p:nvPr/>
+      </p:nvGrpSpPr>
+      <p:grpSpPr>
+        <a:xfrm>
+          <a:off x="0" y="0"/>
+          <a:ext cx="0" cy="0"/>
+          <a:chOff x="0" y="0"/>
+          <a:chExt cx="0" cy="0"/>
+        </a:xfrm>
+      </p:grpSpPr>
+      <p:sp>
+        <p:nvSpPr>
+          <p:cNvPr id="2" name="幻灯片图像占位符 1"/>
+          <p:cNvSpPr>
+            <a:spLocks noGrp="1" noRot="1" noChangeAspect="1"/>
+          </p:cNvSpPr>
+          <p:nvPr>
+            <p:ph type="sldImg" idx="2"/>
+          </p:nvPr>
+        </p:nvSpPr>
+        <p:spPr/>
+      </p:sp>
+      <p:sp>
+        <p:nvSpPr>
+          <p:cNvPr id="3" name="文本占位符 2"/>
+          <p:cNvSpPr>
+            <a:spLocks noGrp="1"/>
+          </p:cNvSpPr>
+          <p:nvPr>
+            <p:ph type="body" idx="3"/>
+          </p:nvPr>
+        </p:nvSpPr>
+        <p:spPr/>
+        <p:txBody>
+          <a:bodyPr/>
+          <a:lstStyle/>
+          <a:p>
+            <a:endParaRPr lang="zh-CN" altLang="en-US" dirty="0"/>
+          </a:p>
+        </p:txBody>
+      </p:sp>
+    </p:spTree>
+  </p:cSld>
+  <p:clrMapOvr>
+    <a:masterClrMapping/>
+  </p:clrMapOvr>
+</p:notes>
+</file>
+
+<file path=ppt/notesSlides/notesSlide20.xml><?xml version="1.0" encoding="utf-8"?>
+<p:notes xmlns:a="http://schemas.openxmlformats.org/drawingml/2006/main" xmlns:r="http://schemas.openxmlformats.org/officeDocument/2006/relationships" xmlns:p="http://schemas.openxmlformats.org/presentationml/2006/main">
+  <p:cSld>
+    <p:spTree>
+      <p:nvGrpSpPr>
+        <p:cNvPr id="1" name=""/>
+        <p:cNvGrpSpPr/>
+        <p:nvPr/>
+      </p:nvGrpSpPr>
+      <p:grpSpPr>
+        <a:xfrm>
+          <a:off x="0" y="0"/>
+          <a:ext cx="0" cy="0"/>
+          <a:chOff x="0" y="0"/>
+          <a:chExt cx="0" cy="0"/>
+        </a:xfrm>
+      </p:grpSpPr>
+      <p:sp>
+        <p:nvSpPr>
+          <p:cNvPr id="2" name="幻灯片图像占位符 1"/>
+          <p:cNvSpPr>
+            <a:spLocks noGrp="1" noRot="1" noChangeAspect="1"/>
+          </p:cNvSpPr>
+          <p:nvPr>
+            <p:ph type="sldImg" idx="2"/>
+          </p:nvPr>
+        </p:nvSpPr>
+        <p:spPr/>
+      </p:sp>
+      <p:sp>
+        <p:nvSpPr>
+          <p:cNvPr id="3" name="文本占位符 2"/>
+          <p:cNvSpPr>
+            <a:spLocks noGrp="1"/>
+          </p:cNvSpPr>
+          <p:nvPr>
+            <p:ph type="body" idx="3"/>
+          </p:nvPr>
+        </p:nvSpPr>
+        <p:spPr/>
+        <p:txBody>
+          <a:bodyPr/>
+          <a:lstStyle/>
+          <a:p>
+            <a:endParaRPr lang="zh-CN" altLang="en-US" dirty="0"/>
+          </a:p>
+        </p:txBody>
+      </p:sp>
+    </p:spTree>
+    <p:extLst>
+      <p:ext uri="{BB962C8B-B14F-4D97-AF65-F5344CB8AC3E}">
+        <p14:creationId xmlns:p14="http://schemas.microsoft.com/office/powerpoint/2010/main" val="1329723682"/>
+      </p:ext>
+    </p:extLst>
+  </p:cSld>
+  <p:clrMapOvr>
+    <a:masterClrMapping/>
+  </p:clrMapOvr>
+</p:notes>
+</file>
+
+<file path=ppt/notesSlides/notesSlide21.xml><?xml version="1.0" encoding="utf-8"?>
+<p:notes xmlns:a="http://schemas.openxmlformats.org/drawingml/2006/main" xmlns:r="http://schemas.openxmlformats.org/officeDocument/2006/relationships" xmlns:p="http://schemas.openxmlformats.org/presentationml/2006/main">
+  <p:cSld>
+    <p:spTree>
+      <p:nvGrpSpPr>
+        <p:cNvPr id="1" name=""/>
+        <p:cNvGrpSpPr/>
+        <p:nvPr/>
+      </p:nvGrpSpPr>
+      <p:grpSpPr>
+        <a:xfrm>
+          <a:off x="0" y="0"/>
+          <a:ext cx="0" cy="0"/>
+          <a:chOff x="0" y="0"/>
+          <a:chExt cx="0" cy="0"/>
+        </a:xfrm>
+      </p:grpSpPr>
+      <p:sp>
+        <p:nvSpPr>
+          <p:cNvPr id="2" name="幻灯片图像占位符 1"/>
+          <p:cNvSpPr>
+            <a:spLocks noGrp="1" noRot="1" noChangeAspect="1"/>
+          </p:cNvSpPr>
+          <p:nvPr>
+            <p:ph type="sldImg" idx="2"/>
+          </p:nvPr>
+        </p:nvSpPr>
+        <p:spPr/>
+      </p:sp>
+      <p:sp>
+        <p:nvSpPr>
+          <p:cNvPr id="3" name="文本占位符 2"/>
+          <p:cNvSpPr>
+            <a:spLocks noGrp="1"/>
+          </p:cNvSpPr>
+          <p:nvPr>
+            <p:ph type="body" idx="3"/>
+          </p:nvPr>
+        </p:nvSpPr>
+        <p:spPr/>
+        <p:txBody>
+          <a:bodyPr/>
+          <a:lstStyle/>
+          <a:p>
+            <a:endParaRPr lang="zh-CN" altLang="en-US" dirty="0"/>
+          </a:p>
+        </p:txBody>
+      </p:sp>
+    </p:spTree>
+    <p:extLst>
+      <p:ext uri="{BB962C8B-B14F-4D97-AF65-F5344CB8AC3E}">
+        <p14:creationId xmlns:p14="http://schemas.microsoft.com/office/powerpoint/2010/main" val="1807758164"/>
+      </p:ext>
+    </p:extLst>
+  </p:cSld>
+  <p:clrMapOvr>
+    <a:masterClrMapping/>
+  </p:clrMapOvr>
+</p:notes>
+</file>
+
+<file path=ppt/notesSlides/notesSlide22.xml><?xml version="1.0" encoding="utf-8"?>
 <p:notes xmlns:a="http://schemas.openxmlformats.org/drawingml/2006/main" xmlns:r="http://schemas.openxmlformats.org/officeDocument/2006/relationships" xmlns:p="http://schemas.openxmlformats.org/presentationml/2006/main">
   <p:cSld>
     <p:spTree>
@@ -5022,8 +5389,8 @@
           </a:p>
         </p:txBody>
       </p:sp>
-      <mc:AlternateContent xmlns:mc="http://schemas.openxmlformats.org/markup-compatibility/2006">
-        <mc:Choice xmlns:a14="http://schemas.microsoft.com/office/drawing/2010/main" Requires="a14">
+      <mc:AlternateContent xmlns:mc="http://schemas.openxmlformats.org/markup-compatibility/2006" xmlns:a14="http://schemas.microsoft.com/office/drawing/2010/main">
+        <mc:Choice Requires="a14">
           <p:sp>
             <p:nvSpPr>
               <p:cNvPr id="33" name="Rectangle 3"/>
@@ -5410,7 +5777,7 @@
             </p:txBody>
           </p:sp>
         </mc:Choice>
-        <mc:Fallback>
+        <mc:Fallback xmlns="">
           <p:sp>
             <p:nvSpPr>
               <p:cNvPr id="33" name="Rectangle 3"/>
@@ -5455,8 +5822,8 @@
           </p:sp>
         </mc:Fallback>
       </mc:AlternateContent>
-      <mc:AlternateContent xmlns:mc="http://schemas.openxmlformats.org/markup-compatibility/2006">
-        <mc:Choice xmlns:a14="http://schemas.microsoft.com/office/drawing/2010/main" Requires="a14">
+      <mc:AlternateContent xmlns:mc="http://schemas.openxmlformats.org/markup-compatibility/2006" xmlns:a14="http://schemas.microsoft.com/office/drawing/2010/main">
+        <mc:Choice Requires="a14">
           <p:sp>
             <p:nvSpPr>
               <p:cNvPr id="16" name="Rectangle 3">
@@ -5787,7 +6154,7 @@
             </p:txBody>
           </p:sp>
         </mc:Choice>
-        <mc:Fallback>
+        <mc:Fallback xmlns="">
           <p:sp>
             <p:nvSpPr>
               <p:cNvPr id="16" name="Rectangle 3">
@@ -6214,8 +6581,8 @@
           </a:p>
         </p:txBody>
       </p:sp>
-      <mc:AlternateContent xmlns:mc="http://schemas.openxmlformats.org/markup-compatibility/2006">
-        <mc:Choice xmlns:a14="http://schemas.microsoft.com/office/drawing/2010/main" Requires="a14">
+      <mc:AlternateContent xmlns:mc="http://schemas.openxmlformats.org/markup-compatibility/2006" xmlns:a14="http://schemas.microsoft.com/office/drawing/2010/main">
+        <mc:Choice Requires="a14">
           <p:sp>
             <p:nvSpPr>
               <p:cNvPr id="33" name="Rectangle 3"/>
@@ -6602,7 +6969,7 @@
             </p:txBody>
           </p:sp>
         </mc:Choice>
-        <mc:Fallback>
+        <mc:Fallback xmlns="">
           <p:sp>
             <p:nvSpPr>
               <p:cNvPr id="33" name="Rectangle 3"/>
@@ -6647,8 +7014,8 @@
           </p:sp>
         </mc:Fallback>
       </mc:AlternateContent>
-      <mc:AlternateContent xmlns:mc="http://schemas.openxmlformats.org/markup-compatibility/2006">
-        <mc:Choice xmlns:a14="http://schemas.microsoft.com/office/drawing/2010/main" Requires="a14">
+      <mc:AlternateContent xmlns:mc="http://schemas.openxmlformats.org/markup-compatibility/2006" xmlns:a14="http://schemas.microsoft.com/office/drawing/2010/main">
+        <mc:Choice Requires="a14">
           <p:sp>
             <p:nvSpPr>
               <p:cNvPr id="16" name="Rectangle 3">
@@ -6979,7 +7346,7 @@
             </p:txBody>
           </p:sp>
         </mc:Choice>
-        <mc:Fallback>
+        <mc:Fallback xmlns="">
           <p:sp>
             <p:nvSpPr>
               <p:cNvPr id="16" name="Rectangle 3">
@@ -7406,8 +7773,8 @@
           </a:p>
         </p:txBody>
       </p:sp>
-      <mc:AlternateContent xmlns:mc="http://schemas.openxmlformats.org/markup-compatibility/2006">
-        <mc:Choice xmlns:a14="http://schemas.microsoft.com/office/drawing/2010/main" Requires="a14">
+      <mc:AlternateContent xmlns:mc="http://schemas.openxmlformats.org/markup-compatibility/2006" xmlns:a14="http://schemas.microsoft.com/office/drawing/2010/main">
+        <mc:Choice Requires="a14">
           <p:sp>
             <p:nvSpPr>
               <p:cNvPr id="33" name="Rectangle 3"/>
@@ -7794,7 +8161,7 @@
             </p:txBody>
           </p:sp>
         </mc:Choice>
-        <mc:Fallback>
+        <mc:Fallback xmlns="">
           <p:sp>
             <p:nvSpPr>
               <p:cNvPr id="33" name="Rectangle 3"/>
@@ -7839,8 +8206,8 @@
           </p:sp>
         </mc:Fallback>
       </mc:AlternateContent>
-      <mc:AlternateContent xmlns:mc="http://schemas.openxmlformats.org/markup-compatibility/2006">
-        <mc:Choice xmlns:a14="http://schemas.microsoft.com/office/drawing/2010/main" Requires="a14">
+      <mc:AlternateContent xmlns:mc="http://schemas.openxmlformats.org/markup-compatibility/2006" xmlns:a14="http://schemas.microsoft.com/office/drawing/2010/main">
+        <mc:Choice Requires="a14">
           <p:sp>
             <p:nvSpPr>
               <p:cNvPr id="16" name="Rectangle 3">
@@ -8171,7 +8538,7 @@
             </p:txBody>
           </p:sp>
         </mc:Choice>
-        <mc:Fallback>
+        <mc:Fallback xmlns="">
           <p:sp>
             <p:nvSpPr>
               <p:cNvPr id="16" name="Rectangle 3">
@@ -8598,8 +8965,8 @@
           </a:p>
         </p:txBody>
       </p:sp>
-      <mc:AlternateContent xmlns:mc="http://schemas.openxmlformats.org/markup-compatibility/2006">
-        <mc:Choice xmlns:a14="http://schemas.microsoft.com/office/drawing/2010/main" Requires="a14">
+      <mc:AlternateContent xmlns:mc="http://schemas.openxmlformats.org/markup-compatibility/2006" xmlns:a14="http://schemas.microsoft.com/office/drawing/2010/main">
+        <mc:Choice Requires="a14">
           <p:sp>
             <p:nvSpPr>
               <p:cNvPr id="33" name="Rectangle 3"/>
@@ -8986,7 +9353,7 @@
             </p:txBody>
           </p:sp>
         </mc:Choice>
-        <mc:Fallback>
+        <mc:Fallback xmlns="">
           <p:sp>
             <p:nvSpPr>
               <p:cNvPr id="33" name="Rectangle 3"/>
@@ -9954,8 +10321,8 @@
           </a:p>
         </p:txBody>
       </p:sp>
-      <mc:AlternateContent xmlns:mc="http://schemas.openxmlformats.org/markup-compatibility/2006">
-        <mc:Choice xmlns:a14="http://schemas.microsoft.com/office/drawing/2010/main" Requires="a14">
+      <mc:AlternateContent xmlns:mc="http://schemas.openxmlformats.org/markup-compatibility/2006" xmlns:a14="http://schemas.microsoft.com/office/drawing/2010/main">
+        <mc:Choice Requires="a14">
           <p:graphicFrame>
             <p:nvGraphicFramePr>
               <p:cNvPr id="10" name="表格 5">
@@ -10420,7 +10787,7 @@
             </a:graphic>
           </p:graphicFrame>
         </mc:Choice>
-        <mc:Fallback>
+        <mc:Fallback xmlns="">
           <p:graphicFrame>
             <p:nvGraphicFramePr>
               <p:cNvPr id="10" name="表格 5">
@@ -11548,8 +11915,8 @@
           </a:p>
         </p:txBody>
       </p:sp>
-      <mc:AlternateContent xmlns:mc="http://schemas.openxmlformats.org/markup-compatibility/2006">
-        <mc:Choice xmlns:a14="http://schemas.microsoft.com/office/drawing/2010/main" Requires="a14">
+      <mc:AlternateContent xmlns:mc="http://schemas.openxmlformats.org/markup-compatibility/2006" xmlns:a14="http://schemas.microsoft.com/office/drawing/2010/main">
+        <mc:Choice Requires="a14">
           <p:graphicFrame>
             <p:nvGraphicFramePr>
               <p:cNvPr id="23" name="表格 5">
@@ -11865,7 +12232,7 @@
             </a:graphic>
           </p:graphicFrame>
         </mc:Choice>
-        <mc:Fallback>
+        <mc:Fallback xmlns="">
           <p:graphicFrame>
             <p:nvGraphicFramePr>
               <p:cNvPr id="23" name="表格 5">
@@ -12446,8 +12813,8 @@
         </p:nvSpPr>
         <p:spPr>
           <a:xfrm>
-            <a:off x="0" y="1"/>
-            <a:ext cx="9144000" cy="3654674"/>
+            <a:off x="-13648" y="0"/>
+            <a:ext cx="9157648" cy="1202643"/>
           </a:xfrm>
           <a:prstGeom prst="rect">
             <a:avLst/>
@@ -12486,14 +12853,14 @@
       </p:sp>
       <p:sp>
         <p:nvSpPr>
-          <p:cNvPr id="3" name="TextBox 89"/>
+          <p:cNvPr id="39" name="文本框 38"/>
           <p:cNvSpPr txBox="1"/>
           <p:nvPr/>
         </p:nvSpPr>
         <p:spPr>
           <a:xfrm>
-            <a:off x="6025572" y="4823674"/>
-            <a:ext cx="2954655" cy="461665"/>
+            <a:off x="207588" y="2171807"/>
+            <a:ext cx="3123394" cy="646331"/>
           </a:xfrm>
           <a:prstGeom prst="rect">
             <a:avLst/>
@@ -12501,31 +12868,27 @@
           <a:noFill/>
         </p:spPr>
         <p:txBody>
-          <a:bodyPr wrap="none" rtlCol="0">
+          <a:bodyPr wrap="square" rtlCol="0">
             <a:spAutoFit/>
           </a:bodyPr>
           <a:lstStyle/>
           <a:p>
-            <a:pPr algn="r"/>
             <a:r>
-              <a:rPr lang="zh-CN" altLang="en-US" sz="2400" b="1" dirty="0">
+              <a:rPr lang="en-US" altLang="zh-CN" sz="3600" b="1" dirty="0">
                 <a:solidFill>
-                  <a:schemeClr val="tx1">
-                    <a:lumMod val="75000"/>
-                    <a:lumOff val="25000"/>
+                  <a:schemeClr val="bg1">
+                    <a:lumMod val="65000"/>
                   </a:schemeClr>
                 </a:solidFill>
                 <a:latin typeface="华文楷体" panose="02010600040101010101" pitchFamily="2" charset="-122"/>
                 <a:ea typeface="华文楷体" panose="02010600040101010101" pitchFamily="2" charset="-122"/>
-                <a:sym typeface="+mn-ea"/>
               </a:rPr>
-              <a:t>电平信道编译码展示</a:t>
+              <a:t>CONTENTS</a:t>
             </a:r>
-            <a:endParaRPr lang="zh-CN" altLang="en-US" sz="2400" b="1" dirty="0">
+            <a:endParaRPr lang="zh-CN" altLang="en-US" sz="3600" b="1" dirty="0">
               <a:solidFill>
-                <a:schemeClr val="tx1">
-                  <a:lumMod val="75000"/>
-                  <a:lumOff val="25000"/>
+                <a:schemeClr val="bg1">
+                  <a:lumMod val="65000"/>
                 </a:schemeClr>
               </a:solidFill>
               <a:latin typeface="华文楷体" panose="02010600040101010101" pitchFamily="2" charset="-122"/>
@@ -12534,179 +12897,15 @@
           </a:p>
         </p:txBody>
       </p:sp>
-      <p:cxnSp>
-        <p:nvCxnSpPr>
-          <p:cNvPr id="4" name="直接连接符 3"/>
-          <p:cNvCxnSpPr/>
-          <p:nvPr/>
-        </p:nvCxnSpPr>
-        <p:spPr>
-          <a:xfrm>
-            <a:off x="7057588" y="4732426"/>
-            <a:ext cx="1813954" cy="0"/>
-          </a:xfrm>
-          <a:prstGeom prst="line">
-            <a:avLst/>
-          </a:prstGeom>
-          <a:ln>
-            <a:solidFill>
-              <a:schemeClr val="tx1">
-                <a:lumMod val="75000"/>
-                <a:lumOff val="25000"/>
-              </a:schemeClr>
-            </a:solidFill>
-          </a:ln>
-        </p:spPr>
-        <p:style>
-          <a:lnRef idx="1">
-            <a:schemeClr val="accent1"/>
-          </a:lnRef>
-          <a:fillRef idx="0">
-            <a:schemeClr val="accent1"/>
-          </a:fillRef>
-          <a:effectRef idx="0">
-            <a:schemeClr val="accent1"/>
-          </a:effectRef>
-          <a:fontRef idx="minor">
-            <a:schemeClr val="tx1"/>
-          </a:fontRef>
-        </p:style>
-      </p:cxnSp>
-      <p:sp>
-        <p:nvSpPr>
-          <p:cNvPr id="5" name="TextBox 5"/>
-          <p:cNvSpPr txBox="1"/>
-          <p:nvPr/>
-        </p:nvSpPr>
-        <p:spPr>
-          <a:xfrm>
-            <a:off x="6331411" y="3881926"/>
-            <a:ext cx="2646878" cy="830997"/>
-          </a:xfrm>
-          <a:prstGeom prst="rect">
-            <a:avLst/>
-          </a:prstGeom>
-          <a:noFill/>
-        </p:spPr>
-        <p:txBody>
-          <a:bodyPr wrap="none" rtlCol="0">
-            <a:spAutoFit/>
-          </a:bodyPr>
-          <a:lstStyle/>
-          <a:p>
-            <a:pPr algn="r"/>
-            <a:r>
-              <a:rPr lang="zh-CN" altLang="en-US" sz="4800" b="1" dirty="0">
-                <a:solidFill>
-                  <a:schemeClr val="tx1">
-                    <a:lumMod val="75000"/>
-                    <a:lumOff val="25000"/>
-                  </a:schemeClr>
-                </a:solidFill>
-                <a:latin typeface="华文楷体" panose="02010600040101010101" pitchFamily="2" charset="-122"/>
-                <a:ea typeface="华文楷体" panose="02010600040101010101" pitchFamily="2" charset="-122"/>
-              </a:rPr>
-              <a:t>谢谢倾听</a:t>
-            </a:r>
-          </a:p>
-        </p:txBody>
-      </p:sp>
-      <p:sp>
-        <p:nvSpPr>
-          <p:cNvPr id="10" name="矩形 9"/>
-          <p:cNvSpPr/>
-          <p:nvPr/>
-        </p:nvSpPr>
-        <p:spPr>
-          <a:xfrm>
-            <a:off x="163773" y="6210551"/>
-            <a:ext cx="424342" cy="424342"/>
-          </a:xfrm>
-          <a:prstGeom prst="rect">
-            <a:avLst/>
-          </a:prstGeom>
-          <a:solidFill>
-            <a:srgbClr val="5C307D"/>
-          </a:solidFill>
-          <a:ln>
-            <a:solidFill>
-              <a:schemeClr val="bg1">
-                <a:lumMod val="50000"/>
-              </a:schemeClr>
-            </a:solidFill>
-          </a:ln>
-        </p:spPr>
-        <p:style>
-          <a:lnRef idx="2">
-            <a:schemeClr val="accent1">
-              <a:shade val="50000"/>
-            </a:schemeClr>
-          </a:lnRef>
-          <a:fillRef idx="1">
-            <a:schemeClr val="accent1"/>
-          </a:fillRef>
-          <a:effectRef idx="0">
-            <a:schemeClr val="accent1"/>
-          </a:effectRef>
-          <a:fontRef idx="minor">
-            <a:schemeClr val="lt1"/>
-          </a:fontRef>
-        </p:style>
-        <p:txBody>
-          <a:bodyPr rtlCol="0" anchor="ctr"/>
-          <a:lstStyle/>
-          <a:p>
-            <a:pPr algn="ctr"/>
-            <a:endParaRPr lang="zh-CN" altLang="en-US"/>
-          </a:p>
-        </p:txBody>
-      </p:sp>
-      <p:cxnSp>
-        <p:nvCxnSpPr>
-          <p:cNvPr id="7" name="直接连接符 6"/>
-          <p:cNvCxnSpPr/>
-          <p:nvPr/>
-        </p:nvCxnSpPr>
-        <p:spPr>
-          <a:xfrm>
-            <a:off x="163773" y="6627119"/>
-            <a:ext cx="4408227" cy="0"/>
-          </a:xfrm>
-          <a:prstGeom prst="line">
-            <a:avLst/>
-          </a:prstGeom>
-          <a:ln>
-            <a:solidFill>
-              <a:schemeClr val="bg1">
-                <a:lumMod val="50000"/>
-              </a:schemeClr>
-            </a:solidFill>
-          </a:ln>
-        </p:spPr>
-        <p:style>
-          <a:lnRef idx="1">
-            <a:schemeClr val="accent1"/>
-          </a:lnRef>
-          <a:fillRef idx="0">
-            <a:schemeClr val="accent1"/>
-          </a:fillRef>
-          <a:effectRef idx="0">
-            <a:schemeClr val="accent1"/>
-          </a:effectRef>
-          <a:fontRef idx="minor">
-            <a:schemeClr val="tx1"/>
-          </a:fontRef>
-        </p:style>
-      </p:cxnSp>
       <p:grpSp>
         <p:nvGrpSpPr>
-          <p:cNvPr id="28" name="组合 27"/>
+          <p:cNvPr id="43" name="组合 42"/>
           <p:cNvGrpSpPr/>
           <p:nvPr/>
         </p:nvGrpSpPr>
         <p:grpSpPr>
           <a:xfrm>
-            <a:off x="0" y="3770844"/>
+            <a:off x="0" y="1305569"/>
             <a:ext cx="9144000" cy="56736"/>
             <a:chOff x="30834" y="1305568"/>
             <a:chExt cx="8816454" cy="66133"/>
@@ -12714,7 +12913,7 @@
         </p:grpSpPr>
         <p:sp>
           <p:nvSpPr>
-            <p:cNvPr id="29" name="矩形 28"/>
+            <p:cNvPr id="14" name="矩形 13"/>
             <p:cNvSpPr/>
             <p:nvPr/>
           </p:nvSpPr>
@@ -12762,7 +12961,7 @@
         </p:sp>
         <p:sp>
           <p:nvSpPr>
-            <p:cNvPr id="30" name="矩形 29"/>
+            <p:cNvPr id="15" name="矩形 14"/>
             <p:cNvSpPr/>
             <p:nvPr/>
           </p:nvSpPr>
@@ -12807,53 +13006,2466 @@
           </p:txBody>
         </p:sp>
       </p:grpSp>
-      <p:pic>
-        <p:nvPicPr>
-          <p:cNvPr id="31" name="图片 30"/>
-          <p:cNvPicPr>
-            <a:picLocks noChangeAspect="1"/>
-          </p:cNvPicPr>
+      <p:sp>
+        <p:nvSpPr>
+          <p:cNvPr id="17" name="文本框 16"/>
+          <p:cNvSpPr txBox="1"/>
           <p:nvPr/>
-        </p:nvPicPr>
-        <p:blipFill>
-          <a:blip r:embed="rId3" cstate="print">
-            <a:clrChange>
-              <a:clrFrom>
-                <a:srgbClr val="FFFFFF"/>
-              </a:clrFrom>
-              <a:clrTo>
-                <a:srgbClr val="FFFFFF">
-                  <a:alpha val="0"/>
-                </a:srgbClr>
-              </a:clrTo>
-            </a:clrChange>
-            <a:lum bright="70000" contrast="-70000"/>
-            <a:extLst>
-              <a:ext uri="{28A0092B-C50C-407E-A947-70E740481C1C}">
-                <a14:useLocalDpi xmlns:a14="http://schemas.microsoft.com/office/drawing/2010/main" val="0"/>
-              </a:ext>
-            </a:extLst>
-          </a:blip>
-          <a:stretch>
-            <a:fillRect/>
-          </a:stretch>
-        </p:blipFill>
+        </p:nvSpPr>
         <p:spPr>
           <a:xfrm>
-            <a:off x="137613" y="266701"/>
-            <a:ext cx="3137850" cy="1327881"/>
+            <a:off x="3546473" y="2765545"/>
+            <a:ext cx="397510" cy="645160"/>
           </a:xfrm>
           <a:prstGeom prst="rect">
             <a:avLst/>
           </a:prstGeom>
+          <a:noFill/>
         </p:spPr>
-      </p:pic>
+        <p:txBody>
+          <a:bodyPr wrap="none" rtlCol="0">
+            <a:spAutoFit/>
+          </a:bodyPr>
+          <a:lstStyle/>
+          <a:p>
+            <a:pPr algn="ctr"/>
+            <a:r>
+              <a:rPr lang="en-US" altLang="zh-CN" sz="3600" dirty="0">
+                <a:solidFill>
+                  <a:srgbClr val="5C307D"/>
+                </a:solidFill>
+                <a:latin typeface="华文楷体" panose="02010600040101010101" pitchFamily="2" charset="-122"/>
+                <a:ea typeface="华文楷体" panose="02010600040101010101" pitchFamily="2" charset="-122"/>
+              </a:rPr>
+              <a:t>1</a:t>
+            </a:r>
+          </a:p>
+        </p:txBody>
+      </p:sp>
+      <p:sp>
+        <p:nvSpPr>
+          <p:cNvPr id="19" name="文本框 18"/>
+          <p:cNvSpPr txBox="1"/>
+          <p:nvPr/>
+        </p:nvSpPr>
+        <p:spPr>
+          <a:xfrm>
+            <a:off x="4015159" y="2832271"/>
+            <a:ext cx="4271747" cy="461665"/>
+          </a:xfrm>
+          <a:prstGeom prst="rect">
+            <a:avLst/>
+          </a:prstGeom>
+          <a:noFill/>
+        </p:spPr>
+        <p:txBody>
+          <a:bodyPr wrap="none" rtlCol="0">
+            <a:spAutoFit/>
+          </a:bodyPr>
+          <a:lstStyle/>
+          <a:p>
+            <a:r>
+              <a:rPr lang="zh-CN" altLang="en-US" sz="2400" b="1" dirty="0">
+                <a:solidFill>
+                  <a:schemeClr val="tx1"/>
+                </a:solidFill>
+                <a:ea typeface="华文楷体" panose="02010600040101010101" pitchFamily="2" charset="-122"/>
+              </a:rPr>
+              <a:t>复电平信道的构建与性能分析</a:t>
+            </a:r>
+          </a:p>
+        </p:txBody>
+      </p:sp>
+      <p:cxnSp>
+        <p:nvCxnSpPr>
+          <p:cNvPr id="20" name="直接连接符 19"/>
+          <p:cNvCxnSpPr/>
+          <p:nvPr/>
+        </p:nvCxnSpPr>
+        <p:spPr>
+          <a:xfrm flipH="1">
+            <a:off x="3767746" y="2945179"/>
+            <a:ext cx="246456" cy="246456"/>
+          </a:xfrm>
+          <a:prstGeom prst="line">
+            <a:avLst/>
+          </a:prstGeom>
+          <a:ln>
+            <a:solidFill>
+              <a:srgbClr val="5C307D"/>
+            </a:solidFill>
+          </a:ln>
+        </p:spPr>
+        <p:style>
+          <a:lnRef idx="1">
+            <a:schemeClr val="accent1"/>
+          </a:lnRef>
+          <a:fillRef idx="0">
+            <a:schemeClr val="accent1"/>
+          </a:fillRef>
+          <a:effectRef idx="0">
+            <a:schemeClr val="accent1"/>
+          </a:effectRef>
+          <a:fontRef idx="minor">
+            <a:schemeClr val="tx1"/>
+          </a:fontRef>
+        </p:style>
+      </p:cxnSp>
+      <p:sp>
+        <p:nvSpPr>
+          <p:cNvPr id="21" name="文本框 20"/>
+          <p:cNvSpPr txBox="1"/>
+          <p:nvPr/>
+        </p:nvSpPr>
+        <p:spPr>
+          <a:xfrm>
+            <a:off x="3546267" y="3486328"/>
+            <a:ext cx="397510" cy="645160"/>
+          </a:xfrm>
+          <a:prstGeom prst="rect">
+            <a:avLst/>
+          </a:prstGeom>
+          <a:noFill/>
+        </p:spPr>
+        <p:txBody>
+          <a:bodyPr wrap="none" rtlCol="0">
+            <a:spAutoFit/>
+          </a:bodyPr>
+          <a:lstStyle/>
+          <a:p>
+            <a:pPr algn="ctr"/>
+            <a:r>
+              <a:rPr lang="en-US" altLang="zh-CN" sz="3600" dirty="0">
+                <a:solidFill>
+                  <a:srgbClr val="5C307D"/>
+                </a:solidFill>
+                <a:latin typeface="华文楷体" panose="02010600040101010101" pitchFamily="2" charset="-122"/>
+                <a:ea typeface="华文楷体" panose="02010600040101010101" pitchFamily="2" charset="-122"/>
+              </a:rPr>
+              <a:t>2</a:t>
+            </a:r>
+          </a:p>
+        </p:txBody>
+      </p:sp>
+      <p:sp>
+        <p:nvSpPr>
+          <p:cNvPr id="22" name="文本框 21"/>
+          <p:cNvSpPr txBox="1"/>
+          <p:nvPr/>
+        </p:nvSpPr>
+        <p:spPr>
+          <a:xfrm>
+            <a:off x="4014217" y="3578408"/>
+            <a:ext cx="3656194" cy="461665"/>
+          </a:xfrm>
+          <a:prstGeom prst="rect">
+            <a:avLst/>
+          </a:prstGeom>
+          <a:noFill/>
+        </p:spPr>
+        <p:txBody>
+          <a:bodyPr wrap="none" rtlCol="0">
+            <a:spAutoFit/>
+          </a:bodyPr>
+          <a:lstStyle/>
+          <a:p>
+            <a:r>
+              <a:rPr lang="zh-CN" altLang="en-US" sz="2400" b="1" dirty="0">
+                <a:solidFill>
+                  <a:schemeClr val="tx1">
+                    <a:lumMod val="75000"/>
+                    <a:lumOff val="25000"/>
+                  </a:schemeClr>
+                </a:solidFill>
+                <a:ea typeface="华文楷体" panose="02010600040101010101" pitchFamily="2" charset="-122"/>
+              </a:rPr>
+              <a:t>线性分组码的设计及分析</a:t>
+            </a:r>
+          </a:p>
+        </p:txBody>
+      </p:sp>
+      <p:cxnSp>
+        <p:nvCxnSpPr>
+          <p:cNvPr id="23" name="直接连接符 22"/>
+          <p:cNvCxnSpPr/>
+          <p:nvPr/>
+        </p:nvCxnSpPr>
+        <p:spPr>
+          <a:xfrm flipH="1">
+            <a:off x="3769030" y="3691304"/>
+            <a:ext cx="246456" cy="246456"/>
+          </a:xfrm>
+          <a:prstGeom prst="line">
+            <a:avLst/>
+          </a:prstGeom>
+          <a:ln>
+            <a:solidFill>
+              <a:srgbClr val="5C307D"/>
+            </a:solidFill>
+          </a:ln>
+        </p:spPr>
+        <p:style>
+          <a:lnRef idx="1">
+            <a:schemeClr val="accent1"/>
+          </a:lnRef>
+          <a:fillRef idx="0">
+            <a:schemeClr val="accent1"/>
+          </a:fillRef>
+          <a:effectRef idx="0">
+            <a:schemeClr val="accent1"/>
+          </a:effectRef>
+          <a:fontRef idx="minor">
+            <a:schemeClr val="tx1"/>
+          </a:fontRef>
+        </p:style>
+      </p:cxnSp>
+      <p:sp>
+        <p:nvSpPr>
+          <p:cNvPr id="24" name="文本框 23"/>
+          <p:cNvSpPr txBox="1"/>
+          <p:nvPr/>
+        </p:nvSpPr>
+        <p:spPr>
+          <a:xfrm>
+            <a:off x="3545838" y="4230117"/>
+            <a:ext cx="397510" cy="645160"/>
+          </a:xfrm>
+          <a:prstGeom prst="rect">
+            <a:avLst/>
+          </a:prstGeom>
+          <a:noFill/>
+        </p:spPr>
+        <p:txBody>
+          <a:bodyPr wrap="none" rtlCol="0">
+            <a:spAutoFit/>
+          </a:bodyPr>
+          <a:lstStyle/>
+          <a:p>
+            <a:pPr algn="ctr"/>
+            <a:r>
+              <a:rPr lang="en-US" altLang="zh-CN" sz="3600" dirty="0">
+                <a:solidFill>
+                  <a:srgbClr val="5C307D"/>
+                </a:solidFill>
+                <a:latin typeface="华文楷体" panose="02010600040101010101" pitchFamily="2" charset="-122"/>
+                <a:ea typeface="华文楷体" panose="02010600040101010101" pitchFamily="2" charset="-122"/>
+              </a:rPr>
+              <a:t>3</a:t>
+            </a:r>
+          </a:p>
+        </p:txBody>
+      </p:sp>
+      <p:sp>
+        <p:nvSpPr>
+          <p:cNvPr id="25" name="文本框 24"/>
+          <p:cNvSpPr txBox="1"/>
+          <p:nvPr/>
+        </p:nvSpPr>
+        <p:spPr>
+          <a:xfrm>
+            <a:off x="4014524" y="4296843"/>
+            <a:ext cx="3040641" cy="461665"/>
+          </a:xfrm>
+          <a:prstGeom prst="rect">
+            <a:avLst/>
+          </a:prstGeom>
+          <a:noFill/>
+        </p:spPr>
+        <p:txBody>
+          <a:bodyPr wrap="none" rtlCol="0">
+            <a:spAutoFit/>
+          </a:bodyPr>
+          <a:lstStyle/>
+          <a:p>
+            <a:r>
+              <a:rPr lang="zh-CN" altLang="en-US" sz="2400" b="1" dirty="0">
+                <a:solidFill>
+                  <a:schemeClr val="tx1">
+                    <a:lumMod val="75000"/>
+                    <a:lumOff val="25000"/>
+                  </a:schemeClr>
+                </a:solidFill>
+                <a:ea typeface="华文楷体" panose="02010600040101010101" pitchFamily="2" charset="-122"/>
+              </a:rPr>
+              <a:t>卷积码的设计及分析</a:t>
+            </a:r>
+          </a:p>
+        </p:txBody>
+      </p:sp>
+      <p:cxnSp>
+        <p:nvCxnSpPr>
+          <p:cNvPr id="26" name="直接连接符 25"/>
+          <p:cNvCxnSpPr/>
+          <p:nvPr/>
+        </p:nvCxnSpPr>
+        <p:spPr>
+          <a:xfrm flipH="1">
+            <a:off x="3769651" y="4435786"/>
+            <a:ext cx="246456" cy="246456"/>
+          </a:xfrm>
+          <a:prstGeom prst="line">
+            <a:avLst/>
+          </a:prstGeom>
+          <a:ln>
+            <a:solidFill>
+              <a:srgbClr val="5C307D"/>
+            </a:solidFill>
+          </a:ln>
+        </p:spPr>
+        <p:style>
+          <a:lnRef idx="1">
+            <a:schemeClr val="accent1"/>
+          </a:lnRef>
+          <a:fillRef idx="0">
+            <a:schemeClr val="accent1"/>
+          </a:fillRef>
+          <a:effectRef idx="0">
+            <a:schemeClr val="accent1"/>
+          </a:effectRef>
+          <a:fontRef idx="minor">
+            <a:schemeClr val="tx1"/>
+          </a:fontRef>
+        </p:style>
+      </p:cxnSp>
+      <p:cxnSp>
+        <p:nvCxnSpPr>
+          <p:cNvPr id="8" name="直接连接符 7"/>
+          <p:cNvCxnSpPr/>
+          <p:nvPr/>
+        </p:nvCxnSpPr>
+        <p:spPr>
+          <a:xfrm>
+            <a:off x="3287395" y="2171700"/>
+            <a:ext cx="7620" cy="3208655"/>
+          </a:xfrm>
+          <a:prstGeom prst="line">
+            <a:avLst/>
+          </a:prstGeom>
+          <a:ln>
+            <a:solidFill>
+              <a:schemeClr val="bg1">
+                <a:lumMod val="50000"/>
+              </a:schemeClr>
+            </a:solidFill>
+          </a:ln>
+        </p:spPr>
+        <p:style>
+          <a:lnRef idx="1">
+            <a:schemeClr val="accent1"/>
+          </a:lnRef>
+          <a:fillRef idx="0">
+            <a:schemeClr val="accent1"/>
+          </a:fillRef>
+          <a:effectRef idx="0">
+            <a:schemeClr val="accent1"/>
+          </a:effectRef>
+          <a:fontRef idx="minor">
+            <a:schemeClr val="tx1"/>
+          </a:fontRef>
+        </p:style>
+      </p:cxnSp>
+      <p:sp>
+        <p:nvSpPr>
+          <p:cNvPr id="2" name="文本框 1"/>
+          <p:cNvSpPr txBox="1"/>
+          <p:nvPr/>
+        </p:nvSpPr>
+        <p:spPr>
+          <a:xfrm>
+            <a:off x="163830" y="217170"/>
+            <a:ext cx="1305560" cy="768350"/>
+          </a:xfrm>
+          <a:prstGeom prst="rect">
+            <a:avLst/>
+          </a:prstGeom>
+          <a:noFill/>
+        </p:spPr>
+        <p:txBody>
+          <a:bodyPr wrap="none" rtlCol="0">
+            <a:spAutoFit/>
+          </a:bodyPr>
+          <a:lstStyle/>
+          <a:p>
+            <a:r>
+              <a:rPr lang="zh-CN" altLang="en-US" sz="4400" b="1">
+                <a:solidFill>
+                  <a:schemeClr val="bg1"/>
+                </a:solidFill>
+                <a:latin typeface="黑体" panose="02010609060101010101" charset="-122"/>
+                <a:ea typeface="黑体" panose="02010609060101010101" charset="-122"/>
+              </a:rPr>
+              <a:t>目录</a:t>
+            </a:r>
+          </a:p>
+        </p:txBody>
+      </p:sp>
+    </p:spTree>
+    <p:extLst>
+      <p:ext uri="{BB962C8B-B14F-4D97-AF65-F5344CB8AC3E}">
+        <p14:creationId xmlns:p14="http://schemas.microsoft.com/office/powerpoint/2010/main" val="3687029913"/>
+      </p:ext>
+    </p:extLst>
+  </p:cSld>
+  <p:clrMapOvr>
+    <a:masterClrMapping/>
+  </p:clrMapOvr>
+  <p:timing>
+    <p:tnLst>
+      <p:par>
+        <p:cTn id="1" dur="indefinite" restart="never" nodeType="tmRoot">
+          <p:childTnLst>
+            <p:seq concurrent="1" nextAc="seek">
+              <p:cTn id="2" dur="indefinite" nodeType="mainSeq">
+                <p:childTnLst>
+                  <p:par>
+                    <p:cTn id="3" fill="hold">
+                      <p:stCondLst>
+                        <p:cond delay="indefinite"/>
+                        <p:cond evt="onBegin" delay="0">
+                          <p:tn val="2"/>
+                        </p:cond>
+                      </p:stCondLst>
+                      <p:childTnLst>
+                        <p:par>
+                          <p:cTn id="4" fill="hold">
+                            <p:stCondLst>
+                              <p:cond delay="0"/>
+                            </p:stCondLst>
+                            <p:childTnLst>
+                              <p:par>
+                                <p:cTn id="5" presetID="10" presetClass="entr" presetSubtype="0" fill="hold" grpId="0" nodeType="withEffect">
+                                  <p:stCondLst>
+                                    <p:cond delay="0"/>
+                                  </p:stCondLst>
+                                  <p:childTnLst>
+                                    <p:set>
+                                      <p:cBhvr>
+                                        <p:cTn id="6" dur="1" fill="hold">
+                                          <p:stCondLst>
+                                            <p:cond delay="0"/>
+                                          </p:stCondLst>
+                                        </p:cTn>
+                                        <p:tgtEl>
+                                          <p:spTgt spid="39"/>
+                                        </p:tgtEl>
+                                        <p:attrNameLst>
+                                          <p:attrName>style.visibility</p:attrName>
+                                        </p:attrNameLst>
+                                      </p:cBhvr>
+                                      <p:to>
+                                        <p:strVal val="visible"/>
+                                      </p:to>
+                                    </p:set>
+                                    <p:animEffect transition="in" filter="fade">
+                                      <p:cBhvr>
+                                        <p:cTn id="7" dur="500"/>
+                                        <p:tgtEl>
+                                          <p:spTgt spid="39"/>
+                                        </p:tgtEl>
+                                      </p:cBhvr>
+                                    </p:animEffect>
+                                  </p:childTnLst>
+                                </p:cTn>
+                              </p:par>
+                              <p:par>
+                                <p:cTn id="8" presetID="10" presetClass="entr" presetSubtype="0" fill="hold" grpId="0" nodeType="withEffect">
+                                  <p:stCondLst>
+                                    <p:cond delay="0"/>
+                                  </p:stCondLst>
+                                  <p:childTnLst>
+                                    <p:set>
+                                      <p:cBhvr>
+                                        <p:cTn id="9" dur="1" fill="hold">
+                                          <p:stCondLst>
+                                            <p:cond delay="0"/>
+                                          </p:stCondLst>
+                                        </p:cTn>
+                                        <p:tgtEl>
+                                          <p:spTgt spid="17"/>
+                                        </p:tgtEl>
+                                        <p:attrNameLst>
+                                          <p:attrName>style.visibility</p:attrName>
+                                        </p:attrNameLst>
+                                      </p:cBhvr>
+                                      <p:to>
+                                        <p:strVal val="visible"/>
+                                      </p:to>
+                                    </p:set>
+                                    <p:animEffect transition="in" filter="fade">
+                                      <p:cBhvr>
+                                        <p:cTn id="10" dur="500"/>
+                                        <p:tgtEl>
+                                          <p:spTgt spid="17"/>
+                                        </p:tgtEl>
+                                      </p:cBhvr>
+                                    </p:animEffect>
+                                  </p:childTnLst>
+                                </p:cTn>
+                              </p:par>
+                              <p:par>
+                                <p:cTn id="11" presetID="10" presetClass="entr" presetSubtype="0" fill="hold" grpId="0" nodeType="withEffect">
+                                  <p:stCondLst>
+                                    <p:cond delay="0"/>
+                                  </p:stCondLst>
+                                  <p:childTnLst>
+                                    <p:set>
+                                      <p:cBhvr>
+                                        <p:cTn id="12" dur="1" fill="hold">
+                                          <p:stCondLst>
+                                            <p:cond delay="0"/>
+                                          </p:stCondLst>
+                                        </p:cTn>
+                                        <p:tgtEl>
+                                          <p:spTgt spid="19"/>
+                                        </p:tgtEl>
+                                        <p:attrNameLst>
+                                          <p:attrName>style.visibility</p:attrName>
+                                        </p:attrNameLst>
+                                      </p:cBhvr>
+                                      <p:to>
+                                        <p:strVal val="visible"/>
+                                      </p:to>
+                                    </p:set>
+                                    <p:animEffect transition="in" filter="fade">
+                                      <p:cBhvr>
+                                        <p:cTn id="13" dur="500"/>
+                                        <p:tgtEl>
+                                          <p:spTgt spid="19"/>
+                                        </p:tgtEl>
+                                      </p:cBhvr>
+                                    </p:animEffect>
+                                  </p:childTnLst>
+                                </p:cTn>
+                              </p:par>
+                              <p:par>
+                                <p:cTn id="14" presetID="10" presetClass="entr" presetSubtype="0" fill="hold" nodeType="withEffect">
+                                  <p:stCondLst>
+                                    <p:cond delay="0"/>
+                                  </p:stCondLst>
+                                  <p:childTnLst>
+                                    <p:set>
+                                      <p:cBhvr>
+                                        <p:cTn id="15" dur="1" fill="hold">
+                                          <p:stCondLst>
+                                            <p:cond delay="0"/>
+                                          </p:stCondLst>
+                                        </p:cTn>
+                                        <p:tgtEl>
+                                          <p:spTgt spid="20"/>
+                                        </p:tgtEl>
+                                        <p:attrNameLst>
+                                          <p:attrName>style.visibility</p:attrName>
+                                        </p:attrNameLst>
+                                      </p:cBhvr>
+                                      <p:to>
+                                        <p:strVal val="visible"/>
+                                      </p:to>
+                                    </p:set>
+                                    <p:animEffect transition="in" filter="fade">
+                                      <p:cBhvr>
+                                        <p:cTn id="16" dur="500"/>
+                                        <p:tgtEl>
+                                          <p:spTgt spid="20"/>
+                                        </p:tgtEl>
+                                      </p:cBhvr>
+                                    </p:animEffect>
+                                  </p:childTnLst>
+                                </p:cTn>
+                              </p:par>
+                              <p:par>
+                                <p:cTn id="17" presetID="10" presetClass="entr" presetSubtype="0" fill="hold" grpId="0" nodeType="withEffect">
+                                  <p:stCondLst>
+                                    <p:cond delay="0"/>
+                                  </p:stCondLst>
+                                  <p:childTnLst>
+                                    <p:set>
+                                      <p:cBhvr>
+                                        <p:cTn id="18" dur="1" fill="hold">
+                                          <p:stCondLst>
+                                            <p:cond delay="0"/>
+                                          </p:stCondLst>
+                                        </p:cTn>
+                                        <p:tgtEl>
+                                          <p:spTgt spid="21"/>
+                                        </p:tgtEl>
+                                        <p:attrNameLst>
+                                          <p:attrName>style.visibility</p:attrName>
+                                        </p:attrNameLst>
+                                      </p:cBhvr>
+                                      <p:to>
+                                        <p:strVal val="visible"/>
+                                      </p:to>
+                                    </p:set>
+                                    <p:animEffect transition="in" filter="fade">
+                                      <p:cBhvr>
+                                        <p:cTn id="19" dur="500"/>
+                                        <p:tgtEl>
+                                          <p:spTgt spid="21"/>
+                                        </p:tgtEl>
+                                      </p:cBhvr>
+                                    </p:animEffect>
+                                  </p:childTnLst>
+                                </p:cTn>
+                              </p:par>
+                              <p:par>
+                                <p:cTn id="20" presetID="10" presetClass="entr" presetSubtype="0" fill="hold" grpId="0" nodeType="withEffect">
+                                  <p:stCondLst>
+                                    <p:cond delay="0"/>
+                                  </p:stCondLst>
+                                  <p:childTnLst>
+                                    <p:set>
+                                      <p:cBhvr>
+                                        <p:cTn id="21" dur="1" fill="hold">
+                                          <p:stCondLst>
+                                            <p:cond delay="0"/>
+                                          </p:stCondLst>
+                                        </p:cTn>
+                                        <p:tgtEl>
+                                          <p:spTgt spid="22"/>
+                                        </p:tgtEl>
+                                        <p:attrNameLst>
+                                          <p:attrName>style.visibility</p:attrName>
+                                        </p:attrNameLst>
+                                      </p:cBhvr>
+                                      <p:to>
+                                        <p:strVal val="visible"/>
+                                      </p:to>
+                                    </p:set>
+                                    <p:animEffect transition="in" filter="fade">
+                                      <p:cBhvr>
+                                        <p:cTn id="22" dur="500"/>
+                                        <p:tgtEl>
+                                          <p:spTgt spid="22"/>
+                                        </p:tgtEl>
+                                      </p:cBhvr>
+                                    </p:animEffect>
+                                  </p:childTnLst>
+                                </p:cTn>
+                              </p:par>
+                              <p:par>
+                                <p:cTn id="23" presetID="10" presetClass="entr" presetSubtype="0" fill="hold" nodeType="withEffect">
+                                  <p:stCondLst>
+                                    <p:cond delay="0"/>
+                                  </p:stCondLst>
+                                  <p:childTnLst>
+                                    <p:set>
+                                      <p:cBhvr>
+                                        <p:cTn id="24" dur="1" fill="hold">
+                                          <p:stCondLst>
+                                            <p:cond delay="0"/>
+                                          </p:stCondLst>
+                                        </p:cTn>
+                                        <p:tgtEl>
+                                          <p:spTgt spid="23"/>
+                                        </p:tgtEl>
+                                        <p:attrNameLst>
+                                          <p:attrName>style.visibility</p:attrName>
+                                        </p:attrNameLst>
+                                      </p:cBhvr>
+                                      <p:to>
+                                        <p:strVal val="visible"/>
+                                      </p:to>
+                                    </p:set>
+                                    <p:animEffect transition="in" filter="fade">
+                                      <p:cBhvr>
+                                        <p:cTn id="25" dur="500"/>
+                                        <p:tgtEl>
+                                          <p:spTgt spid="23"/>
+                                        </p:tgtEl>
+                                      </p:cBhvr>
+                                    </p:animEffect>
+                                  </p:childTnLst>
+                                </p:cTn>
+                              </p:par>
+                              <p:par>
+                                <p:cTn id="26" presetID="10" presetClass="entr" presetSubtype="0" fill="hold" grpId="0" nodeType="withEffect">
+                                  <p:stCondLst>
+                                    <p:cond delay="0"/>
+                                  </p:stCondLst>
+                                  <p:childTnLst>
+                                    <p:set>
+                                      <p:cBhvr>
+                                        <p:cTn id="27" dur="1" fill="hold">
+                                          <p:stCondLst>
+                                            <p:cond delay="0"/>
+                                          </p:stCondLst>
+                                        </p:cTn>
+                                        <p:tgtEl>
+                                          <p:spTgt spid="24"/>
+                                        </p:tgtEl>
+                                        <p:attrNameLst>
+                                          <p:attrName>style.visibility</p:attrName>
+                                        </p:attrNameLst>
+                                      </p:cBhvr>
+                                      <p:to>
+                                        <p:strVal val="visible"/>
+                                      </p:to>
+                                    </p:set>
+                                    <p:animEffect transition="in" filter="fade">
+                                      <p:cBhvr>
+                                        <p:cTn id="28" dur="500"/>
+                                        <p:tgtEl>
+                                          <p:spTgt spid="24"/>
+                                        </p:tgtEl>
+                                      </p:cBhvr>
+                                    </p:animEffect>
+                                  </p:childTnLst>
+                                </p:cTn>
+                              </p:par>
+                              <p:par>
+                                <p:cTn id="29" presetID="10" presetClass="entr" presetSubtype="0" fill="hold" grpId="0" nodeType="withEffect">
+                                  <p:stCondLst>
+                                    <p:cond delay="0"/>
+                                  </p:stCondLst>
+                                  <p:childTnLst>
+                                    <p:set>
+                                      <p:cBhvr>
+                                        <p:cTn id="30" dur="1" fill="hold">
+                                          <p:stCondLst>
+                                            <p:cond delay="0"/>
+                                          </p:stCondLst>
+                                        </p:cTn>
+                                        <p:tgtEl>
+                                          <p:spTgt spid="25"/>
+                                        </p:tgtEl>
+                                        <p:attrNameLst>
+                                          <p:attrName>style.visibility</p:attrName>
+                                        </p:attrNameLst>
+                                      </p:cBhvr>
+                                      <p:to>
+                                        <p:strVal val="visible"/>
+                                      </p:to>
+                                    </p:set>
+                                    <p:animEffect transition="in" filter="fade">
+                                      <p:cBhvr>
+                                        <p:cTn id="31" dur="500"/>
+                                        <p:tgtEl>
+                                          <p:spTgt spid="25"/>
+                                        </p:tgtEl>
+                                      </p:cBhvr>
+                                    </p:animEffect>
+                                  </p:childTnLst>
+                                </p:cTn>
+                              </p:par>
+                              <p:par>
+                                <p:cTn id="32" presetID="10" presetClass="entr" presetSubtype="0" fill="hold" nodeType="withEffect">
+                                  <p:stCondLst>
+                                    <p:cond delay="0"/>
+                                  </p:stCondLst>
+                                  <p:childTnLst>
+                                    <p:set>
+                                      <p:cBhvr>
+                                        <p:cTn id="33" dur="1" fill="hold">
+                                          <p:stCondLst>
+                                            <p:cond delay="0"/>
+                                          </p:stCondLst>
+                                        </p:cTn>
+                                        <p:tgtEl>
+                                          <p:spTgt spid="26"/>
+                                        </p:tgtEl>
+                                        <p:attrNameLst>
+                                          <p:attrName>style.visibility</p:attrName>
+                                        </p:attrNameLst>
+                                      </p:cBhvr>
+                                      <p:to>
+                                        <p:strVal val="visible"/>
+                                      </p:to>
+                                    </p:set>
+                                    <p:animEffect transition="in" filter="fade">
+                                      <p:cBhvr>
+                                        <p:cTn id="34" dur="500"/>
+                                        <p:tgtEl>
+                                          <p:spTgt spid="26"/>
+                                        </p:tgtEl>
+                                      </p:cBhvr>
+                                    </p:animEffect>
+                                  </p:childTnLst>
+                                </p:cTn>
+                              </p:par>
+                              <p:par>
+                                <p:cTn id="35" presetID="10" presetClass="entr" presetSubtype="0" fill="hold" nodeType="withEffect">
+                                  <p:stCondLst>
+                                    <p:cond delay="0"/>
+                                  </p:stCondLst>
+                                  <p:childTnLst>
+                                    <p:set>
+                                      <p:cBhvr>
+                                        <p:cTn id="36" dur="1" fill="hold">
+                                          <p:stCondLst>
+                                            <p:cond delay="0"/>
+                                          </p:stCondLst>
+                                        </p:cTn>
+                                        <p:tgtEl>
+                                          <p:spTgt spid="8"/>
+                                        </p:tgtEl>
+                                        <p:attrNameLst>
+                                          <p:attrName>style.visibility</p:attrName>
+                                        </p:attrNameLst>
+                                      </p:cBhvr>
+                                      <p:to>
+                                        <p:strVal val="visible"/>
+                                      </p:to>
+                                    </p:set>
+                                    <p:animEffect transition="in" filter="fade">
+                                      <p:cBhvr>
+                                        <p:cTn id="37" dur="500"/>
+                                        <p:tgtEl>
+                                          <p:spTgt spid="8"/>
+                                        </p:tgtEl>
+                                      </p:cBhvr>
+                                    </p:animEffect>
+                                  </p:childTnLst>
+                                </p:cTn>
+                              </p:par>
+                            </p:childTnLst>
+                          </p:cTn>
+                        </p:par>
+                      </p:childTnLst>
+                    </p:cTn>
+                  </p:par>
+                </p:childTnLst>
+              </p:cTn>
+              <p:prevCondLst>
+                <p:cond evt="onPrev" delay="0">
+                  <p:tgtEl>
+                    <p:sldTgt/>
+                  </p:tgtEl>
+                </p:cond>
+              </p:prevCondLst>
+              <p:nextCondLst>
+                <p:cond evt="onNext" delay="0">
+                  <p:tgtEl>
+                    <p:sldTgt/>
+                  </p:tgtEl>
+                </p:cond>
+              </p:nextCondLst>
+            </p:seq>
+          </p:childTnLst>
+        </p:cTn>
+      </p:par>
+    </p:tnLst>
+    <p:bldLst>
+      <p:bldP spid="39" grpId="0"/>
+      <p:bldP spid="17" grpId="0"/>
+      <p:bldP spid="19" grpId="0"/>
+      <p:bldP spid="21" grpId="0"/>
+      <p:bldP spid="22" grpId="0"/>
+      <p:bldP spid="24" grpId="0"/>
+      <p:bldP spid="25" grpId="0"/>
+    </p:bldLst>
+  </p:timing>
+</p:sld>
+</file>
+
+<file path=ppt/slides/slide17.xml><?xml version="1.0" encoding="utf-8"?>
+<p:sld xmlns:a="http://schemas.openxmlformats.org/drawingml/2006/main" xmlns:r="http://schemas.openxmlformats.org/officeDocument/2006/relationships" xmlns:p="http://schemas.openxmlformats.org/presentationml/2006/main">
+  <p:cSld>
+    <p:spTree>
+      <p:nvGrpSpPr>
+        <p:cNvPr id="1" name=""/>
+        <p:cNvGrpSpPr/>
+        <p:nvPr/>
+      </p:nvGrpSpPr>
+      <p:grpSpPr>
+        <a:xfrm>
+          <a:off x="0" y="0"/>
+          <a:ext cx="0" cy="0"/>
+          <a:chOff x="0" y="0"/>
+          <a:chExt cx="0" cy="0"/>
+        </a:xfrm>
+      </p:grpSpPr>
+      <p:sp>
+        <p:nvSpPr>
+          <p:cNvPr id="11" name="矩形 10"/>
+          <p:cNvSpPr/>
+          <p:nvPr/>
+        </p:nvSpPr>
+        <p:spPr>
+          <a:xfrm>
+            <a:off x="-13648" y="0"/>
+            <a:ext cx="9157648" cy="1202643"/>
+          </a:xfrm>
+          <a:prstGeom prst="rect">
+            <a:avLst/>
+          </a:prstGeom>
+          <a:solidFill>
+            <a:srgbClr val="5C307D"/>
+          </a:solidFill>
+          <a:ln>
+            <a:noFill/>
+          </a:ln>
+        </p:spPr>
+        <p:style>
+          <a:lnRef idx="2">
+            <a:schemeClr val="accent1">
+              <a:shade val="50000"/>
+            </a:schemeClr>
+          </a:lnRef>
+          <a:fillRef idx="1">
+            <a:schemeClr val="accent1"/>
+          </a:fillRef>
+          <a:effectRef idx="0">
+            <a:schemeClr val="accent1"/>
+          </a:effectRef>
+          <a:fontRef idx="minor">
+            <a:schemeClr val="lt1"/>
+          </a:fontRef>
+        </p:style>
+        <p:txBody>
+          <a:bodyPr rtlCol="0" anchor="ctr"/>
+          <a:lstStyle/>
+          <a:p>
+            <a:pPr algn="ctr"/>
+            <a:endParaRPr lang="zh-CN" altLang="en-US"/>
+          </a:p>
+        </p:txBody>
+      </p:sp>
+      <p:grpSp>
+        <p:nvGrpSpPr>
+          <p:cNvPr id="43" name="组合 42"/>
+          <p:cNvGrpSpPr/>
+          <p:nvPr/>
+        </p:nvGrpSpPr>
+        <p:grpSpPr>
+          <a:xfrm>
+            <a:off x="0" y="1305569"/>
+            <a:ext cx="9144000" cy="56736"/>
+            <a:chOff x="30834" y="1305568"/>
+            <a:chExt cx="8816454" cy="66133"/>
+          </a:xfrm>
+        </p:grpSpPr>
+        <p:sp>
+          <p:nvSpPr>
+            <p:cNvPr id="14" name="矩形 13"/>
+            <p:cNvSpPr/>
+            <p:nvPr/>
+          </p:nvSpPr>
+          <p:spPr>
+            <a:xfrm>
+              <a:off x="30834" y="1305568"/>
+              <a:ext cx="5800300" cy="65989"/>
+            </a:xfrm>
+            <a:prstGeom prst="rect">
+              <a:avLst/>
+            </a:prstGeom>
+            <a:solidFill>
+              <a:schemeClr val="bg1">
+                <a:lumMod val="75000"/>
+              </a:schemeClr>
+            </a:solidFill>
+            <a:ln>
+              <a:noFill/>
+            </a:ln>
+          </p:spPr>
+          <p:style>
+            <a:lnRef idx="2">
+              <a:schemeClr val="accent1">
+                <a:shade val="50000"/>
+              </a:schemeClr>
+            </a:lnRef>
+            <a:fillRef idx="1">
+              <a:schemeClr val="accent1"/>
+            </a:fillRef>
+            <a:effectRef idx="0">
+              <a:schemeClr val="accent1"/>
+            </a:effectRef>
+            <a:fontRef idx="minor">
+              <a:schemeClr val="lt1"/>
+            </a:fontRef>
+          </p:style>
+          <p:txBody>
+            <a:bodyPr rtlCol="0" anchor="ctr"/>
+            <a:lstStyle/>
+            <a:p>
+              <a:pPr algn="ctr"/>
+              <a:endParaRPr lang="zh-CN" altLang="en-US"/>
+            </a:p>
+          </p:txBody>
+        </p:sp>
+        <p:sp>
+          <p:nvSpPr>
+            <p:cNvPr id="15" name="矩形 14"/>
+            <p:cNvSpPr/>
+            <p:nvPr/>
+          </p:nvSpPr>
+          <p:spPr>
+            <a:xfrm>
+              <a:off x="5886861" y="1305712"/>
+              <a:ext cx="2960427" cy="65989"/>
+            </a:xfrm>
+            <a:prstGeom prst="rect">
+              <a:avLst/>
+            </a:prstGeom>
+            <a:solidFill>
+              <a:srgbClr val="5C307D"/>
+            </a:solidFill>
+            <a:ln>
+              <a:noFill/>
+            </a:ln>
+          </p:spPr>
+          <p:style>
+            <a:lnRef idx="2">
+              <a:schemeClr val="accent1">
+                <a:shade val="50000"/>
+              </a:schemeClr>
+            </a:lnRef>
+            <a:fillRef idx="1">
+              <a:schemeClr val="accent1"/>
+            </a:fillRef>
+            <a:effectRef idx="0">
+              <a:schemeClr val="accent1"/>
+            </a:effectRef>
+            <a:fontRef idx="minor">
+              <a:schemeClr val="lt1"/>
+            </a:fontRef>
+          </p:style>
+          <p:txBody>
+            <a:bodyPr rtlCol="0" anchor="ctr"/>
+            <a:lstStyle/>
+            <a:p>
+              <a:pPr algn="ctr"/>
+              <a:endParaRPr lang="zh-CN" altLang="en-US"/>
+            </a:p>
+          </p:txBody>
+        </p:sp>
+      </p:grpSp>
+      <p:sp>
+        <p:nvSpPr>
+          <p:cNvPr id="2" name="文本框 1"/>
+          <p:cNvSpPr txBox="1"/>
+          <p:nvPr/>
+        </p:nvSpPr>
+        <p:spPr>
+          <a:xfrm>
+            <a:off x="163830" y="217170"/>
+            <a:ext cx="6260047" cy="769441"/>
+          </a:xfrm>
+          <a:prstGeom prst="rect">
+            <a:avLst/>
+          </a:prstGeom>
+          <a:noFill/>
+        </p:spPr>
+        <p:txBody>
+          <a:bodyPr wrap="none" rtlCol="0">
+            <a:spAutoFit/>
+          </a:bodyPr>
+          <a:lstStyle/>
+          <a:p>
+            <a:r>
+              <a:rPr lang="en-US" altLang="zh-CN" sz="4400" b="1" dirty="0">
+                <a:solidFill>
+                  <a:schemeClr val="bg1"/>
+                </a:solidFill>
+                <a:latin typeface="Times New Roman" panose="02020603050405020304" charset="0"/>
+                <a:ea typeface="黑体" panose="02010609060101010101" charset="-122"/>
+                <a:cs typeface="Times New Roman" panose="02020603050405020304" charset="0"/>
+              </a:rPr>
+              <a:t>(8, 3, 4) </a:t>
+            </a:r>
+            <a:r>
+              <a:rPr lang="zh-CN" altLang="en-US" sz="4400" b="1" dirty="0">
+                <a:solidFill>
+                  <a:schemeClr val="bg1"/>
+                </a:solidFill>
+                <a:latin typeface="Times New Roman" panose="02020603050405020304" charset="0"/>
+                <a:ea typeface="黑体" panose="02010609060101010101" charset="-122"/>
+                <a:cs typeface="Times New Roman" panose="02020603050405020304" charset="0"/>
+              </a:rPr>
+              <a:t>线性分组码</a:t>
+            </a:r>
+            <a:r>
+              <a:rPr lang="en-US" altLang="zh-CN" sz="4400" b="1" dirty="0">
+                <a:solidFill>
+                  <a:schemeClr val="bg1"/>
+                </a:solidFill>
+                <a:latin typeface="Times New Roman" panose="02020603050405020304" charset="0"/>
+                <a:ea typeface="黑体" panose="02010609060101010101" charset="-122"/>
+                <a:cs typeface="Times New Roman" panose="02020603050405020304" charset="0"/>
+              </a:rPr>
+              <a:t>-</a:t>
+            </a:r>
+            <a:r>
+              <a:rPr lang="zh-CN" altLang="en-US" sz="4400" b="1" dirty="0">
+                <a:solidFill>
+                  <a:schemeClr val="bg1"/>
+                </a:solidFill>
+                <a:latin typeface="Times New Roman" panose="02020603050405020304" charset="0"/>
+                <a:ea typeface="黑体" panose="02010609060101010101" charset="-122"/>
+                <a:cs typeface="Times New Roman" panose="02020603050405020304" charset="0"/>
+              </a:rPr>
+              <a:t>原理</a:t>
+            </a:r>
+          </a:p>
+        </p:txBody>
+      </p:sp>
+      <mc:AlternateContent xmlns:mc="http://schemas.openxmlformats.org/markup-compatibility/2006">
+        <mc:Choice xmlns:a14="http://schemas.microsoft.com/office/drawing/2010/main" Requires="a14">
+          <p:sp>
+            <p:nvSpPr>
+              <p:cNvPr id="33" name="Rectangle 3"/>
+              <p:cNvSpPr txBox="1">
+                <a:spLocks noChangeArrowheads="1"/>
+              </p:cNvSpPr>
+              <p:nvPr/>
+            </p:nvSpPr>
+            <p:spPr bwMode="auto">
+              <a:xfrm>
+                <a:off x="65405" y="1584960"/>
+                <a:ext cx="8971915" cy="3692434"/>
+              </a:xfrm>
+              <a:prstGeom prst="rect">
+                <a:avLst/>
+              </a:prstGeom>
+              <a:ln w="12700" cap="flat" cmpd="sng" algn="ctr">
+                <a:noFill/>
+                <a:prstDash val="solid"/>
+                <a:headEnd type="oval" w="med" len="med"/>
+                <a:tailEnd type="stealth" w="lg" len="lg"/>
+              </a:ln>
+            </p:spPr>
+            <p:style>
+              <a:lnRef idx="1">
+                <a:schemeClr val="accent1"/>
+              </a:lnRef>
+              <a:fillRef idx="0">
+                <a:schemeClr val="accent1"/>
+              </a:fillRef>
+              <a:effectRef idx="0">
+                <a:schemeClr val="accent1"/>
+              </a:effectRef>
+              <a:fontRef idx="minor">
+                <a:schemeClr val="tx1"/>
+              </a:fontRef>
+            </p:style>
+            <p:txBody>
+              <a:bodyPr/>
+              <a:lstStyle>
+                <a:lvl1pPr marL="342900" indent="-342900" algn="l" rtl="0" eaLnBrk="0" fontAlgn="base" hangingPunct="0">
+                  <a:spcBef>
+                    <a:spcPct val="20000"/>
+                  </a:spcBef>
+                  <a:spcAft>
+                    <a:spcPct val="0"/>
+                  </a:spcAft>
+                  <a:buFont typeface="Wingdings" panose="05000000000000000000" charset="0"/>
+                  <a:buChar char="l"/>
+                  <a:defRPr kumimoji="1" sz="2800">
+                    <a:solidFill>
+                      <a:schemeClr val="tx1"/>
+                    </a:solidFill>
+                    <a:latin typeface="+mn-lt"/>
+                    <a:ea typeface="+mn-ea"/>
+                    <a:cs typeface="+mn-cs"/>
+                  </a:defRPr>
+                </a:lvl1pPr>
+                <a:lvl2pPr marL="742950" indent="-285750" algn="l" rtl="0" eaLnBrk="0" fontAlgn="base" hangingPunct="0">
+                  <a:spcBef>
+                    <a:spcPct val="20000"/>
+                  </a:spcBef>
+                  <a:spcAft>
+                    <a:spcPct val="0"/>
+                  </a:spcAft>
+                  <a:buFont typeface="Wingdings" panose="05000000000000000000" charset="0"/>
+                  <a:buChar char="–"/>
+                  <a:defRPr kumimoji="1" sz="2400">
+                    <a:solidFill>
+                      <a:schemeClr val="tx1"/>
+                    </a:solidFill>
+                    <a:latin typeface="+mn-lt"/>
+                    <a:ea typeface="+mn-ea"/>
+                    <a:cs typeface="+mn-cs"/>
+                  </a:defRPr>
+                </a:lvl2pPr>
+                <a:lvl3pPr marL="1143000" indent="-228600" algn="l" rtl="0" eaLnBrk="0" fontAlgn="base" hangingPunct="0">
+                  <a:spcBef>
+                    <a:spcPct val="20000"/>
+                  </a:spcBef>
+                  <a:spcAft>
+                    <a:spcPct val="0"/>
+                  </a:spcAft>
+                  <a:buFont typeface="Wingdings" panose="05000000000000000000" charset="0"/>
+                  <a:buChar char="l"/>
+                  <a:defRPr kumimoji="1" sz="2000">
+                    <a:solidFill>
+                      <a:schemeClr val="tx1"/>
+                    </a:solidFill>
+                    <a:latin typeface="+mn-lt"/>
+                    <a:ea typeface="+mn-ea"/>
+                    <a:cs typeface="+mn-cs"/>
+                  </a:defRPr>
+                </a:lvl3pPr>
+                <a:lvl4pPr marL="1600200" indent="-228600" algn="l" rtl="0" eaLnBrk="0" fontAlgn="base" hangingPunct="0">
+                  <a:spcBef>
+                    <a:spcPct val="20000"/>
+                  </a:spcBef>
+                  <a:spcAft>
+                    <a:spcPct val="0"/>
+                  </a:spcAft>
+                  <a:buFont typeface="Wingdings" panose="05000000000000000000" charset="0"/>
+                  <a:buChar char="–"/>
+                  <a:defRPr kumimoji="1" sz="2000">
+                    <a:solidFill>
+                      <a:schemeClr val="tx1"/>
+                    </a:solidFill>
+                    <a:latin typeface="+mn-lt"/>
+                    <a:ea typeface="+mn-ea"/>
+                    <a:cs typeface="+mn-cs"/>
+                  </a:defRPr>
+                </a:lvl4pPr>
+                <a:lvl5pPr marL="2057400" indent="-228600" algn="l" rtl="0" eaLnBrk="0" fontAlgn="base" hangingPunct="0">
+                  <a:spcBef>
+                    <a:spcPct val="20000"/>
+                  </a:spcBef>
+                  <a:spcAft>
+                    <a:spcPct val="0"/>
+                  </a:spcAft>
+                  <a:buFont typeface="Wingdings" panose="05000000000000000000" charset="0"/>
+                  <a:buChar char="l"/>
+                  <a:defRPr kumimoji="1" sz="2000">
+                    <a:solidFill>
+                      <a:schemeClr val="tx1"/>
+                    </a:solidFill>
+                    <a:latin typeface="+mn-lt"/>
+                    <a:ea typeface="+mn-ea"/>
+                    <a:cs typeface="+mn-cs"/>
+                  </a:defRPr>
+                </a:lvl5pPr>
+                <a:lvl6pPr marL="2514600" indent="-228600" algn="l" rtl="0" eaLnBrk="0" fontAlgn="base" hangingPunct="0">
+                  <a:spcBef>
+                    <a:spcPct val="20000"/>
+                  </a:spcBef>
+                  <a:spcAft>
+                    <a:spcPct val="0"/>
+                  </a:spcAft>
+                  <a:buFont typeface="Wingdings" panose="05000000000000000000" pitchFamily="2" charset="2"/>
+                  <a:buChar char="l"/>
+                  <a:defRPr>
+                    <a:solidFill>
+                      <a:schemeClr val="tx1"/>
+                    </a:solidFill>
+                    <a:latin typeface="+mn-lt"/>
+                    <a:ea typeface="+mn-ea"/>
+                    <a:cs typeface="+mn-cs"/>
+                  </a:defRPr>
+                </a:lvl6pPr>
+                <a:lvl7pPr marL="2971800" indent="-228600" algn="l" rtl="0" eaLnBrk="0" fontAlgn="base" hangingPunct="0">
+                  <a:spcBef>
+                    <a:spcPct val="20000"/>
+                  </a:spcBef>
+                  <a:spcAft>
+                    <a:spcPct val="0"/>
+                  </a:spcAft>
+                  <a:buFont typeface="Wingdings" panose="05000000000000000000" pitchFamily="2" charset="2"/>
+                  <a:buChar char="l"/>
+                  <a:defRPr>
+                    <a:solidFill>
+                      <a:schemeClr val="tx1"/>
+                    </a:solidFill>
+                    <a:latin typeface="+mn-lt"/>
+                    <a:ea typeface="+mn-ea"/>
+                    <a:cs typeface="+mn-cs"/>
+                  </a:defRPr>
+                </a:lvl7pPr>
+                <a:lvl8pPr marL="3429000" indent="-228600" algn="l" rtl="0" eaLnBrk="0" fontAlgn="base" hangingPunct="0">
+                  <a:spcBef>
+                    <a:spcPct val="20000"/>
+                  </a:spcBef>
+                  <a:spcAft>
+                    <a:spcPct val="0"/>
+                  </a:spcAft>
+                  <a:buFont typeface="Wingdings" panose="05000000000000000000" pitchFamily="2" charset="2"/>
+                  <a:buChar char="l"/>
+                  <a:defRPr>
+                    <a:solidFill>
+                      <a:schemeClr val="tx1"/>
+                    </a:solidFill>
+                    <a:latin typeface="+mn-lt"/>
+                    <a:ea typeface="+mn-ea"/>
+                    <a:cs typeface="+mn-cs"/>
+                  </a:defRPr>
+                </a:lvl8pPr>
+                <a:lvl9pPr marL="3886200" indent="-228600" algn="l" rtl="0" eaLnBrk="0" fontAlgn="base" hangingPunct="0">
+                  <a:spcBef>
+                    <a:spcPct val="20000"/>
+                  </a:spcBef>
+                  <a:spcAft>
+                    <a:spcPct val="0"/>
+                  </a:spcAft>
+                  <a:buFont typeface="Wingdings" panose="05000000000000000000" pitchFamily="2" charset="2"/>
+                  <a:buChar char="l"/>
+                  <a:defRPr>
+                    <a:solidFill>
+                      <a:schemeClr val="tx1"/>
+                    </a:solidFill>
+                    <a:latin typeface="+mn-lt"/>
+                    <a:ea typeface="+mn-ea"/>
+                    <a:cs typeface="+mn-cs"/>
+                  </a:defRPr>
+                </a:lvl9pPr>
+              </a:lstStyle>
+              <a:p>
+                <a:pPr marL="342900" lvl="1" indent="-342900" eaLnBrk="1" hangingPunct="1">
+                  <a:spcBef>
+                    <a:spcPts val="600"/>
+                  </a:spcBef>
+                  <a:buClr>
+                    <a:srgbClr val="000000"/>
+                  </a:buClr>
+                  <a:buFont typeface="Wingdings" panose="05000000000000000000" pitchFamily="2" charset="2"/>
+                  <a:buChar char="l"/>
+                  <a:defRPr/>
+                </a:pPr>
+                <a:r>
+                  <a:rPr lang="zh-CN" altLang="en-US" sz="3200" b="1" dirty="0">
+                    <a:solidFill>
+                      <a:srgbClr val="00B0F0"/>
+                    </a:solidFill>
+                    <a:latin typeface="Times New Roman" panose="02020603050405020304" charset="0"/>
+                    <a:ea typeface="黑体" panose="02010609060101010101" charset="-122"/>
+                    <a:cs typeface="Times New Roman" panose="02020603050405020304" charset="0"/>
+                  </a:rPr>
+                  <a:t>编码：</a:t>
+                </a:r>
+                <a14:m>
+                  <m:oMath xmlns:m="http://schemas.openxmlformats.org/officeDocument/2006/math">
+                    <m:sSub>
+                      <m:sSubPr>
+                        <m:ctrlPr>
+                          <a:rPr lang="en-US" altLang="zh-CN" sz="3200" b="1" i="0" dirty="0" smtClean="0">
+                            <a:solidFill>
+                              <a:srgbClr val="000000"/>
+                            </a:solidFill>
+                            <a:latin typeface="Cambria Math" panose="02040503050406030204" pitchFamily="18" charset="0"/>
+                            <a:ea typeface="黑体" panose="02010609060101010101" charset="-122"/>
+                            <a:cs typeface="Times New Roman" panose="02020603050405020304" charset="0"/>
+                          </a:rPr>
+                        </m:ctrlPr>
+                      </m:sSubPr>
+                      <m:e>
+                        <m:r>
+                          <a:rPr lang="en-US" altLang="zh-CN" sz="3200" b="1" i="0" dirty="0" smtClean="0">
+                            <a:solidFill>
+                              <a:srgbClr val="000000"/>
+                            </a:solidFill>
+                            <a:latin typeface="Cambria Math" panose="02040503050406030204" pitchFamily="18" charset="0"/>
+                            <a:ea typeface="黑体" panose="02010609060101010101" charset="-122"/>
+                            <a:cs typeface="Times New Roman" panose="02020603050405020304" charset="0"/>
+                          </a:rPr>
+                          <m:t>𝐜</m:t>
+                        </m:r>
+                      </m:e>
+                      <m:sub>
+                        <m:d>
+                          <m:dPr>
+                            <m:ctrlPr>
+                              <a:rPr lang="en-US" altLang="zh-CN" sz="3200" b="1" i="1" dirty="0" smtClean="0">
+                                <a:solidFill>
+                                  <a:srgbClr val="000000"/>
+                                </a:solidFill>
+                                <a:latin typeface="Cambria Math" panose="02040503050406030204" pitchFamily="18" charset="0"/>
+                                <a:ea typeface="黑体" panose="02010609060101010101" charset="-122"/>
+                                <a:cs typeface="Times New Roman" panose="02020603050405020304" charset="0"/>
+                              </a:rPr>
+                            </m:ctrlPr>
+                          </m:dPr>
+                          <m:e>
+                            <m:r>
+                              <a:rPr lang="en-US" altLang="zh-CN" sz="3200" b="1" i="1" dirty="0" smtClean="0">
+                                <a:solidFill>
+                                  <a:srgbClr val="000000"/>
+                                </a:solidFill>
+                                <a:latin typeface="Cambria Math" panose="02040503050406030204" pitchFamily="18" charset="0"/>
+                                <a:ea typeface="黑体" panose="02010609060101010101" charset="-122"/>
+                                <a:cs typeface="Times New Roman" panose="02020603050405020304" charset="0"/>
+                              </a:rPr>
+                              <m:t>𝟏</m:t>
+                            </m:r>
+                            <m:r>
+                              <a:rPr lang="en-US" altLang="zh-CN" sz="3200" b="1" i="1" dirty="0" smtClean="0">
+                                <a:solidFill>
+                                  <a:srgbClr val="000000"/>
+                                </a:solidFill>
+                                <a:latin typeface="Cambria Math" panose="02040503050406030204" pitchFamily="18" charset="0"/>
+                                <a:ea typeface="黑体" panose="02010609060101010101" charset="-122"/>
+                                <a:cs typeface="Times New Roman" panose="02020603050405020304" charset="0"/>
+                              </a:rPr>
+                              <m:t>×</m:t>
+                            </m:r>
+                            <m:r>
+                              <a:rPr lang="en-US" altLang="zh-CN" sz="3200" b="1" i="0" dirty="0" smtClean="0">
+                                <a:solidFill>
+                                  <a:srgbClr val="000000"/>
+                                </a:solidFill>
+                                <a:latin typeface="Cambria Math" panose="02040503050406030204" pitchFamily="18" charset="0"/>
+                                <a:ea typeface="黑体" panose="02010609060101010101" charset="-122"/>
+                                <a:cs typeface="Times New Roman" panose="02020603050405020304" charset="0"/>
+                              </a:rPr>
+                              <m:t>𝟖</m:t>
+                            </m:r>
+                          </m:e>
+                        </m:d>
+                      </m:sub>
+                    </m:sSub>
+                    <m:r>
+                      <a:rPr lang="en-US" altLang="zh-CN" sz="3200" b="1" i="0" dirty="0" smtClean="0">
+                        <a:solidFill>
+                          <a:srgbClr val="000000"/>
+                        </a:solidFill>
+                        <a:latin typeface="Cambria Math" panose="02040503050406030204" pitchFamily="18" charset="0"/>
+                        <a:ea typeface="黑体" panose="02010609060101010101" charset="-122"/>
+                        <a:cs typeface="Times New Roman" panose="02020603050405020304" charset="0"/>
+                      </a:rPr>
+                      <m:t> = </m:t>
+                    </m:r>
+                    <m:sSub>
+                      <m:sSubPr>
+                        <m:ctrlPr>
+                          <a:rPr lang="en-US" altLang="zh-CN" sz="3200" b="1" i="0" dirty="0" smtClean="0">
+                            <a:solidFill>
+                              <a:srgbClr val="000000"/>
+                            </a:solidFill>
+                            <a:latin typeface="Cambria Math" panose="02040503050406030204" pitchFamily="18" charset="0"/>
+                            <a:ea typeface="黑体" panose="02010609060101010101" charset="-122"/>
+                            <a:cs typeface="Times New Roman" panose="02020603050405020304" charset="0"/>
+                          </a:rPr>
+                        </m:ctrlPr>
+                      </m:sSubPr>
+                      <m:e>
+                        <m:r>
+                          <a:rPr lang="en-US" altLang="zh-CN" sz="3200" b="1" i="0" dirty="0" err="1" smtClean="0">
+                            <a:solidFill>
+                              <a:srgbClr val="000000"/>
+                            </a:solidFill>
+                            <a:latin typeface="Cambria Math" panose="02040503050406030204" pitchFamily="18" charset="0"/>
+                            <a:ea typeface="黑体" panose="02010609060101010101" charset="-122"/>
+                            <a:cs typeface="Times New Roman" panose="02020603050405020304" charset="0"/>
+                          </a:rPr>
+                          <m:t>𝐝</m:t>
+                        </m:r>
+                      </m:e>
+                      <m:sub>
+                        <m:d>
+                          <m:dPr>
+                            <m:ctrlPr>
+                              <a:rPr lang="en-US" altLang="zh-CN" sz="3200" b="1" i="1" dirty="0" smtClean="0">
+                                <a:solidFill>
+                                  <a:srgbClr val="000000"/>
+                                </a:solidFill>
+                                <a:latin typeface="Cambria Math" panose="02040503050406030204" pitchFamily="18" charset="0"/>
+                                <a:ea typeface="黑体" panose="02010609060101010101" charset="-122"/>
+                                <a:cs typeface="Times New Roman" panose="02020603050405020304" charset="0"/>
+                              </a:rPr>
+                            </m:ctrlPr>
+                          </m:dPr>
+                          <m:e>
+                            <m:r>
+                              <a:rPr lang="en-US" altLang="zh-CN" sz="3200" b="1" i="1" dirty="0" smtClean="0">
+                                <a:solidFill>
+                                  <a:srgbClr val="000000"/>
+                                </a:solidFill>
+                                <a:latin typeface="Cambria Math" panose="02040503050406030204" pitchFamily="18" charset="0"/>
+                                <a:ea typeface="黑体" panose="02010609060101010101" charset="-122"/>
+                                <a:cs typeface="Times New Roman" panose="02020603050405020304" charset="0"/>
+                              </a:rPr>
+                              <m:t>𝟏</m:t>
+                            </m:r>
+                            <m:r>
+                              <a:rPr lang="en-US" altLang="zh-CN" sz="3200" b="1" i="1" dirty="0" smtClean="0">
+                                <a:solidFill>
+                                  <a:srgbClr val="000000"/>
+                                </a:solidFill>
+                                <a:latin typeface="Cambria Math" panose="02040503050406030204" pitchFamily="18" charset="0"/>
+                                <a:ea typeface="黑体" panose="02010609060101010101" charset="-122"/>
+                                <a:cs typeface="Times New Roman" panose="02020603050405020304" charset="0"/>
+                              </a:rPr>
+                              <m:t>×</m:t>
+                            </m:r>
+                            <m:r>
+                              <a:rPr lang="en-US" altLang="zh-CN" sz="3200" b="1" i="1" dirty="0" smtClean="0">
+                                <a:solidFill>
+                                  <a:srgbClr val="000000"/>
+                                </a:solidFill>
+                                <a:latin typeface="Cambria Math" panose="02040503050406030204" pitchFamily="18" charset="0"/>
+                                <a:ea typeface="黑体" panose="02010609060101010101" charset="-122"/>
+                                <a:cs typeface="Times New Roman" panose="02020603050405020304" charset="0"/>
+                              </a:rPr>
+                              <m:t>𝟑</m:t>
+                            </m:r>
+                          </m:e>
+                        </m:d>
+                      </m:sub>
+                    </m:sSub>
+                    <m:sSub>
+                      <m:sSubPr>
+                        <m:ctrlPr>
+                          <a:rPr lang="en-US" altLang="zh-CN" sz="3200" b="1" i="0" dirty="0" smtClean="0">
+                            <a:solidFill>
+                              <a:srgbClr val="000000"/>
+                            </a:solidFill>
+                            <a:latin typeface="Cambria Math" panose="02040503050406030204" pitchFamily="18" charset="0"/>
+                            <a:ea typeface="黑体" panose="02010609060101010101" charset="-122"/>
+                            <a:cs typeface="Times New Roman" panose="02020603050405020304" charset="0"/>
+                          </a:rPr>
+                        </m:ctrlPr>
+                      </m:sSubPr>
+                      <m:e>
+                        <m:r>
+                          <a:rPr lang="en-US" altLang="zh-CN" sz="3200" b="1" i="0" dirty="0" err="1" smtClean="0">
+                            <a:solidFill>
+                              <a:srgbClr val="000000"/>
+                            </a:solidFill>
+                            <a:latin typeface="Cambria Math" panose="02040503050406030204" pitchFamily="18" charset="0"/>
+                            <a:ea typeface="黑体" panose="02010609060101010101" charset="-122"/>
+                            <a:cs typeface="Times New Roman" panose="02020603050405020304" charset="0"/>
+                          </a:rPr>
+                          <m:t>𝐆</m:t>
+                        </m:r>
+                      </m:e>
+                      <m:sub>
+                        <m:d>
+                          <m:dPr>
+                            <m:ctrlPr>
+                              <a:rPr lang="en-US" altLang="zh-CN" sz="3200" b="1" i="1" dirty="0" smtClean="0">
+                                <a:solidFill>
+                                  <a:srgbClr val="000000"/>
+                                </a:solidFill>
+                                <a:latin typeface="Cambria Math" panose="02040503050406030204" pitchFamily="18" charset="0"/>
+                                <a:ea typeface="黑体" panose="02010609060101010101" charset="-122"/>
+                                <a:cs typeface="Times New Roman" panose="02020603050405020304" charset="0"/>
+                              </a:rPr>
+                            </m:ctrlPr>
+                          </m:dPr>
+                          <m:e>
+                            <m:r>
+                              <a:rPr lang="en-US" altLang="zh-CN" sz="3200" b="1" i="1" dirty="0" smtClean="0">
+                                <a:solidFill>
+                                  <a:srgbClr val="000000"/>
+                                </a:solidFill>
+                                <a:latin typeface="Cambria Math" panose="02040503050406030204" pitchFamily="18" charset="0"/>
+                                <a:ea typeface="黑体" panose="02010609060101010101" charset="-122"/>
+                                <a:cs typeface="Times New Roman" panose="02020603050405020304" charset="0"/>
+                              </a:rPr>
+                              <m:t>𝟑</m:t>
+                            </m:r>
+                            <m:r>
+                              <a:rPr lang="en-US" altLang="zh-CN" sz="3200" b="1" i="1" dirty="0" smtClean="0">
+                                <a:solidFill>
+                                  <a:srgbClr val="000000"/>
+                                </a:solidFill>
+                                <a:latin typeface="Cambria Math" panose="02040503050406030204" pitchFamily="18" charset="0"/>
+                                <a:ea typeface="黑体" panose="02010609060101010101" charset="-122"/>
+                                <a:cs typeface="Times New Roman" panose="02020603050405020304" charset="0"/>
+                              </a:rPr>
+                              <m:t>×</m:t>
+                            </m:r>
+                            <m:r>
+                              <a:rPr lang="en-US" altLang="zh-CN" sz="3200" b="1" i="1" dirty="0" smtClean="0">
+                                <a:solidFill>
+                                  <a:srgbClr val="000000"/>
+                                </a:solidFill>
+                                <a:latin typeface="Cambria Math" panose="02040503050406030204" pitchFamily="18" charset="0"/>
+                                <a:ea typeface="黑体" panose="02010609060101010101" charset="-122"/>
+                                <a:cs typeface="Times New Roman" panose="02020603050405020304" charset="0"/>
+                              </a:rPr>
+                              <m:t>𝟖</m:t>
+                            </m:r>
+                          </m:e>
+                        </m:d>
+                      </m:sub>
+                    </m:sSub>
+                  </m:oMath>
+                </a14:m>
+                <a:endParaRPr lang="en-US" altLang="zh-CN" sz="3200" b="1" dirty="0">
+                  <a:solidFill>
+                    <a:srgbClr val="000000"/>
+                  </a:solidFill>
+                  <a:latin typeface="Times New Roman" panose="02020603050405020304" charset="0"/>
+                  <a:ea typeface="黑体" panose="02010609060101010101" charset="-122"/>
+                  <a:cs typeface="Times New Roman" panose="02020603050405020304" charset="0"/>
+                </a:endParaRPr>
+              </a:p>
+              <a:p>
+                <a:pPr marL="342900" lvl="1" indent="-342900" eaLnBrk="1" hangingPunct="1">
+                  <a:spcBef>
+                    <a:spcPts val="600"/>
+                  </a:spcBef>
+                  <a:buClr>
+                    <a:srgbClr val="000000"/>
+                  </a:buClr>
+                  <a:buFont typeface="Wingdings" panose="05000000000000000000" pitchFamily="2" charset="2"/>
+                  <a:buChar char="l"/>
+                  <a:defRPr/>
+                </a:pPr>
+                <a:r>
+                  <a:rPr lang="zh-CN" altLang="en-US" sz="3200" b="1" dirty="0">
+                    <a:solidFill>
+                      <a:srgbClr val="000000"/>
+                    </a:solidFill>
+                    <a:latin typeface="Times New Roman" panose="02020603050405020304" charset="0"/>
+                    <a:ea typeface="黑体" panose="02010609060101010101" charset="-122"/>
+                    <a:cs typeface="Times New Roman" panose="02020603050405020304" charset="0"/>
+                  </a:rPr>
+                  <a:t>将待编码序列重排为 </a:t>
+                </a:r>
+                <a14:m>
+                  <m:oMath xmlns:m="http://schemas.openxmlformats.org/officeDocument/2006/math">
+                    <m:sSub>
+                      <m:sSubPr>
+                        <m:ctrlPr>
+                          <a:rPr lang="en-US" altLang="zh-CN" sz="3200" b="1" i="0" dirty="0" smtClean="0">
+                            <a:solidFill>
+                              <a:srgbClr val="000000"/>
+                            </a:solidFill>
+                            <a:latin typeface="Cambria Math" panose="02040503050406030204" pitchFamily="18" charset="0"/>
+                            <a:ea typeface="黑体" panose="02010609060101010101" charset="-122"/>
+                            <a:cs typeface="Times New Roman" panose="02020603050405020304" charset="0"/>
+                          </a:rPr>
+                        </m:ctrlPr>
+                      </m:sSubPr>
+                      <m:e>
+                        <m:r>
+                          <a:rPr lang="en-US" altLang="zh-CN" sz="3200" b="1" i="0" dirty="0" smtClean="0">
+                            <a:solidFill>
+                              <a:srgbClr val="000000"/>
+                            </a:solidFill>
+                            <a:latin typeface="Cambria Math" panose="02040503050406030204" pitchFamily="18" charset="0"/>
+                            <a:ea typeface="黑体" panose="02010609060101010101" charset="-122"/>
+                            <a:cs typeface="Times New Roman" panose="02020603050405020304" charset="0"/>
+                          </a:rPr>
+                          <m:t>𝐃</m:t>
+                        </m:r>
+                      </m:e>
+                      <m:sub>
+                        <m:d>
+                          <m:dPr>
+                            <m:ctrlPr>
+                              <a:rPr lang="en-US" altLang="zh-CN" sz="3200" b="1" i="1" dirty="0" smtClean="0">
+                                <a:solidFill>
+                                  <a:srgbClr val="000000"/>
+                                </a:solidFill>
+                                <a:latin typeface="Cambria Math" panose="02040503050406030204" pitchFamily="18" charset="0"/>
+                                <a:ea typeface="黑体" panose="02010609060101010101" charset="-122"/>
+                                <a:cs typeface="Times New Roman" panose="02020603050405020304" charset="0"/>
+                              </a:rPr>
+                            </m:ctrlPr>
+                          </m:dPr>
+                          <m:e>
+                            <m:r>
+                              <a:rPr lang="en-US" altLang="zh-CN" sz="3200" b="1" i="1" dirty="0" smtClean="0">
+                                <a:solidFill>
+                                  <a:srgbClr val="000000"/>
+                                </a:solidFill>
+                                <a:latin typeface="Cambria Math" panose="02040503050406030204" pitchFamily="18" charset="0"/>
+                                <a:ea typeface="黑体" panose="02010609060101010101" charset="-122"/>
+                                <a:cs typeface="Times New Roman" panose="02020603050405020304" charset="0"/>
+                              </a:rPr>
+                              <m:t>𝒏</m:t>
+                            </m:r>
+                            <m:r>
+                              <a:rPr lang="en-US" altLang="zh-CN" sz="3200" b="1" i="1" dirty="0" smtClean="0">
+                                <a:solidFill>
+                                  <a:srgbClr val="000000"/>
+                                </a:solidFill>
+                                <a:latin typeface="Cambria Math" panose="02040503050406030204" pitchFamily="18" charset="0"/>
+                                <a:ea typeface="黑体" panose="02010609060101010101" charset="-122"/>
+                                <a:cs typeface="Times New Roman" panose="02020603050405020304" charset="0"/>
+                              </a:rPr>
+                              <m:t>×</m:t>
+                            </m:r>
+                            <m:r>
+                              <a:rPr lang="en-US" altLang="zh-CN" sz="3200" b="1" i="1" dirty="0" smtClean="0">
+                                <a:solidFill>
+                                  <a:srgbClr val="000000"/>
+                                </a:solidFill>
+                                <a:latin typeface="Cambria Math" panose="02040503050406030204" pitchFamily="18" charset="0"/>
+                                <a:ea typeface="黑体" panose="02010609060101010101" charset="-122"/>
+                                <a:cs typeface="Times New Roman" panose="02020603050405020304" charset="0"/>
+                              </a:rPr>
+                              <m:t>𝟑</m:t>
+                            </m:r>
+                          </m:e>
+                        </m:d>
+                      </m:sub>
+                    </m:sSub>
+                    <m:r>
+                      <a:rPr lang="en-US" altLang="zh-CN" sz="3200" b="1" i="1" dirty="0" smtClean="0">
+                        <a:solidFill>
+                          <a:srgbClr val="000000"/>
+                        </a:solidFill>
+                        <a:latin typeface="Cambria Math" panose="02040503050406030204" pitchFamily="18" charset="0"/>
+                        <a:ea typeface="黑体" panose="02010609060101010101" charset="-122"/>
+                        <a:cs typeface="Times New Roman" panose="02020603050405020304" charset="0"/>
+                      </a:rPr>
+                      <m:t>=</m:t>
+                    </m:r>
+                    <m:d>
+                      <m:dPr>
+                        <m:begChr m:val="["/>
+                        <m:endChr m:val="]"/>
+                        <m:ctrlPr>
+                          <a:rPr lang="en-US" altLang="zh-CN" sz="3200" b="1" i="1" dirty="0" smtClean="0">
+                            <a:solidFill>
+                              <a:srgbClr val="000000"/>
+                            </a:solidFill>
+                            <a:latin typeface="Cambria Math" panose="02040503050406030204" pitchFamily="18" charset="0"/>
+                            <a:ea typeface="黑体" panose="02010609060101010101" charset="-122"/>
+                            <a:cs typeface="Times New Roman" panose="02020603050405020304" charset="0"/>
+                          </a:rPr>
+                        </m:ctrlPr>
+                      </m:dPr>
+                      <m:e>
+                        <m:sSub>
+                          <m:sSubPr>
+                            <m:ctrlPr>
+                              <a:rPr lang="en-US" altLang="zh-CN" sz="3200" b="1" i="1" dirty="0" smtClean="0">
+                                <a:solidFill>
+                                  <a:srgbClr val="000000"/>
+                                </a:solidFill>
+                                <a:latin typeface="Cambria Math" panose="02040503050406030204" pitchFamily="18" charset="0"/>
+                                <a:ea typeface="黑体" panose="02010609060101010101" charset="-122"/>
+                                <a:cs typeface="Times New Roman" panose="02020603050405020304" charset="0"/>
+                              </a:rPr>
+                            </m:ctrlPr>
+                          </m:sSubPr>
+                          <m:e>
+                            <m:r>
+                              <a:rPr lang="en-US" altLang="zh-CN" sz="3200" b="1" smtClean="0">
+                                <a:solidFill>
+                                  <a:srgbClr val="000000"/>
+                                </a:solidFill>
+                                <a:latin typeface="Cambria Math" panose="02040503050406030204" pitchFamily="18" charset="0"/>
+                                <a:ea typeface="黑体" panose="02010609060101010101" charset="-122"/>
+                                <a:cs typeface="Times New Roman" panose="02020603050405020304" charset="0"/>
+                              </a:rPr>
+                              <m:t>𝐝</m:t>
+                            </m:r>
+                          </m:e>
+                          <m:sub>
+                            <m:r>
+                              <a:rPr lang="en-US" altLang="zh-CN" sz="3200" b="1">
+                                <a:solidFill>
+                                  <a:srgbClr val="000000"/>
+                                </a:solidFill>
+                                <a:latin typeface="Cambria Math" panose="02040503050406030204" pitchFamily="18" charset="0"/>
+                                <a:ea typeface="黑体" panose="02010609060101010101" charset="-122"/>
+                                <a:cs typeface="Times New Roman" panose="02020603050405020304" charset="0"/>
+                              </a:rPr>
+                              <m:t>𝟏</m:t>
+                            </m:r>
+                          </m:sub>
+                        </m:sSub>
+                        <m:r>
+                          <a:rPr lang="en-US" altLang="zh-CN" sz="3200" b="1">
+                            <a:solidFill>
+                              <a:srgbClr val="000000"/>
+                            </a:solidFill>
+                            <a:latin typeface="Cambria Math" panose="02040503050406030204" pitchFamily="18" charset="0"/>
+                            <a:ea typeface="黑体" panose="02010609060101010101" charset="-122"/>
+                            <a:cs typeface="Times New Roman" panose="02020603050405020304" charset="0"/>
+                          </a:rPr>
+                          <m:t>;</m:t>
+                        </m:r>
+                        <m:r>
+                          <a:rPr lang="en-US" altLang="zh-CN" sz="3200" b="1" smtClean="0">
+                            <a:solidFill>
+                              <a:srgbClr val="000000"/>
+                            </a:solidFill>
+                            <a:latin typeface="Cambria Math" panose="02040503050406030204" pitchFamily="18" charset="0"/>
+                            <a:ea typeface="黑体" panose="02010609060101010101" charset="-122"/>
+                            <a:cs typeface="Times New Roman" panose="02020603050405020304" charset="0"/>
+                          </a:rPr>
+                          <m:t> </m:t>
+                        </m:r>
+                        <m:sSub>
+                          <m:sSubPr>
+                            <m:ctrlPr>
+                              <a:rPr lang="en-US" altLang="zh-CN" sz="3200" b="1" i="1" smtClean="0">
+                                <a:solidFill>
+                                  <a:srgbClr val="000000"/>
+                                </a:solidFill>
+                                <a:latin typeface="Cambria Math" panose="02040503050406030204" pitchFamily="18" charset="0"/>
+                                <a:ea typeface="黑体" panose="02010609060101010101" charset="-122"/>
+                                <a:cs typeface="Times New Roman" panose="02020603050405020304" charset="0"/>
+                              </a:rPr>
+                            </m:ctrlPr>
+                          </m:sSubPr>
+                          <m:e>
+                            <m:r>
+                              <a:rPr lang="en-US" altLang="zh-CN" sz="3200" b="1" smtClean="0">
+                                <a:solidFill>
+                                  <a:srgbClr val="000000"/>
+                                </a:solidFill>
+                                <a:latin typeface="Cambria Math" panose="02040503050406030204" pitchFamily="18" charset="0"/>
+                                <a:ea typeface="黑体" panose="02010609060101010101" charset="-122"/>
+                                <a:cs typeface="Times New Roman" panose="02020603050405020304" charset="0"/>
+                              </a:rPr>
+                              <m:t>𝐝</m:t>
+                            </m:r>
+                          </m:e>
+                          <m:sub>
+                            <m:r>
+                              <a:rPr lang="en-US" altLang="zh-CN" sz="3200" b="1">
+                                <a:solidFill>
+                                  <a:srgbClr val="000000"/>
+                                </a:solidFill>
+                                <a:latin typeface="Cambria Math" panose="02040503050406030204" pitchFamily="18" charset="0"/>
+                                <a:ea typeface="黑体" panose="02010609060101010101" charset="-122"/>
+                                <a:cs typeface="Times New Roman" panose="02020603050405020304" charset="0"/>
+                              </a:rPr>
+                              <m:t>𝟐</m:t>
+                            </m:r>
+                          </m:sub>
+                        </m:sSub>
+                        <m:r>
+                          <a:rPr lang="en-US" altLang="zh-CN" sz="3200" b="1">
+                            <a:solidFill>
+                              <a:srgbClr val="000000"/>
+                            </a:solidFill>
+                            <a:latin typeface="Cambria Math" panose="02040503050406030204" pitchFamily="18" charset="0"/>
+                            <a:ea typeface="黑体" panose="02010609060101010101" charset="-122"/>
+                            <a:cs typeface="Times New Roman" panose="02020603050405020304" charset="0"/>
+                          </a:rPr>
+                          <m:t>; </m:t>
+                        </m:r>
+                        <m:r>
+                          <a:rPr lang="en-US" altLang="zh-CN" sz="3200" b="1" i="1">
+                            <a:solidFill>
+                              <a:srgbClr val="000000"/>
+                            </a:solidFill>
+                            <a:latin typeface="Cambria Math" panose="02040503050406030204" pitchFamily="18" charset="0"/>
+                            <a:ea typeface="黑体" panose="02010609060101010101" charset="-122"/>
+                            <a:cs typeface="Times New Roman" panose="02020603050405020304" charset="0"/>
+                          </a:rPr>
+                          <m:t>⋯;</m:t>
+                        </m:r>
+                        <m:sSub>
+                          <m:sSubPr>
+                            <m:ctrlPr>
+                              <a:rPr lang="en-US" altLang="zh-CN" sz="3200" b="1" i="1">
+                                <a:solidFill>
+                                  <a:srgbClr val="000000"/>
+                                </a:solidFill>
+                                <a:latin typeface="Cambria Math" panose="02040503050406030204" pitchFamily="18" charset="0"/>
+                                <a:ea typeface="黑体" panose="02010609060101010101" charset="-122"/>
+                                <a:cs typeface="Times New Roman" panose="02020603050405020304" charset="0"/>
+                              </a:rPr>
+                            </m:ctrlPr>
+                          </m:sSubPr>
+                          <m:e>
+                            <m:r>
+                              <a:rPr lang="en-US" altLang="zh-CN" sz="3200" b="1">
+                                <a:solidFill>
+                                  <a:srgbClr val="000000"/>
+                                </a:solidFill>
+                                <a:latin typeface="Cambria Math" panose="02040503050406030204" pitchFamily="18" charset="0"/>
+                                <a:ea typeface="黑体" panose="02010609060101010101" charset="-122"/>
+                                <a:cs typeface="Times New Roman" panose="02020603050405020304" charset="0"/>
+                              </a:rPr>
+                              <m:t>𝐝</m:t>
+                            </m:r>
+                          </m:e>
+                          <m:sub>
+                            <m:r>
+                              <a:rPr lang="en-US" altLang="zh-CN" sz="3200" b="1">
+                                <a:solidFill>
+                                  <a:srgbClr val="000000"/>
+                                </a:solidFill>
+                                <a:latin typeface="Cambria Math" panose="02040503050406030204" pitchFamily="18" charset="0"/>
+                                <a:ea typeface="黑体" panose="02010609060101010101" charset="-122"/>
+                                <a:cs typeface="Times New Roman" panose="02020603050405020304" charset="0"/>
+                              </a:rPr>
+                              <m:t>𝐧</m:t>
+                            </m:r>
+                          </m:sub>
+                        </m:sSub>
+                      </m:e>
+                    </m:d>
+                  </m:oMath>
+                </a14:m>
+                <a:endParaRPr lang="en-US" altLang="zh-CN" sz="3200" b="1" noProof="1">
+                  <a:solidFill>
+                    <a:srgbClr val="000000"/>
+                  </a:solidFill>
+                  <a:latin typeface="Times New Roman" panose="02020603050405020304" charset="0"/>
+                  <a:ea typeface="黑体" panose="02010609060101010101" charset="-122"/>
+                  <a:cs typeface="Times New Roman" panose="02020603050405020304" charset="0"/>
+                  <a:sym typeface="+mn-ea"/>
+                </a:endParaRPr>
+              </a:p>
+              <a:p>
+                <a:pPr marL="342900" lvl="1" indent="-342900" eaLnBrk="1" hangingPunct="1">
+                  <a:spcBef>
+                    <a:spcPts val="600"/>
+                  </a:spcBef>
+                  <a:buClr>
+                    <a:srgbClr val="000000"/>
+                  </a:buClr>
+                  <a:buFont typeface="Wingdings" panose="05000000000000000000" pitchFamily="2" charset="2"/>
+                  <a:buChar char="l"/>
+                  <a:defRPr/>
+                </a:pPr>
+                <a:r>
+                  <a:rPr lang="zh-CN" altLang="en-US" sz="3200" b="1" noProof="1">
+                    <a:solidFill>
+                      <a:srgbClr val="000000"/>
+                    </a:solidFill>
+                    <a:latin typeface="Times New Roman" panose="02020603050405020304" charset="0"/>
+                    <a:ea typeface="黑体" panose="02010609060101010101" charset="-122"/>
+                    <a:cs typeface="Times New Roman" panose="02020603050405020304" charset="0"/>
+                    <a:sym typeface="+mn-ea"/>
+                  </a:rPr>
+                  <a:t>则矩阵计算 </a:t>
+                </a:r>
+                <a14:m>
+                  <m:oMath xmlns:m="http://schemas.openxmlformats.org/officeDocument/2006/math">
+                    <m:sSub>
+                      <m:sSubPr>
+                        <m:ctrlPr>
+                          <a:rPr lang="en-US" altLang="zh-CN" sz="3200" b="1" i="0" noProof="1" smtClean="0">
+                            <a:solidFill>
+                              <a:srgbClr val="000000"/>
+                            </a:solidFill>
+                            <a:latin typeface="Cambria Math" panose="02040503050406030204" pitchFamily="18" charset="0"/>
+                            <a:ea typeface="黑体" panose="02010609060101010101" charset="-122"/>
+                            <a:cs typeface="Times New Roman" panose="02020603050405020304" charset="0"/>
+                            <a:sym typeface="+mn-ea"/>
+                          </a:rPr>
+                        </m:ctrlPr>
+                      </m:sSubPr>
+                      <m:e>
+                        <m:r>
+                          <a:rPr lang="en-US" altLang="zh-CN" sz="3200" b="1" i="0" noProof="1" smtClean="0">
+                            <a:solidFill>
+                              <a:srgbClr val="000000"/>
+                            </a:solidFill>
+                            <a:latin typeface="Cambria Math" panose="02040503050406030204" pitchFamily="18" charset="0"/>
+                            <a:ea typeface="黑体" panose="02010609060101010101" charset="-122"/>
+                            <a:cs typeface="Times New Roman" panose="02020603050405020304" charset="0"/>
+                            <a:sym typeface="+mn-ea"/>
+                          </a:rPr>
+                          <m:t>𝐂</m:t>
+                        </m:r>
+                      </m:e>
+                      <m:sub>
+                        <m:d>
+                          <m:dPr>
+                            <m:ctrlPr>
+                              <a:rPr lang="en-US" altLang="zh-CN" sz="3200" b="1" i="1" noProof="1" smtClean="0">
+                                <a:solidFill>
+                                  <a:srgbClr val="000000"/>
+                                </a:solidFill>
+                                <a:latin typeface="Cambria Math" panose="02040503050406030204" pitchFamily="18" charset="0"/>
+                                <a:ea typeface="黑体" panose="02010609060101010101" charset="-122"/>
+                                <a:cs typeface="Times New Roman" panose="02020603050405020304" charset="0"/>
+                                <a:sym typeface="+mn-ea"/>
+                              </a:rPr>
+                            </m:ctrlPr>
+                          </m:dPr>
+                          <m:e>
+                            <m:r>
+                              <a:rPr lang="en-US" altLang="zh-CN" sz="3200" b="1" i="1" noProof="1" smtClean="0">
+                                <a:solidFill>
+                                  <a:srgbClr val="000000"/>
+                                </a:solidFill>
+                                <a:latin typeface="Cambria Math" panose="02040503050406030204" pitchFamily="18" charset="0"/>
+                                <a:ea typeface="黑体" panose="02010609060101010101" charset="-122"/>
+                                <a:cs typeface="Times New Roman" panose="02020603050405020304" charset="0"/>
+                                <a:sym typeface="+mn-ea"/>
+                              </a:rPr>
+                              <m:t>𝒏</m:t>
+                            </m:r>
+                            <m:r>
+                              <a:rPr lang="en-US" altLang="zh-CN" sz="3200" b="1" i="1" noProof="1" smtClean="0">
+                                <a:solidFill>
+                                  <a:srgbClr val="000000"/>
+                                </a:solidFill>
+                                <a:latin typeface="Cambria Math" panose="02040503050406030204" pitchFamily="18" charset="0"/>
+                                <a:ea typeface="黑体" panose="02010609060101010101" charset="-122"/>
+                                <a:cs typeface="Times New Roman" panose="02020603050405020304" charset="0"/>
+                                <a:sym typeface="+mn-ea"/>
+                              </a:rPr>
+                              <m:t>×</m:t>
+                            </m:r>
+                            <m:r>
+                              <a:rPr lang="en-US" altLang="zh-CN" sz="3200" b="1" i="1" noProof="1" smtClean="0">
+                                <a:solidFill>
+                                  <a:srgbClr val="000000"/>
+                                </a:solidFill>
+                                <a:latin typeface="Cambria Math" panose="02040503050406030204" pitchFamily="18" charset="0"/>
+                                <a:ea typeface="黑体" panose="02010609060101010101" charset="-122"/>
+                                <a:cs typeface="Times New Roman" panose="02020603050405020304" charset="0"/>
+                                <a:sym typeface="+mn-ea"/>
+                              </a:rPr>
+                              <m:t>𝟖</m:t>
+                            </m:r>
+                          </m:e>
+                        </m:d>
+                      </m:sub>
+                    </m:sSub>
+                    <m:r>
+                      <a:rPr lang="en-US" altLang="zh-CN" sz="3200" b="1" i="0" noProof="1" smtClean="0">
+                        <a:solidFill>
+                          <a:srgbClr val="000000"/>
+                        </a:solidFill>
+                        <a:latin typeface="Cambria Math" panose="02040503050406030204" pitchFamily="18" charset="0"/>
+                        <a:ea typeface="黑体" panose="02010609060101010101" charset="-122"/>
+                        <a:cs typeface="Times New Roman" panose="02020603050405020304" charset="0"/>
+                        <a:sym typeface="+mn-ea"/>
+                      </a:rPr>
+                      <m:t>=</m:t>
+                    </m:r>
+                    <m:sSub>
+                      <m:sSubPr>
+                        <m:ctrlPr>
+                          <a:rPr lang="en-US" altLang="zh-CN" sz="3200" b="1" i="0" noProof="1" smtClean="0">
+                            <a:solidFill>
+                              <a:srgbClr val="000000"/>
+                            </a:solidFill>
+                            <a:latin typeface="Cambria Math" panose="02040503050406030204" pitchFamily="18" charset="0"/>
+                            <a:ea typeface="黑体" panose="02010609060101010101" charset="-122"/>
+                            <a:cs typeface="Times New Roman" panose="02020603050405020304" charset="0"/>
+                            <a:sym typeface="+mn-ea"/>
+                          </a:rPr>
+                        </m:ctrlPr>
+                      </m:sSubPr>
+                      <m:e>
+                        <m:r>
+                          <a:rPr lang="en-US" altLang="zh-CN" sz="3200" b="1" i="0" noProof="1" smtClean="0">
+                            <a:solidFill>
+                              <a:srgbClr val="000000"/>
+                            </a:solidFill>
+                            <a:latin typeface="Cambria Math" panose="02040503050406030204" pitchFamily="18" charset="0"/>
+                            <a:ea typeface="黑体" panose="02010609060101010101" charset="-122"/>
+                            <a:cs typeface="Times New Roman" panose="02020603050405020304" charset="0"/>
+                            <a:sym typeface="+mn-ea"/>
+                          </a:rPr>
+                          <m:t>𝐃</m:t>
+                        </m:r>
+                      </m:e>
+                      <m:sub>
+                        <m:d>
+                          <m:dPr>
+                            <m:ctrlPr>
+                              <a:rPr lang="en-US" altLang="zh-CN" sz="3200" b="1" i="1" noProof="1" smtClean="0">
+                                <a:solidFill>
+                                  <a:srgbClr val="000000"/>
+                                </a:solidFill>
+                                <a:latin typeface="Cambria Math" panose="02040503050406030204" pitchFamily="18" charset="0"/>
+                                <a:ea typeface="黑体" panose="02010609060101010101" charset="-122"/>
+                                <a:cs typeface="Times New Roman" panose="02020603050405020304" charset="0"/>
+                                <a:sym typeface="+mn-ea"/>
+                              </a:rPr>
+                            </m:ctrlPr>
+                          </m:dPr>
+                          <m:e>
+                            <m:r>
+                              <a:rPr lang="en-US" altLang="zh-CN" sz="3200" b="1" i="1" noProof="1" smtClean="0">
+                                <a:solidFill>
+                                  <a:srgbClr val="000000"/>
+                                </a:solidFill>
+                                <a:latin typeface="Cambria Math" panose="02040503050406030204" pitchFamily="18" charset="0"/>
+                                <a:ea typeface="黑体" panose="02010609060101010101" charset="-122"/>
+                                <a:cs typeface="Times New Roman" panose="02020603050405020304" charset="0"/>
+                                <a:sym typeface="+mn-ea"/>
+                              </a:rPr>
+                              <m:t>𝒏</m:t>
+                            </m:r>
+                            <m:r>
+                              <a:rPr lang="en-US" altLang="zh-CN" sz="3200" b="1" i="1" noProof="1" smtClean="0">
+                                <a:solidFill>
+                                  <a:srgbClr val="000000"/>
+                                </a:solidFill>
+                                <a:latin typeface="Cambria Math" panose="02040503050406030204" pitchFamily="18" charset="0"/>
+                                <a:ea typeface="黑体" panose="02010609060101010101" charset="-122"/>
+                                <a:cs typeface="Times New Roman" panose="02020603050405020304" charset="0"/>
+                                <a:sym typeface="+mn-ea"/>
+                              </a:rPr>
+                              <m:t>×</m:t>
+                            </m:r>
+                            <m:r>
+                              <a:rPr lang="en-US" altLang="zh-CN" sz="3200" b="1" i="1" noProof="1" smtClean="0">
+                                <a:solidFill>
+                                  <a:srgbClr val="000000"/>
+                                </a:solidFill>
+                                <a:latin typeface="Cambria Math" panose="02040503050406030204" pitchFamily="18" charset="0"/>
+                                <a:ea typeface="黑体" panose="02010609060101010101" charset="-122"/>
+                                <a:cs typeface="Times New Roman" panose="02020603050405020304" charset="0"/>
+                                <a:sym typeface="+mn-ea"/>
+                              </a:rPr>
+                              <m:t>𝟑</m:t>
+                            </m:r>
+                          </m:e>
+                        </m:d>
+                      </m:sub>
+                    </m:sSub>
+                    <m:sSub>
+                      <m:sSubPr>
+                        <m:ctrlPr>
+                          <a:rPr lang="en-US" altLang="zh-CN" sz="3200" b="1" i="0" noProof="1" smtClean="0">
+                            <a:solidFill>
+                              <a:srgbClr val="000000"/>
+                            </a:solidFill>
+                            <a:latin typeface="Cambria Math" panose="02040503050406030204" pitchFamily="18" charset="0"/>
+                            <a:ea typeface="黑体" panose="02010609060101010101" charset="-122"/>
+                            <a:cs typeface="Times New Roman" panose="02020603050405020304" charset="0"/>
+                            <a:sym typeface="+mn-ea"/>
+                          </a:rPr>
+                        </m:ctrlPr>
+                      </m:sSubPr>
+                      <m:e>
+                        <m:r>
+                          <a:rPr lang="en-US" altLang="zh-CN" sz="3200" b="1" i="0" noProof="1" smtClean="0">
+                            <a:solidFill>
+                              <a:srgbClr val="000000"/>
+                            </a:solidFill>
+                            <a:latin typeface="Cambria Math" panose="02040503050406030204" pitchFamily="18" charset="0"/>
+                            <a:ea typeface="黑体" panose="02010609060101010101" charset="-122"/>
+                            <a:cs typeface="Times New Roman" panose="02020603050405020304" charset="0"/>
+                            <a:sym typeface="+mn-ea"/>
+                          </a:rPr>
+                          <m:t>𝐆</m:t>
+                        </m:r>
+                      </m:e>
+                      <m:sub>
+                        <m:d>
+                          <m:dPr>
+                            <m:ctrlPr>
+                              <a:rPr lang="en-US" altLang="zh-CN" sz="3200" b="1" i="1" noProof="1" smtClean="0">
+                                <a:solidFill>
+                                  <a:srgbClr val="000000"/>
+                                </a:solidFill>
+                                <a:latin typeface="Cambria Math" panose="02040503050406030204" pitchFamily="18" charset="0"/>
+                                <a:ea typeface="黑体" panose="02010609060101010101" charset="-122"/>
+                                <a:cs typeface="Times New Roman" panose="02020603050405020304" charset="0"/>
+                                <a:sym typeface="+mn-ea"/>
+                              </a:rPr>
+                            </m:ctrlPr>
+                          </m:dPr>
+                          <m:e>
+                            <m:r>
+                              <a:rPr lang="en-US" altLang="zh-CN" sz="3200" b="1" i="1" noProof="1" smtClean="0">
+                                <a:solidFill>
+                                  <a:srgbClr val="000000"/>
+                                </a:solidFill>
+                                <a:latin typeface="Cambria Math" panose="02040503050406030204" pitchFamily="18" charset="0"/>
+                                <a:ea typeface="黑体" panose="02010609060101010101" charset="-122"/>
+                                <a:cs typeface="Times New Roman" panose="02020603050405020304" charset="0"/>
+                                <a:sym typeface="+mn-ea"/>
+                              </a:rPr>
+                              <m:t>𝟑</m:t>
+                            </m:r>
+                            <m:r>
+                              <a:rPr lang="en-US" altLang="zh-CN" sz="3200" b="1" i="1" noProof="1" smtClean="0">
+                                <a:solidFill>
+                                  <a:srgbClr val="000000"/>
+                                </a:solidFill>
+                                <a:latin typeface="Cambria Math" panose="02040503050406030204" pitchFamily="18" charset="0"/>
+                                <a:ea typeface="黑体" panose="02010609060101010101" charset="-122"/>
+                                <a:cs typeface="Times New Roman" panose="02020603050405020304" charset="0"/>
+                                <a:sym typeface="+mn-ea"/>
+                              </a:rPr>
+                              <m:t>×</m:t>
+                            </m:r>
+                            <m:r>
+                              <a:rPr lang="en-US" altLang="zh-CN" sz="3200" b="1" i="1" noProof="1" smtClean="0">
+                                <a:solidFill>
+                                  <a:srgbClr val="000000"/>
+                                </a:solidFill>
+                                <a:latin typeface="Cambria Math" panose="02040503050406030204" pitchFamily="18" charset="0"/>
+                                <a:ea typeface="黑体" panose="02010609060101010101" charset="-122"/>
+                                <a:cs typeface="Times New Roman" panose="02020603050405020304" charset="0"/>
+                                <a:sym typeface="+mn-ea"/>
+                              </a:rPr>
+                              <m:t>𝟖</m:t>
+                            </m:r>
+                          </m:e>
+                        </m:d>
+                      </m:sub>
+                    </m:sSub>
+                    <m:r>
+                      <a:rPr lang="en-US" altLang="zh-CN" sz="3200" b="1" i="0" noProof="1" smtClean="0">
+                        <a:solidFill>
+                          <a:srgbClr val="000000"/>
+                        </a:solidFill>
+                        <a:latin typeface="Cambria Math" panose="02040503050406030204" pitchFamily="18" charset="0"/>
+                        <a:ea typeface="黑体" panose="02010609060101010101" charset="-122"/>
+                        <a:cs typeface="Times New Roman" panose="02020603050405020304" charset="0"/>
+                        <a:sym typeface="+mn-ea"/>
+                      </a:rPr>
+                      <m:t>=</m:t>
+                    </m:r>
+                    <m:d>
+                      <m:dPr>
+                        <m:begChr m:val="["/>
+                        <m:endChr m:val="]"/>
+                        <m:ctrlPr>
+                          <a:rPr lang="en-US" altLang="zh-CN" sz="3200" b="1" i="0" noProof="1" smtClean="0">
+                            <a:solidFill>
+                              <a:srgbClr val="000000"/>
+                            </a:solidFill>
+                            <a:latin typeface="Cambria Math" panose="02040503050406030204" pitchFamily="18" charset="0"/>
+                            <a:ea typeface="黑体" panose="02010609060101010101" charset="-122"/>
+                            <a:cs typeface="Times New Roman" panose="02020603050405020304" charset="0"/>
+                            <a:sym typeface="+mn-ea"/>
+                          </a:rPr>
+                        </m:ctrlPr>
+                      </m:dPr>
+                      <m:e>
+                        <m:sSub>
+                          <m:sSubPr>
+                            <m:ctrlPr>
+                              <a:rPr lang="en-US" altLang="zh-CN" sz="3200" b="1" i="1" noProof="1" smtClean="0">
+                                <a:solidFill>
+                                  <a:srgbClr val="000000"/>
+                                </a:solidFill>
+                                <a:latin typeface="Cambria Math" panose="02040503050406030204" pitchFamily="18" charset="0"/>
+                                <a:ea typeface="黑体" panose="02010609060101010101" charset="-122"/>
+                                <a:cs typeface="Times New Roman" panose="02020603050405020304" charset="0"/>
+                                <a:sym typeface="+mn-ea"/>
+                              </a:rPr>
+                            </m:ctrlPr>
+                          </m:sSubPr>
+                          <m:e>
+                            <m:r>
+                              <a:rPr lang="en-US" altLang="zh-CN" sz="3200" b="1" i="0" noProof="1" smtClean="0">
+                                <a:solidFill>
+                                  <a:srgbClr val="000000"/>
+                                </a:solidFill>
+                                <a:latin typeface="Cambria Math" panose="02040503050406030204" pitchFamily="18" charset="0"/>
+                                <a:ea typeface="黑体" panose="02010609060101010101" charset="-122"/>
+                                <a:cs typeface="Times New Roman" panose="02020603050405020304" charset="0"/>
+                                <a:sym typeface="+mn-ea"/>
+                              </a:rPr>
+                              <m:t>𝐜</m:t>
+                            </m:r>
+                          </m:e>
+                          <m:sub>
+                            <m:r>
+                              <a:rPr lang="en-US" altLang="zh-CN" sz="3200" b="1" i="0" noProof="1" smtClean="0">
+                                <a:solidFill>
+                                  <a:srgbClr val="000000"/>
+                                </a:solidFill>
+                                <a:latin typeface="Cambria Math" panose="02040503050406030204" pitchFamily="18" charset="0"/>
+                                <a:ea typeface="黑体" panose="02010609060101010101" charset="-122"/>
+                                <a:cs typeface="Times New Roman" panose="02020603050405020304" charset="0"/>
+                                <a:sym typeface="+mn-ea"/>
+                              </a:rPr>
+                              <m:t>𝟏</m:t>
+                            </m:r>
+                          </m:sub>
+                        </m:sSub>
+                        <m:r>
+                          <a:rPr lang="en-US" altLang="zh-CN" sz="3200" b="1" i="0" noProof="1" smtClean="0">
+                            <a:solidFill>
+                              <a:srgbClr val="000000"/>
+                            </a:solidFill>
+                            <a:latin typeface="Cambria Math" panose="02040503050406030204" pitchFamily="18" charset="0"/>
+                            <a:ea typeface="黑体" panose="02010609060101010101" charset="-122"/>
+                            <a:cs typeface="Times New Roman" panose="02020603050405020304" charset="0"/>
+                            <a:sym typeface="+mn-ea"/>
+                          </a:rPr>
+                          <m:t>;</m:t>
+                        </m:r>
+                        <m:sSub>
+                          <m:sSubPr>
+                            <m:ctrlPr>
+                              <a:rPr lang="en-US" altLang="zh-CN" sz="3200" b="1" i="1" noProof="1" smtClean="0">
+                                <a:solidFill>
+                                  <a:srgbClr val="000000"/>
+                                </a:solidFill>
+                                <a:latin typeface="Cambria Math" panose="02040503050406030204" pitchFamily="18" charset="0"/>
+                                <a:ea typeface="黑体" panose="02010609060101010101" charset="-122"/>
+                                <a:cs typeface="Times New Roman" panose="02020603050405020304" charset="0"/>
+                                <a:sym typeface="+mn-ea"/>
+                              </a:rPr>
+                            </m:ctrlPr>
+                          </m:sSubPr>
+                          <m:e>
+                            <m:r>
+                              <a:rPr lang="en-US" altLang="zh-CN" sz="3200" b="1" i="0" noProof="1" smtClean="0">
+                                <a:solidFill>
+                                  <a:srgbClr val="000000"/>
+                                </a:solidFill>
+                                <a:latin typeface="Cambria Math" panose="02040503050406030204" pitchFamily="18" charset="0"/>
+                                <a:ea typeface="黑体" panose="02010609060101010101" charset="-122"/>
+                                <a:cs typeface="Times New Roman" panose="02020603050405020304" charset="0"/>
+                                <a:sym typeface="+mn-ea"/>
+                              </a:rPr>
+                              <m:t>𝐜</m:t>
+                            </m:r>
+                          </m:e>
+                          <m:sub>
+                            <m:r>
+                              <a:rPr lang="en-US" altLang="zh-CN" sz="3200" b="1" i="0" noProof="1" smtClean="0">
+                                <a:solidFill>
+                                  <a:srgbClr val="000000"/>
+                                </a:solidFill>
+                                <a:latin typeface="Cambria Math" panose="02040503050406030204" pitchFamily="18" charset="0"/>
+                                <a:ea typeface="黑体" panose="02010609060101010101" charset="-122"/>
+                                <a:cs typeface="Times New Roman" panose="02020603050405020304" charset="0"/>
+                                <a:sym typeface="+mn-ea"/>
+                              </a:rPr>
+                              <m:t>𝟐</m:t>
+                            </m:r>
+                          </m:sub>
+                        </m:sSub>
+                        <m:r>
+                          <a:rPr lang="en-US" altLang="zh-CN" sz="3200" b="1" i="0" noProof="1" smtClean="0">
+                            <a:solidFill>
+                              <a:srgbClr val="000000"/>
+                            </a:solidFill>
+                            <a:latin typeface="Cambria Math" panose="02040503050406030204" pitchFamily="18" charset="0"/>
+                            <a:ea typeface="黑体" panose="02010609060101010101" charset="-122"/>
+                            <a:cs typeface="Times New Roman" panose="02020603050405020304" charset="0"/>
+                            <a:sym typeface="+mn-ea"/>
+                          </a:rPr>
+                          <m:t>; ⋯;</m:t>
+                        </m:r>
+                        <m:sSub>
+                          <m:sSubPr>
+                            <m:ctrlPr>
+                              <a:rPr lang="en-US" altLang="zh-CN" sz="3200" b="1" i="1" noProof="1" smtClean="0">
+                                <a:solidFill>
+                                  <a:srgbClr val="000000"/>
+                                </a:solidFill>
+                                <a:latin typeface="Cambria Math" panose="02040503050406030204" pitchFamily="18" charset="0"/>
+                                <a:ea typeface="黑体" panose="02010609060101010101" charset="-122"/>
+                                <a:cs typeface="Times New Roman" panose="02020603050405020304" charset="0"/>
+                                <a:sym typeface="+mn-ea"/>
+                              </a:rPr>
+                            </m:ctrlPr>
+                          </m:sSubPr>
+                          <m:e>
+                            <m:r>
+                              <a:rPr lang="en-US" altLang="zh-CN" sz="3200" b="1" i="0" noProof="1" smtClean="0">
+                                <a:solidFill>
+                                  <a:srgbClr val="000000"/>
+                                </a:solidFill>
+                                <a:latin typeface="Cambria Math" panose="02040503050406030204" pitchFamily="18" charset="0"/>
+                                <a:ea typeface="黑体" panose="02010609060101010101" charset="-122"/>
+                                <a:cs typeface="Times New Roman" panose="02020603050405020304" charset="0"/>
+                                <a:sym typeface="+mn-ea"/>
+                              </a:rPr>
+                              <m:t>𝐜</m:t>
+                            </m:r>
+                          </m:e>
+                          <m:sub>
+                            <m:r>
+                              <a:rPr lang="en-US" altLang="zh-CN" sz="3200" b="1" i="0" noProof="1" smtClean="0">
+                                <a:solidFill>
+                                  <a:srgbClr val="000000"/>
+                                </a:solidFill>
+                                <a:latin typeface="Cambria Math" panose="02040503050406030204" pitchFamily="18" charset="0"/>
+                                <a:ea typeface="黑体" panose="02010609060101010101" charset="-122"/>
+                                <a:cs typeface="Times New Roman" panose="02020603050405020304" charset="0"/>
+                                <a:sym typeface="+mn-ea"/>
+                              </a:rPr>
+                              <m:t>𝐧</m:t>
+                            </m:r>
+                          </m:sub>
+                        </m:sSub>
+                      </m:e>
+                    </m:d>
+                  </m:oMath>
+                </a14:m>
+                <a:endParaRPr lang="en-US" altLang="zh-CN" sz="3200" b="1" noProof="1">
+                  <a:solidFill>
+                    <a:srgbClr val="000000"/>
+                  </a:solidFill>
+                  <a:latin typeface="Times New Roman" panose="02020603050405020304" charset="0"/>
+                  <a:ea typeface="黑体" panose="02010609060101010101" charset="-122"/>
+                  <a:cs typeface="Times New Roman" panose="02020603050405020304" charset="0"/>
+                  <a:sym typeface="+mn-ea"/>
+                </a:endParaRPr>
+              </a:p>
+              <a:p>
+                <a:pPr marL="342900" lvl="1" indent="-342900" eaLnBrk="1" hangingPunct="1">
+                  <a:spcBef>
+                    <a:spcPts val="600"/>
+                  </a:spcBef>
+                  <a:buClr>
+                    <a:srgbClr val="000000"/>
+                  </a:buClr>
+                  <a:buFont typeface="Wingdings" panose="05000000000000000000" pitchFamily="2" charset="2"/>
+                  <a:buChar char="l"/>
+                  <a:defRPr/>
+                </a:pPr>
+                <a:r>
+                  <a:rPr lang="zh-CN" altLang="en-US" sz="3200" b="1" noProof="1">
+                    <a:solidFill>
+                      <a:srgbClr val="000000"/>
+                    </a:solidFill>
+                    <a:latin typeface="Times New Roman" panose="02020603050405020304" charset="0"/>
+                    <a:ea typeface="黑体" panose="02010609060101010101" charset="-122"/>
+                    <a:cs typeface="Times New Roman" panose="02020603050405020304" charset="0"/>
+                    <a:sym typeface="+mn-ea"/>
+                  </a:rPr>
+                  <a:t>重排即得到编码后序列</a:t>
+                </a:r>
+                <a:endParaRPr lang="en-US" altLang="zh-CN" sz="3200" b="1" noProof="1">
+                  <a:solidFill>
+                    <a:srgbClr val="000000"/>
+                  </a:solidFill>
+                  <a:latin typeface="Times New Roman" panose="02020603050405020304" charset="0"/>
+                  <a:ea typeface="黑体" panose="02010609060101010101" charset="-122"/>
+                  <a:cs typeface="Times New Roman" panose="02020603050405020304" charset="0"/>
+                  <a:sym typeface="+mn-ea"/>
+                </a:endParaRPr>
+              </a:p>
+            </p:txBody>
+          </p:sp>
+        </mc:Choice>
+        <mc:Fallback>
+          <p:sp>
+            <p:nvSpPr>
+              <p:cNvPr id="33" name="Rectangle 3"/>
+              <p:cNvSpPr txBox="1">
+                <a:spLocks noRot="1" noChangeAspect="1" noMove="1" noResize="1" noEditPoints="1" noAdjustHandles="1" noChangeArrowheads="1" noChangeShapeType="1" noTextEdit="1"/>
+              </p:cNvSpPr>
+              <p:nvPr/>
+            </p:nvSpPr>
+            <p:spPr bwMode="auto">
+              <a:xfrm>
+                <a:off x="65405" y="1584960"/>
+                <a:ext cx="8971915" cy="3692434"/>
+              </a:xfrm>
+              <a:prstGeom prst="rect">
+                <a:avLst/>
+              </a:prstGeom>
+              <a:blipFill>
+                <a:blip r:embed="rId3"/>
+                <a:stretch>
+                  <a:fillRect l="-1563" t="-2805"/>
+                </a:stretch>
+              </a:blipFill>
+              <a:ln w="12700" cap="flat" cmpd="sng" algn="ctr">
+                <a:noFill/>
+                <a:prstDash val="solid"/>
+                <a:headEnd type="oval" w="med" len="med"/>
+                <a:tailEnd type="stealth" w="lg" len="lg"/>
+              </a:ln>
+            </p:spPr>
+            <p:txBody>
+              <a:bodyPr/>
+              <a:lstStyle/>
+              <a:p>
+                <a:r>
+                  <a:rPr lang="zh-CN" altLang="en-US">
+                    <a:noFill/>
+                  </a:rPr>
+                  <a:t> </a:t>
+                </a:r>
+              </a:p>
+            </p:txBody>
+          </p:sp>
+        </mc:Fallback>
+      </mc:AlternateContent>
       <p:pic>
         <p:nvPicPr>
-          <p:cNvPr id="12" name="图片 11">
+          <p:cNvPr id="6" name="图片 5">
             <a:extLst>
               <a:ext uri="{FF2B5EF4-FFF2-40B4-BE49-F238E27FC236}">
-                <a16:creationId xmlns:a16="http://schemas.microsoft.com/office/drawing/2014/main" id="{9C0B2538-4DF6-4E58-998A-B6C62EDE9279}"/>
+                <a16:creationId xmlns:a16="http://schemas.microsoft.com/office/drawing/2014/main" id="{DC8F63F6-EF73-DAD8-1CB7-6FB2BF95CF77}"/>
               </a:ext>
             </a:extLst>
           </p:cNvPr>
@@ -12870,8 +15482,8 @@
         </p:blipFill>
         <p:spPr>
           <a:xfrm>
-            <a:off x="7705725" y="6027001"/>
-            <a:ext cx="1438275" cy="830997"/>
+            <a:off x="4694313" y="3600402"/>
+            <a:ext cx="3848796" cy="3040428"/>
           </a:xfrm>
           <a:prstGeom prst="rect">
             <a:avLst/>
@@ -12883,6 +15495,2670 @@
   <p:clrMapOvr>
     <a:masterClrMapping/>
   </p:clrMapOvr>
+  <mc:AlternateContent xmlns:mc="http://schemas.openxmlformats.org/markup-compatibility/2006">
+    <mc:Choice xmlns:p14="http://schemas.microsoft.com/office/powerpoint/2010/main" Requires="p14">
+      <p:transition spd="med" p14:dur="700">
+        <p:fade/>
+      </p:transition>
+    </mc:Choice>
+    <mc:Fallback>
+      <p:transition spd="med">
+        <p:fade/>
+      </p:transition>
+    </mc:Fallback>
+  </mc:AlternateContent>
+</p:sld>
+</file>
+
+<file path=ppt/slides/slide18.xml><?xml version="1.0" encoding="utf-8"?>
+<p:sld xmlns:a="http://schemas.openxmlformats.org/drawingml/2006/main" xmlns:r="http://schemas.openxmlformats.org/officeDocument/2006/relationships" xmlns:p="http://schemas.openxmlformats.org/presentationml/2006/main">
+  <p:cSld>
+    <p:spTree>
+      <p:nvGrpSpPr>
+        <p:cNvPr id="1" name=""/>
+        <p:cNvGrpSpPr/>
+        <p:nvPr/>
+      </p:nvGrpSpPr>
+      <p:grpSpPr>
+        <a:xfrm>
+          <a:off x="0" y="0"/>
+          <a:ext cx="0" cy="0"/>
+          <a:chOff x="0" y="0"/>
+          <a:chExt cx="0" cy="0"/>
+        </a:xfrm>
+      </p:grpSpPr>
+      <p:sp>
+        <p:nvSpPr>
+          <p:cNvPr id="11" name="矩形 10"/>
+          <p:cNvSpPr/>
+          <p:nvPr/>
+        </p:nvSpPr>
+        <p:spPr>
+          <a:xfrm>
+            <a:off x="-13648" y="0"/>
+            <a:ext cx="9157648" cy="1202643"/>
+          </a:xfrm>
+          <a:prstGeom prst="rect">
+            <a:avLst/>
+          </a:prstGeom>
+          <a:solidFill>
+            <a:srgbClr val="5C307D"/>
+          </a:solidFill>
+          <a:ln>
+            <a:noFill/>
+          </a:ln>
+        </p:spPr>
+        <p:style>
+          <a:lnRef idx="2">
+            <a:schemeClr val="accent1">
+              <a:shade val="50000"/>
+            </a:schemeClr>
+          </a:lnRef>
+          <a:fillRef idx="1">
+            <a:schemeClr val="accent1"/>
+          </a:fillRef>
+          <a:effectRef idx="0">
+            <a:schemeClr val="accent1"/>
+          </a:effectRef>
+          <a:fontRef idx="minor">
+            <a:schemeClr val="lt1"/>
+          </a:fontRef>
+        </p:style>
+        <p:txBody>
+          <a:bodyPr rtlCol="0" anchor="ctr"/>
+          <a:lstStyle/>
+          <a:p>
+            <a:pPr algn="ctr"/>
+            <a:endParaRPr lang="zh-CN" altLang="en-US"/>
+          </a:p>
+        </p:txBody>
+      </p:sp>
+      <p:grpSp>
+        <p:nvGrpSpPr>
+          <p:cNvPr id="43" name="组合 42"/>
+          <p:cNvGrpSpPr/>
+          <p:nvPr/>
+        </p:nvGrpSpPr>
+        <p:grpSpPr>
+          <a:xfrm>
+            <a:off x="0" y="1305569"/>
+            <a:ext cx="9144000" cy="56736"/>
+            <a:chOff x="30834" y="1305568"/>
+            <a:chExt cx="8816454" cy="66133"/>
+          </a:xfrm>
+        </p:grpSpPr>
+        <p:sp>
+          <p:nvSpPr>
+            <p:cNvPr id="14" name="矩形 13"/>
+            <p:cNvSpPr/>
+            <p:nvPr/>
+          </p:nvSpPr>
+          <p:spPr>
+            <a:xfrm>
+              <a:off x="30834" y="1305568"/>
+              <a:ext cx="5800300" cy="65989"/>
+            </a:xfrm>
+            <a:prstGeom prst="rect">
+              <a:avLst/>
+            </a:prstGeom>
+            <a:solidFill>
+              <a:schemeClr val="bg1">
+                <a:lumMod val="75000"/>
+              </a:schemeClr>
+            </a:solidFill>
+            <a:ln>
+              <a:noFill/>
+            </a:ln>
+          </p:spPr>
+          <p:style>
+            <a:lnRef idx="2">
+              <a:schemeClr val="accent1">
+                <a:shade val="50000"/>
+              </a:schemeClr>
+            </a:lnRef>
+            <a:fillRef idx="1">
+              <a:schemeClr val="accent1"/>
+            </a:fillRef>
+            <a:effectRef idx="0">
+              <a:schemeClr val="accent1"/>
+            </a:effectRef>
+            <a:fontRef idx="minor">
+              <a:schemeClr val="lt1"/>
+            </a:fontRef>
+          </p:style>
+          <p:txBody>
+            <a:bodyPr rtlCol="0" anchor="ctr"/>
+            <a:lstStyle/>
+            <a:p>
+              <a:pPr algn="ctr"/>
+              <a:endParaRPr lang="zh-CN" altLang="en-US"/>
+            </a:p>
+          </p:txBody>
+        </p:sp>
+        <p:sp>
+          <p:nvSpPr>
+            <p:cNvPr id="15" name="矩形 14"/>
+            <p:cNvSpPr/>
+            <p:nvPr/>
+          </p:nvSpPr>
+          <p:spPr>
+            <a:xfrm>
+              <a:off x="5886861" y="1305712"/>
+              <a:ext cx="2960427" cy="65989"/>
+            </a:xfrm>
+            <a:prstGeom prst="rect">
+              <a:avLst/>
+            </a:prstGeom>
+            <a:solidFill>
+              <a:srgbClr val="5C307D"/>
+            </a:solidFill>
+            <a:ln>
+              <a:noFill/>
+            </a:ln>
+          </p:spPr>
+          <p:style>
+            <a:lnRef idx="2">
+              <a:schemeClr val="accent1">
+                <a:shade val="50000"/>
+              </a:schemeClr>
+            </a:lnRef>
+            <a:fillRef idx="1">
+              <a:schemeClr val="accent1"/>
+            </a:fillRef>
+            <a:effectRef idx="0">
+              <a:schemeClr val="accent1"/>
+            </a:effectRef>
+            <a:fontRef idx="minor">
+              <a:schemeClr val="lt1"/>
+            </a:fontRef>
+          </p:style>
+          <p:txBody>
+            <a:bodyPr rtlCol="0" anchor="ctr"/>
+            <a:lstStyle/>
+            <a:p>
+              <a:pPr algn="ctr"/>
+              <a:endParaRPr lang="zh-CN" altLang="en-US"/>
+            </a:p>
+          </p:txBody>
+        </p:sp>
+      </p:grpSp>
+      <p:sp>
+        <p:nvSpPr>
+          <p:cNvPr id="2" name="文本框 1"/>
+          <p:cNvSpPr txBox="1"/>
+          <p:nvPr/>
+        </p:nvSpPr>
+        <p:spPr>
+          <a:xfrm>
+            <a:off x="163830" y="217170"/>
+            <a:ext cx="6260047" cy="769441"/>
+          </a:xfrm>
+          <a:prstGeom prst="rect">
+            <a:avLst/>
+          </a:prstGeom>
+          <a:noFill/>
+        </p:spPr>
+        <p:txBody>
+          <a:bodyPr wrap="none" rtlCol="0">
+            <a:spAutoFit/>
+          </a:bodyPr>
+          <a:lstStyle/>
+          <a:p>
+            <a:r>
+              <a:rPr lang="en-US" altLang="zh-CN" sz="4400" b="1" dirty="0">
+                <a:solidFill>
+                  <a:schemeClr val="bg1"/>
+                </a:solidFill>
+                <a:latin typeface="Times New Roman" panose="02020603050405020304" charset="0"/>
+                <a:ea typeface="黑体" panose="02010609060101010101" charset="-122"/>
+                <a:cs typeface="Times New Roman" panose="02020603050405020304" charset="0"/>
+              </a:rPr>
+              <a:t>(8, 3, 4) </a:t>
+            </a:r>
+            <a:r>
+              <a:rPr lang="zh-CN" altLang="en-US" sz="4400" b="1" dirty="0">
+                <a:solidFill>
+                  <a:schemeClr val="bg1"/>
+                </a:solidFill>
+                <a:latin typeface="Times New Roman" panose="02020603050405020304" charset="0"/>
+                <a:ea typeface="黑体" panose="02010609060101010101" charset="-122"/>
+                <a:cs typeface="Times New Roman" panose="02020603050405020304" charset="0"/>
+              </a:rPr>
+              <a:t>线性分组码</a:t>
+            </a:r>
+            <a:r>
+              <a:rPr lang="en-US" altLang="zh-CN" sz="4400" b="1" dirty="0">
+                <a:solidFill>
+                  <a:schemeClr val="bg1"/>
+                </a:solidFill>
+                <a:latin typeface="Times New Roman" panose="02020603050405020304" charset="0"/>
+                <a:ea typeface="黑体" panose="02010609060101010101" charset="-122"/>
+                <a:cs typeface="Times New Roman" panose="02020603050405020304" charset="0"/>
+              </a:rPr>
+              <a:t>-</a:t>
+            </a:r>
+            <a:r>
+              <a:rPr lang="zh-CN" altLang="en-US" sz="4400" b="1" dirty="0">
+                <a:solidFill>
+                  <a:schemeClr val="bg1"/>
+                </a:solidFill>
+                <a:latin typeface="Times New Roman" panose="02020603050405020304" charset="0"/>
+                <a:ea typeface="黑体" panose="02010609060101010101" charset="-122"/>
+                <a:cs typeface="Times New Roman" panose="02020603050405020304" charset="0"/>
+              </a:rPr>
+              <a:t>原理</a:t>
+            </a:r>
+          </a:p>
+        </p:txBody>
+      </p:sp>
+      <mc:AlternateContent xmlns:mc="http://schemas.openxmlformats.org/markup-compatibility/2006">
+        <mc:Choice xmlns:a14="http://schemas.microsoft.com/office/drawing/2010/main" Requires="a14">
+          <p:sp>
+            <p:nvSpPr>
+              <p:cNvPr id="33" name="Rectangle 3"/>
+              <p:cNvSpPr txBox="1">
+                <a:spLocks noChangeArrowheads="1"/>
+              </p:cNvSpPr>
+              <p:nvPr/>
+            </p:nvSpPr>
+            <p:spPr bwMode="auto">
+              <a:xfrm>
+                <a:off x="65405" y="1584960"/>
+                <a:ext cx="9157648" cy="3692434"/>
+              </a:xfrm>
+              <a:prstGeom prst="rect">
+                <a:avLst/>
+              </a:prstGeom>
+              <a:ln w="12700" cap="flat" cmpd="sng" algn="ctr">
+                <a:noFill/>
+                <a:prstDash val="solid"/>
+                <a:headEnd type="oval" w="med" len="med"/>
+                <a:tailEnd type="stealth" w="lg" len="lg"/>
+              </a:ln>
+            </p:spPr>
+            <p:style>
+              <a:lnRef idx="1">
+                <a:schemeClr val="accent1"/>
+              </a:lnRef>
+              <a:fillRef idx="0">
+                <a:schemeClr val="accent1"/>
+              </a:fillRef>
+              <a:effectRef idx="0">
+                <a:schemeClr val="accent1"/>
+              </a:effectRef>
+              <a:fontRef idx="minor">
+                <a:schemeClr val="tx1"/>
+              </a:fontRef>
+            </p:style>
+            <p:txBody>
+              <a:bodyPr/>
+              <a:lstStyle>
+                <a:lvl1pPr marL="342900" indent="-342900" algn="l" rtl="0" eaLnBrk="0" fontAlgn="base" hangingPunct="0">
+                  <a:spcBef>
+                    <a:spcPct val="20000"/>
+                  </a:spcBef>
+                  <a:spcAft>
+                    <a:spcPct val="0"/>
+                  </a:spcAft>
+                  <a:buFont typeface="Wingdings" panose="05000000000000000000" charset="0"/>
+                  <a:buChar char="l"/>
+                  <a:defRPr kumimoji="1" sz="2800">
+                    <a:solidFill>
+                      <a:schemeClr val="tx1"/>
+                    </a:solidFill>
+                    <a:latin typeface="+mn-lt"/>
+                    <a:ea typeface="+mn-ea"/>
+                    <a:cs typeface="+mn-cs"/>
+                  </a:defRPr>
+                </a:lvl1pPr>
+                <a:lvl2pPr marL="742950" indent="-285750" algn="l" rtl="0" eaLnBrk="0" fontAlgn="base" hangingPunct="0">
+                  <a:spcBef>
+                    <a:spcPct val="20000"/>
+                  </a:spcBef>
+                  <a:spcAft>
+                    <a:spcPct val="0"/>
+                  </a:spcAft>
+                  <a:buFont typeface="Wingdings" panose="05000000000000000000" charset="0"/>
+                  <a:buChar char="–"/>
+                  <a:defRPr kumimoji="1" sz="2400">
+                    <a:solidFill>
+                      <a:schemeClr val="tx1"/>
+                    </a:solidFill>
+                    <a:latin typeface="+mn-lt"/>
+                    <a:ea typeface="+mn-ea"/>
+                    <a:cs typeface="+mn-cs"/>
+                  </a:defRPr>
+                </a:lvl2pPr>
+                <a:lvl3pPr marL="1143000" indent="-228600" algn="l" rtl="0" eaLnBrk="0" fontAlgn="base" hangingPunct="0">
+                  <a:spcBef>
+                    <a:spcPct val="20000"/>
+                  </a:spcBef>
+                  <a:spcAft>
+                    <a:spcPct val="0"/>
+                  </a:spcAft>
+                  <a:buFont typeface="Wingdings" panose="05000000000000000000" charset="0"/>
+                  <a:buChar char="l"/>
+                  <a:defRPr kumimoji="1" sz="2000">
+                    <a:solidFill>
+                      <a:schemeClr val="tx1"/>
+                    </a:solidFill>
+                    <a:latin typeface="+mn-lt"/>
+                    <a:ea typeface="+mn-ea"/>
+                    <a:cs typeface="+mn-cs"/>
+                  </a:defRPr>
+                </a:lvl3pPr>
+                <a:lvl4pPr marL="1600200" indent="-228600" algn="l" rtl="0" eaLnBrk="0" fontAlgn="base" hangingPunct="0">
+                  <a:spcBef>
+                    <a:spcPct val="20000"/>
+                  </a:spcBef>
+                  <a:spcAft>
+                    <a:spcPct val="0"/>
+                  </a:spcAft>
+                  <a:buFont typeface="Wingdings" panose="05000000000000000000" charset="0"/>
+                  <a:buChar char="–"/>
+                  <a:defRPr kumimoji="1" sz="2000">
+                    <a:solidFill>
+                      <a:schemeClr val="tx1"/>
+                    </a:solidFill>
+                    <a:latin typeface="+mn-lt"/>
+                    <a:ea typeface="+mn-ea"/>
+                    <a:cs typeface="+mn-cs"/>
+                  </a:defRPr>
+                </a:lvl4pPr>
+                <a:lvl5pPr marL="2057400" indent="-228600" algn="l" rtl="0" eaLnBrk="0" fontAlgn="base" hangingPunct="0">
+                  <a:spcBef>
+                    <a:spcPct val="20000"/>
+                  </a:spcBef>
+                  <a:spcAft>
+                    <a:spcPct val="0"/>
+                  </a:spcAft>
+                  <a:buFont typeface="Wingdings" panose="05000000000000000000" charset="0"/>
+                  <a:buChar char="l"/>
+                  <a:defRPr kumimoji="1" sz="2000">
+                    <a:solidFill>
+                      <a:schemeClr val="tx1"/>
+                    </a:solidFill>
+                    <a:latin typeface="+mn-lt"/>
+                    <a:ea typeface="+mn-ea"/>
+                    <a:cs typeface="+mn-cs"/>
+                  </a:defRPr>
+                </a:lvl5pPr>
+                <a:lvl6pPr marL="2514600" indent="-228600" algn="l" rtl="0" eaLnBrk="0" fontAlgn="base" hangingPunct="0">
+                  <a:spcBef>
+                    <a:spcPct val="20000"/>
+                  </a:spcBef>
+                  <a:spcAft>
+                    <a:spcPct val="0"/>
+                  </a:spcAft>
+                  <a:buFont typeface="Wingdings" panose="05000000000000000000" pitchFamily="2" charset="2"/>
+                  <a:buChar char="l"/>
+                  <a:defRPr>
+                    <a:solidFill>
+                      <a:schemeClr val="tx1"/>
+                    </a:solidFill>
+                    <a:latin typeface="+mn-lt"/>
+                    <a:ea typeface="+mn-ea"/>
+                    <a:cs typeface="+mn-cs"/>
+                  </a:defRPr>
+                </a:lvl6pPr>
+                <a:lvl7pPr marL="2971800" indent="-228600" algn="l" rtl="0" eaLnBrk="0" fontAlgn="base" hangingPunct="0">
+                  <a:spcBef>
+                    <a:spcPct val="20000"/>
+                  </a:spcBef>
+                  <a:spcAft>
+                    <a:spcPct val="0"/>
+                  </a:spcAft>
+                  <a:buFont typeface="Wingdings" panose="05000000000000000000" pitchFamily="2" charset="2"/>
+                  <a:buChar char="l"/>
+                  <a:defRPr>
+                    <a:solidFill>
+                      <a:schemeClr val="tx1"/>
+                    </a:solidFill>
+                    <a:latin typeface="+mn-lt"/>
+                    <a:ea typeface="+mn-ea"/>
+                    <a:cs typeface="+mn-cs"/>
+                  </a:defRPr>
+                </a:lvl7pPr>
+                <a:lvl8pPr marL="3429000" indent="-228600" algn="l" rtl="0" eaLnBrk="0" fontAlgn="base" hangingPunct="0">
+                  <a:spcBef>
+                    <a:spcPct val="20000"/>
+                  </a:spcBef>
+                  <a:spcAft>
+                    <a:spcPct val="0"/>
+                  </a:spcAft>
+                  <a:buFont typeface="Wingdings" panose="05000000000000000000" pitchFamily="2" charset="2"/>
+                  <a:buChar char="l"/>
+                  <a:defRPr>
+                    <a:solidFill>
+                      <a:schemeClr val="tx1"/>
+                    </a:solidFill>
+                    <a:latin typeface="+mn-lt"/>
+                    <a:ea typeface="+mn-ea"/>
+                    <a:cs typeface="+mn-cs"/>
+                  </a:defRPr>
+                </a:lvl8pPr>
+                <a:lvl9pPr marL="3886200" indent="-228600" algn="l" rtl="0" eaLnBrk="0" fontAlgn="base" hangingPunct="0">
+                  <a:spcBef>
+                    <a:spcPct val="20000"/>
+                  </a:spcBef>
+                  <a:spcAft>
+                    <a:spcPct val="0"/>
+                  </a:spcAft>
+                  <a:buFont typeface="Wingdings" panose="05000000000000000000" pitchFamily="2" charset="2"/>
+                  <a:buChar char="l"/>
+                  <a:defRPr>
+                    <a:solidFill>
+                      <a:schemeClr val="tx1"/>
+                    </a:solidFill>
+                    <a:latin typeface="+mn-lt"/>
+                    <a:ea typeface="+mn-ea"/>
+                    <a:cs typeface="+mn-cs"/>
+                  </a:defRPr>
+                </a:lvl9pPr>
+              </a:lstStyle>
+              <a:p>
+                <a:pPr marL="342900" lvl="1" indent="-342900" eaLnBrk="1" hangingPunct="1">
+                  <a:spcBef>
+                    <a:spcPts val="600"/>
+                  </a:spcBef>
+                  <a:buClr>
+                    <a:srgbClr val="000000"/>
+                  </a:buClr>
+                  <a:buFont typeface="Wingdings" panose="05000000000000000000" pitchFamily="2" charset="2"/>
+                  <a:buChar char="l"/>
+                  <a:defRPr/>
+                </a:pPr>
+                <a:r>
+                  <a:rPr lang="zh-CN" altLang="en-US" sz="3200" b="1" dirty="0">
+                    <a:solidFill>
+                      <a:srgbClr val="000000"/>
+                    </a:solidFill>
+                    <a:latin typeface="Times New Roman" panose="02020603050405020304" charset="0"/>
+                    <a:ea typeface="黑体" panose="02010609060101010101" charset="-122"/>
+                    <a:cs typeface="Times New Roman" panose="02020603050405020304" charset="0"/>
+                  </a:rPr>
+                  <a:t>解码：</a:t>
+                </a:r>
+                <a:r>
+                  <a:rPr lang="en-US" altLang="zh-CN" sz="3200" b="1" dirty="0">
+                    <a:solidFill>
+                      <a:srgbClr val="000000"/>
+                    </a:solidFill>
+                    <a:latin typeface="Times New Roman" panose="02020603050405020304" charset="0"/>
+                    <a:ea typeface="黑体" panose="02010609060101010101" charset="-122"/>
+                    <a:cs typeface="Times New Roman" panose="02020603050405020304" charset="0"/>
+                  </a:rPr>
+                  <a:t>s = </a:t>
+                </a:r>
+                <a14:m>
+                  <m:oMath xmlns:m="http://schemas.openxmlformats.org/officeDocument/2006/math">
+                    <m:r>
+                      <a:rPr lang="en-US" altLang="zh-CN" sz="3200" b="1" i="0" smtClean="0">
+                        <a:solidFill>
+                          <a:srgbClr val="000000"/>
+                        </a:solidFill>
+                        <a:latin typeface="Cambria Math" panose="02040503050406030204" pitchFamily="18" charset="0"/>
+                        <a:ea typeface="黑体" panose="02010609060101010101" charset="-122"/>
+                        <a:cs typeface="Times New Roman" panose="02020603050405020304" charset="0"/>
+                      </a:rPr>
+                      <m:t>𝐫</m:t>
+                    </m:r>
+                    <m:sSup>
+                      <m:sSupPr>
+                        <m:ctrlPr>
+                          <a:rPr lang="en-US" altLang="zh-CN" sz="3200" b="1" i="0" smtClean="0">
+                            <a:solidFill>
+                              <a:srgbClr val="000000"/>
+                            </a:solidFill>
+                            <a:latin typeface="Cambria Math" panose="02040503050406030204" pitchFamily="18" charset="0"/>
+                            <a:ea typeface="黑体" panose="02010609060101010101" charset="-122"/>
+                            <a:cs typeface="Times New Roman" panose="02020603050405020304" charset="0"/>
+                          </a:rPr>
+                        </m:ctrlPr>
+                      </m:sSupPr>
+                      <m:e>
+                        <m:r>
+                          <a:rPr lang="en-US" altLang="zh-CN" sz="3200" b="1" i="0" smtClean="0">
+                            <a:solidFill>
+                              <a:srgbClr val="000000"/>
+                            </a:solidFill>
+                            <a:latin typeface="Cambria Math" panose="02040503050406030204" pitchFamily="18" charset="0"/>
+                            <a:ea typeface="黑体" panose="02010609060101010101" charset="-122"/>
+                            <a:cs typeface="Times New Roman" panose="02020603050405020304" charset="0"/>
+                          </a:rPr>
+                          <m:t>𝐇</m:t>
+                        </m:r>
+                      </m:e>
+                      <m:sup>
+                        <m:r>
+                          <a:rPr lang="en-US" altLang="zh-CN" sz="3200" b="1" i="1" smtClean="0">
+                            <a:solidFill>
+                              <a:srgbClr val="000000"/>
+                            </a:solidFill>
+                            <a:latin typeface="Cambria Math" panose="02040503050406030204" pitchFamily="18" charset="0"/>
+                            <a:ea typeface="黑体" panose="02010609060101010101" charset="-122"/>
+                            <a:cs typeface="Times New Roman" panose="02020603050405020304" charset="0"/>
+                          </a:rPr>
+                          <m:t>𝑯</m:t>
+                        </m:r>
+                      </m:sup>
+                    </m:sSup>
+                    <m:r>
+                      <a:rPr lang="en-US" altLang="zh-CN" sz="3200" b="1" i="1" smtClean="0">
+                        <a:solidFill>
+                          <a:srgbClr val="000000"/>
+                        </a:solidFill>
+                        <a:latin typeface="Cambria Math" panose="02040503050406030204" pitchFamily="18" charset="0"/>
+                        <a:ea typeface="黑体" panose="02010609060101010101" charset="-122"/>
+                        <a:cs typeface="Times New Roman" panose="02020603050405020304" charset="0"/>
+                      </a:rPr>
+                      <m:t>=</m:t>
+                    </m:r>
+                    <m:d>
+                      <m:dPr>
+                        <m:ctrlPr>
+                          <a:rPr lang="en-US" altLang="zh-CN" sz="3200" b="1" i="0" smtClean="0">
+                            <a:solidFill>
+                              <a:srgbClr val="000000"/>
+                            </a:solidFill>
+                            <a:latin typeface="Cambria Math" panose="02040503050406030204" pitchFamily="18" charset="0"/>
+                            <a:ea typeface="黑体" panose="02010609060101010101" charset="-122"/>
+                            <a:cs typeface="Times New Roman" panose="02020603050405020304" charset="0"/>
+                          </a:rPr>
+                        </m:ctrlPr>
+                      </m:dPr>
+                      <m:e>
+                        <m:r>
+                          <a:rPr lang="en-US" altLang="zh-CN" sz="3200" b="1" i="0" smtClean="0">
+                            <a:solidFill>
+                              <a:srgbClr val="000000"/>
+                            </a:solidFill>
+                            <a:latin typeface="Cambria Math" panose="02040503050406030204" pitchFamily="18" charset="0"/>
+                            <a:ea typeface="黑体" panose="02010609060101010101" charset="-122"/>
+                            <a:cs typeface="Times New Roman" panose="02020603050405020304" charset="0"/>
+                          </a:rPr>
+                          <m:t>𝐝𝐆</m:t>
+                        </m:r>
+                        <m:r>
+                          <a:rPr lang="en-US" altLang="zh-CN" sz="3200" b="1" i="0" smtClean="0">
+                            <a:solidFill>
+                              <a:srgbClr val="000000"/>
+                            </a:solidFill>
+                            <a:latin typeface="Cambria Math" panose="02040503050406030204" pitchFamily="18" charset="0"/>
+                            <a:ea typeface="黑体" panose="02010609060101010101" charset="-122"/>
+                            <a:cs typeface="Times New Roman" panose="02020603050405020304" charset="0"/>
+                          </a:rPr>
+                          <m:t>+</m:t>
+                        </m:r>
+                        <m:r>
+                          <a:rPr lang="en-US" altLang="zh-CN" sz="3200" b="1" i="0" smtClean="0">
+                            <a:solidFill>
+                              <a:srgbClr val="000000"/>
+                            </a:solidFill>
+                            <a:latin typeface="Cambria Math" panose="02040503050406030204" pitchFamily="18" charset="0"/>
+                            <a:ea typeface="黑体" panose="02010609060101010101" charset="-122"/>
+                            <a:cs typeface="Times New Roman" panose="02020603050405020304" charset="0"/>
+                          </a:rPr>
+                          <m:t>𝐞</m:t>
+                        </m:r>
+                      </m:e>
+                    </m:d>
+                    <m:sSup>
+                      <m:sSupPr>
+                        <m:ctrlPr>
+                          <a:rPr lang="en-US" altLang="zh-CN" sz="3200" b="1" i="0" smtClean="0">
+                            <a:solidFill>
+                              <a:srgbClr val="000000"/>
+                            </a:solidFill>
+                            <a:latin typeface="Cambria Math" panose="02040503050406030204" pitchFamily="18" charset="0"/>
+                            <a:ea typeface="黑体" panose="02010609060101010101" charset="-122"/>
+                            <a:cs typeface="Times New Roman" panose="02020603050405020304" charset="0"/>
+                          </a:rPr>
+                        </m:ctrlPr>
+                      </m:sSupPr>
+                      <m:e>
+                        <m:r>
+                          <a:rPr lang="en-US" altLang="zh-CN" sz="3200" b="1" i="0" smtClean="0">
+                            <a:solidFill>
+                              <a:srgbClr val="000000"/>
+                            </a:solidFill>
+                            <a:latin typeface="Cambria Math" panose="02040503050406030204" pitchFamily="18" charset="0"/>
+                            <a:ea typeface="黑体" panose="02010609060101010101" charset="-122"/>
+                            <a:cs typeface="Times New Roman" panose="02020603050405020304" charset="0"/>
+                          </a:rPr>
+                          <m:t>𝐇</m:t>
+                        </m:r>
+                      </m:e>
+                      <m:sup>
+                        <m:r>
+                          <a:rPr lang="en-US" altLang="zh-CN" sz="3200" b="1" i="1" smtClean="0">
+                            <a:solidFill>
+                              <a:srgbClr val="000000"/>
+                            </a:solidFill>
+                            <a:latin typeface="Cambria Math" panose="02040503050406030204" pitchFamily="18" charset="0"/>
+                            <a:ea typeface="黑体" panose="02010609060101010101" charset="-122"/>
+                            <a:cs typeface="Times New Roman" panose="02020603050405020304" charset="0"/>
+                          </a:rPr>
+                          <m:t>𝑯</m:t>
+                        </m:r>
+                      </m:sup>
+                    </m:sSup>
+                    <m:r>
+                      <a:rPr lang="en-US" altLang="zh-CN" sz="3200" b="1" i="1" smtClean="0">
+                        <a:solidFill>
+                          <a:srgbClr val="000000"/>
+                        </a:solidFill>
+                        <a:latin typeface="Cambria Math" panose="02040503050406030204" pitchFamily="18" charset="0"/>
+                        <a:ea typeface="黑体" panose="02010609060101010101" charset="-122"/>
+                        <a:cs typeface="Times New Roman" panose="02020603050405020304" charset="0"/>
+                      </a:rPr>
+                      <m:t>=</m:t>
+                    </m:r>
+                    <m:r>
+                      <a:rPr lang="en-US" altLang="zh-CN" sz="3200" b="1" i="0" smtClean="0">
+                        <a:solidFill>
+                          <a:srgbClr val="000000"/>
+                        </a:solidFill>
+                        <a:latin typeface="Cambria Math" panose="02040503050406030204" pitchFamily="18" charset="0"/>
+                        <a:ea typeface="黑体" panose="02010609060101010101" charset="-122"/>
+                        <a:cs typeface="Times New Roman" panose="02020603050405020304" charset="0"/>
+                      </a:rPr>
+                      <m:t>𝐞</m:t>
+                    </m:r>
+                    <m:sSup>
+                      <m:sSupPr>
+                        <m:ctrlPr>
+                          <a:rPr lang="en-US" altLang="zh-CN" sz="3200" b="1" i="0" smtClean="0">
+                            <a:solidFill>
+                              <a:srgbClr val="000000"/>
+                            </a:solidFill>
+                            <a:latin typeface="Cambria Math" panose="02040503050406030204" pitchFamily="18" charset="0"/>
+                            <a:ea typeface="黑体" panose="02010609060101010101" charset="-122"/>
+                            <a:cs typeface="Times New Roman" panose="02020603050405020304" charset="0"/>
+                          </a:rPr>
+                        </m:ctrlPr>
+                      </m:sSupPr>
+                      <m:e>
+                        <m:r>
+                          <a:rPr lang="en-US" altLang="zh-CN" sz="3200" b="1" i="0" smtClean="0">
+                            <a:solidFill>
+                              <a:srgbClr val="000000"/>
+                            </a:solidFill>
+                            <a:latin typeface="Cambria Math" panose="02040503050406030204" pitchFamily="18" charset="0"/>
+                            <a:ea typeface="黑体" panose="02010609060101010101" charset="-122"/>
+                            <a:cs typeface="Times New Roman" panose="02020603050405020304" charset="0"/>
+                          </a:rPr>
+                          <m:t>𝐇</m:t>
+                        </m:r>
+                      </m:e>
+                      <m:sup>
+                        <m:r>
+                          <a:rPr lang="en-US" altLang="zh-CN" sz="3200" b="1" i="1" smtClean="0">
+                            <a:solidFill>
+                              <a:srgbClr val="000000"/>
+                            </a:solidFill>
+                            <a:latin typeface="Cambria Math" panose="02040503050406030204" pitchFamily="18" charset="0"/>
+                            <a:ea typeface="黑体" panose="02010609060101010101" charset="-122"/>
+                            <a:cs typeface="Times New Roman" panose="02020603050405020304" charset="0"/>
+                          </a:rPr>
+                          <m:t>𝑯</m:t>
+                        </m:r>
+                      </m:sup>
+                    </m:sSup>
+                  </m:oMath>
+                </a14:m>
+                <a:endParaRPr lang="en-US" altLang="zh-CN" sz="3200" b="1" dirty="0">
+                  <a:solidFill>
+                    <a:srgbClr val="000000"/>
+                  </a:solidFill>
+                  <a:latin typeface="Times New Roman" panose="02020603050405020304" charset="0"/>
+                  <a:ea typeface="黑体" panose="02010609060101010101" charset="-122"/>
+                  <a:cs typeface="Times New Roman" panose="02020603050405020304" charset="0"/>
+                </a:endParaRPr>
+              </a:p>
+              <a:p>
+                <a:pPr marL="342900" lvl="1" indent="-342900" eaLnBrk="1" hangingPunct="1">
+                  <a:spcBef>
+                    <a:spcPts val="600"/>
+                  </a:spcBef>
+                  <a:buClr>
+                    <a:srgbClr val="000000"/>
+                  </a:buClr>
+                  <a:buFont typeface="Wingdings" panose="05000000000000000000" pitchFamily="2" charset="2"/>
+                  <a:buChar char="l"/>
+                  <a:defRPr/>
+                </a:pPr>
+                <a:r>
+                  <a:rPr lang="zh-CN" altLang="en-US" sz="3200" b="1" dirty="0">
+                    <a:solidFill>
+                      <a:srgbClr val="000000"/>
+                    </a:solidFill>
+                    <a:latin typeface="Times New Roman" panose="02020603050405020304" charset="0"/>
+                    <a:ea typeface="黑体" panose="02010609060101010101" charset="-122"/>
+                    <a:cs typeface="Times New Roman" panose="02020603050405020304" charset="0"/>
+                  </a:rPr>
+                  <a:t>将待解码序列重排为 </a:t>
+                </a:r>
+                <a14:m>
+                  <m:oMath xmlns:m="http://schemas.openxmlformats.org/officeDocument/2006/math">
+                    <m:sSub>
+                      <m:sSubPr>
+                        <m:ctrlPr>
+                          <a:rPr lang="en-US" altLang="zh-CN" sz="3200" b="1" i="0" dirty="0" smtClean="0">
+                            <a:solidFill>
+                              <a:srgbClr val="000000"/>
+                            </a:solidFill>
+                            <a:latin typeface="Cambria Math" panose="02040503050406030204" pitchFamily="18" charset="0"/>
+                            <a:ea typeface="黑体" panose="02010609060101010101" charset="-122"/>
+                            <a:cs typeface="Times New Roman" panose="02020603050405020304" charset="0"/>
+                          </a:rPr>
+                        </m:ctrlPr>
+                      </m:sSubPr>
+                      <m:e>
+                        <m:r>
+                          <a:rPr lang="en-US" altLang="zh-CN" sz="3200" b="1" i="0" dirty="0" smtClean="0">
+                            <a:solidFill>
+                              <a:srgbClr val="000000"/>
+                            </a:solidFill>
+                            <a:latin typeface="Cambria Math" panose="02040503050406030204" pitchFamily="18" charset="0"/>
+                            <a:ea typeface="黑体" panose="02010609060101010101" charset="-122"/>
+                            <a:cs typeface="Times New Roman" panose="02020603050405020304" charset="0"/>
+                          </a:rPr>
+                          <m:t>𝐑</m:t>
+                        </m:r>
+                      </m:e>
+                      <m:sub>
+                        <m:d>
+                          <m:dPr>
+                            <m:ctrlPr>
+                              <a:rPr lang="en-US" altLang="zh-CN" sz="3200" b="1" i="1" dirty="0" smtClean="0">
+                                <a:solidFill>
+                                  <a:srgbClr val="000000"/>
+                                </a:solidFill>
+                                <a:latin typeface="Cambria Math" panose="02040503050406030204" pitchFamily="18" charset="0"/>
+                                <a:ea typeface="黑体" panose="02010609060101010101" charset="-122"/>
+                                <a:cs typeface="Times New Roman" panose="02020603050405020304" charset="0"/>
+                              </a:rPr>
+                            </m:ctrlPr>
+                          </m:dPr>
+                          <m:e>
+                            <m:r>
+                              <a:rPr lang="en-US" altLang="zh-CN" sz="3200" b="1" i="1" dirty="0" smtClean="0">
+                                <a:solidFill>
+                                  <a:srgbClr val="000000"/>
+                                </a:solidFill>
+                                <a:latin typeface="Cambria Math" panose="02040503050406030204" pitchFamily="18" charset="0"/>
+                                <a:ea typeface="黑体" panose="02010609060101010101" charset="-122"/>
+                                <a:cs typeface="Times New Roman" panose="02020603050405020304" charset="0"/>
+                              </a:rPr>
+                              <m:t>𝒏</m:t>
+                            </m:r>
+                            <m:r>
+                              <a:rPr lang="en-US" altLang="zh-CN" sz="3200" b="1" i="1" dirty="0" smtClean="0">
+                                <a:solidFill>
+                                  <a:srgbClr val="000000"/>
+                                </a:solidFill>
+                                <a:latin typeface="Cambria Math" panose="02040503050406030204" pitchFamily="18" charset="0"/>
+                                <a:ea typeface="黑体" panose="02010609060101010101" charset="-122"/>
+                                <a:cs typeface="Times New Roman" panose="02020603050405020304" charset="0"/>
+                              </a:rPr>
+                              <m:t>×</m:t>
+                            </m:r>
+                            <m:r>
+                              <a:rPr lang="en-US" altLang="zh-CN" sz="3200" b="1" i="1" dirty="0" smtClean="0">
+                                <a:solidFill>
+                                  <a:srgbClr val="000000"/>
+                                </a:solidFill>
+                                <a:latin typeface="Cambria Math" panose="02040503050406030204" pitchFamily="18" charset="0"/>
+                                <a:ea typeface="黑体" panose="02010609060101010101" charset="-122"/>
+                                <a:cs typeface="Times New Roman" panose="02020603050405020304" charset="0"/>
+                              </a:rPr>
+                              <m:t>𝟖</m:t>
+                            </m:r>
+                          </m:e>
+                        </m:d>
+                      </m:sub>
+                    </m:sSub>
+                    <m:r>
+                      <a:rPr lang="en-US" altLang="zh-CN" sz="3200" b="1" i="0" dirty="0" smtClean="0">
+                        <a:solidFill>
+                          <a:srgbClr val="000000"/>
+                        </a:solidFill>
+                        <a:latin typeface="Cambria Math" panose="02040503050406030204" pitchFamily="18" charset="0"/>
+                        <a:ea typeface="黑体" panose="02010609060101010101" charset="-122"/>
+                        <a:cs typeface="Times New Roman" panose="02020603050405020304" charset="0"/>
+                      </a:rPr>
+                      <m:t>=</m:t>
+                    </m:r>
+                    <m:d>
+                      <m:dPr>
+                        <m:begChr m:val="["/>
+                        <m:endChr m:val="]"/>
+                        <m:ctrlPr>
+                          <a:rPr lang="en-US" altLang="zh-CN" sz="3200" b="1" i="0" smtClean="0">
+                            <a:solidFill>
+                              <a:srgbClr val="000000"/>
+                            </a:solidFill>
+                            <a:latin typeface="Cambria Math" panose="02040503050406030204" pitchFamily="18" charset="0"/>
+                            <a:ea typeface="黑体" panose="02010609060101010101" charset="-122"/>
+                            <a:cs typeface="Times New Roman" panose="02020603050405020304" charset="0"/>
+                          </a:rPr>
+                        </m:ctrlPr>
+                      </m:dPr>
+                      <m:e>
+                        <m:sSub>
+                          <m:sSubPr>
+                            <m:ctrlPr>
+                              <a:rPr lang="en-US" altLang="zh-CN" sz="3200" b="1" smtClean="0">
+                                <a:solidFill>
+                                  <a:srgbClr val="000000"/>
+                                </a:solidFill>
+                                <a:latin typeface="Cambria Math" panose="02040503050406030204" pitchFamily="18" charset="0"/>
+                                <a:ea typeface="黑体" panose="02010609060101010101" charset="-122"/>
+                                <a:cs typeface="Times New Roman" panose="02020603050405020304" charset="0"/>
+                              </a:rPr>
+                            </m:ctrlPr>
+                          </m:sSubPr>
+                          <m:e>
+                            <m:r>
+                              <a:rPr lang="en-US" altLang="zh-CN" sz="3200" b="1" i="0" smtClean="0">
+                                <a:solidFill>
+                                  <a:srgbClr val="000000"/>
+                                </a:solidFill>
+                                <a:latin typeface="Cambria Math" panose="02040503050406030204" pitchFamily="18" charset="0"/>
+                                <a:ea typeface="黑体" panose="02010609060101010101" charset="-122"/>
+                                <a:cs typeface="Times New Roman" panose="02020603050405020304" charset="0"/>
+                              </a:rPr>
+                              <m:t>𝐫</m:t>
+                            </m:r>
+                          </m:e>
+                          <m:sub>
+                            <m:r>
+                              <a:rPr lang="en-US" altLang="zh-CN" sz="3200" b="1" i="0" smtClean="0">
+                                <a:solidFill>
+                                  <a:srgbClr val="000000"/>
+                                </a:solidFill>
+                                <a:latin typeface="Cambria Math" panose="02040503050406030204" pitchFamily="18" charset="0"/>
+                                <a:ea typeface="黑体" panose="02010609060101010101" charset="-122"/>
+                                <a:cs typeface="Times New Roman" panose="02020603050405020304" charset="0"/>
+                              </a:rPr>
+                              <m:t>𝟏</m:t>
+                            </m:r>
+                          </m:sub>
+                        </m:sSub>
+                        <m:r>
+                          <a:rPr lang="en-US" altLang="zh-CN" sz="3200" b="1" i="0" smtClean="0">
+                            <a:solidFill>
+                              <a:srgbClr val="000000"/>
+                            </a:solidFill>
+                            <a:latin typeface="Cambria Math" panose="02040503050406030204" pitchFamily="18" charset="0"/>
+                            <a:ea typeface="黑体" panose="02010609060101010101" charset="-122"/>
+                            <a:cs typeface="Times New Roman" panose="02020603050405020304" charset="0"/>
+                          </a:rPr>
+                          <m:t>; </m:t>
+                        </m:r>
+                        <m:sSub>
+                          <m:sSubPr>
+                            <m:ctrlPr>
+                              <a:rPr lang="en-US" altLang="zh-CN" sz="3200" b="1" smtClean="0">
+                                <a:solidFill>
+                                  <a:srgbClr val="000000"/>
+                                </a:solidFill>
+                                <a:latin typeface="Cambria Math" panose="02040503050406030204" pitchFamily="18" charset="0"/>
+                                <a:ea typeface="黑体" panose="02010609060101010101" charset="-122"/>
+                                <a:cs typeface="Times New Roman" panose="02020603050405020304" charset="0"/>
+                              </a:rPr>
+                            </m:ctrlPr>
+                          </m:sSubPr>
+                          <m:e>
+                            <m:r>
+                              <a:rPr lang="en-US" altLang="zh-CN" sz="3200" b="1" i="0" smtClean="0">
+                                <a:solidFill>
+                                  <a:srgbClr val="000000"/>
+                                </a:solidFill>
+                                <a:latin typeface="Cambria Math" panose="02040503050406030204" pitchFamily="18" charset="0"/>
+                                <a:ea typeface="黑体" panose="02010609060101010101" charset="-122"/>
+                                <a:cs typeface="Times New Roman" panose="02020603050405020304" charset="0"/>
+                              </a:rPr>
+                              <m:t>𝐫</m:t>
+                            </m:r>
+                          </m:e>
+                          <m:sub>
+                            <m:r>
+                              <a:rPr lang="en-US" altLang="zh-CN" sz="3200" b="1" i="0" smtClean="0">
+                                <a:solidFill>
+                                  <a:srgbClr val="000000"/>
+                                </a:solidFill>
+                                <a:latin typeface="Cambria Math" panose="02040503050406030204" pitchFamily="18" charset="0"/>
+                                <a:ea typeface="黑体" panose="02010609060101010101" charset="-122"/>
+                                <a:cs typeface="Times New Roman" panose="02020603050405020304" charset="0"/>
+                              </a:rPr>
+                              <m:t>𝟐</m:t>
+                            </m:r>
+                          </m:sub>
+                        </m:sSub>
+                        <m:r>
+                          <a:rPr lang="en-US" altLang="zh-CN" sz="3200" b="1" i="0" smtClean="0">
+                            <a:solidFill>
+                              <a:srgbClr val="000000"/>
+                            </a:solidFill>
+                            <a:latin typeface="Cambria Math" panose="02040503050406030204" pitchFamily="18" charset="0"/>
+                            <a:ea typeface="黑体" panose="02010609060101010101" charset="-122"/>
+                            <a:cs typeface="Times New Roman" panose="02020603050405020304" charset="0"/>
+                          </a:rPr>
+                          <m:t>; ⋯;</m:t>
+                        </m:r>
+                        <m:sSub>
+                          <m:sSubPr>
+                            <m:ctrlPr>
+                              <a:rPr lang="en-US" altLang="zh-CN" sz="3200" b="1" smtClean="0">
+                                <a:solidFill>
+                                  <a:srgbClr val="000000"/>
+                                </a:solidFill>
+                                <a:latin typeface="Cambria Math" panose="02040503050406030204" pitchFamily="18" charset="0"/>
+                                <a:ea typeface="黑体" panose="02010609060101010101" charset="-122"/>
+                                <a:cs typeface="Times New Roman" panose="02020603050405020304" charset="0"/>
+                              </a:rPr>
+                            </m:ctrlPr>
+                          </m:sSubPr>
+                          <m:e>
+                            <m:r>
+                              <a:rPr lang="en-US" altLang="zh-CN" sz="3200" b="1" i="0" smtClean="0">
+                                <a:solidFill>
+                                  <a:srgbClr val="000000"/>
+                                </a:solidFill>
+                                <a:latin typeface="Cambria Math" panose="02040503050406030204" pitchFamily="18" charset="0"/>
+                                <a:ea typeface="黑体" panose="02010609060101010101" charset="-122"/>
+                                <a:cs typeface="Times New Roman" panose="02020603050405020304" charset="0"/>
+                              </a:rPr>
+                              <m:t>𝐫</m:t>
+                            </m:r>
+                          </m:e>
+                          <m:sub>
+                            <m:r>
+                              <a:rPr lang="en-US" altLang="zh-CN" sz="3200" b="1" i="0" smtClean="0">
+                                <a:solidFill>
+                                  <a:srgbClr val="000000"/>
+                                </a:solidFill>
+                                <a:latin typeface="Cambria Math" panose="02040503050406030204" pitchFamily="18" charset="0"/>
+                                <a:ea typeface="黑体" panose="02010609060101010101" charset="-122"/>
+                                <a:cs typeface="Times New Roman" panose="02020603050405020304" charset="0"/>
+                              </a:rPr>
+                              <m:t>𝐧</m:t>
+                            </m:r>
+                          </m:sub>
+                        </m:sSub>
+                      </m:e>
+                    </m:d>
+                  </m:oMath>
+                </a14:m>
+                <a:endParaRPr lang="en-US" altLang="zh-CN" sz="3200" b="1" noProof="1">
+                  <a:solidFill>
+                    <a:srgbClr val="000000"/>
+                  </a:solidFill>
+                  <a:latin typeface="Times New Roman" panose="02020603050405020304" charset="0"/>
+                  <a:ea typeface="黑体" panose="02010609060101010101" charset="-122"/>
+                  <a:cs typeface="Times New Roman" panose="02020603050405020304" charset="0"/>
+                  <a:sym typeface="+mn-ea"/>
+                </a:endParaRPr>
+              </a:p>
+              <a:p>
+                <a:pPr marL="342900" lvl="1" indent="-342900" eaLnBrk="1" hangingPunct="1">
+                  <a:spcBef>
+                    <a:spcPts val="600"/>
+                  </a:spcBef>
+                  <a:buClr>
+                    <a:srgbClr val="000000"/>
+                  </a:buClr>
+                  <a:buFont typeface="Wingdings" panose="05000000000000000000" pitchFamily="2" charset="2"/>
+                  <a:buChar char="l"/>
+                  <a:defRPr/>
+                </a:pPr>
+                <a:r>
+                  <a:rPr lang="zh-CN" altLang="en-US" sz="3200" b="1" noProof="1">
+                    <a:solidFill>
+                      <a:srgbClr val="00B0F0"/>
+                    </a:solidFill>
+                    <a:latin typeface="Times New Roman" panose="02020603050405020304" charset="0"/>
+                    <a:ea typeface="黑体" panose="02010609060101010101" charset="-122"/>
+                    <a:cs typeface="Times New Roman" panose="02020603050405020304" charset="0"/>
+                    <a:sym typeface="+mn-ea"/>
+                  </a:rPr>
+                  <a:t>纠</a:t>
+                </a:r>
+                <a:r>
+                  <a:rPr lang="en-US" altLang="zh-CN" sz="3200" b="1" noProof="1">
+                    <a:solidFill>
+                      <a:srgbClr val="00B0F0"/>
+                    </a:solidFill>
+                    <a:latin typeface="Times New Roman" panose="02020603050405020304" charset="0"/>
+                    <a:ea typeface="黑体" panose="02010609060101010101" charset="-122"/>
+                    <a:cs typeface="Times New Roman" panose="02020603050405020304" charset="0"/>
+                    <a:sym typeface="+mn-ea"/>
+                  </a:rPr>
+                  <a:t>&amp;</a:t>
+                </a:r>
+                <a:r>
+                  <a:rPr lang="zh-CN" altLang="en-US" sz="3200" b="1" noProof="1">
+                    <a:solidFill>
+                      <a:srgbClr val="00B0F0"/>
+                    </a:solidFill>
+                    <a:latin typeface="Times New Roman" panose="02020603050405020304" charset="0"/>
+                    <a:ea typeface="黑体" panose="02010609060101010101" charset="-122"/>
+                    <a:cs typeface="Times New Roman" panose="02020603050405020304" charset="0"/>
+                    <a:sym typeface="+mn-ea"/>
+                  </a:rPr>
+                  <a:t>检错：</a:t>
+                </a:r>
+                <a:endParaRPr lang="en-US" altLang="zh-CN" sz="3200" b="1" noProof="1">
+                  <a:solidFill>
+                    <a:srgbClr val="00B0F0"/>
+                  </a:solidFill>
+                  <a:latin typeface="Times New Roman" panose="02020603050405020304" charset="0"/>
+                  <a:ea typeface="黑体" panose="02010609060101010101" charset="-122"/>
+                  <a:cs typeface="Times New Roman" panose="02020603050405020304" charset="0"/>
+                  <a:sym typeface="+mn-ea"/>
+                </a:endParaRPr>
+              </a:p>
+              <a:p>
+                <a:pPr marL="342900" lvl="1" indent="-342900" eaLnBrk="1" hangingPunct="1">
+                  <a:spcBef>
+                    <a:spcPts val="600"/>
+                  </a:spcBef>
+                  <a:buClr>
+                    <a:srgbClr val="000000"/>
+                  </a:buClr>
+                  <a:buFont typeface="Wingdings" panose="05000000000000000000" pitchFamily="2" charset="2"/>
+                  <a:buChar char="l"/>
+                  <a:defRPr/>
+                </a:pPr>
+                <a:r>
+                  <a:rPr lang="zh-CN" altLang="en-US" sz="3200" b="1" noProof="1">
+                    <a:solidFill>
+                      <a:srgbClr val="000000"/>
+                    </a:solidFill>
+                    <a:latin typeface="Times New Roman" panose="02020603050405020304" charset="0"/>
+                    <a:ea typeface="黑体" panose="02010609060101010101" charset="-122"/>
+                    <a:cs typeface="Times New Roman" panose="02020603050405020304" charset="0"/>
+                    <a:sym typeface="+mn-ea"/>
+                  </a:rPr>
+                  <a:t>矩阵计算 </a:t>
+                </a:r>
+                <a14:m>
+                  <m:oMath xmlns:m="http://schemas.openxmlformats.org/officeDocument/2006/math">
+                    <m:sSub>
+                      <m:sSubPr>
+                        <m:ctrlPr>
+                          <a:rPr lang="en-US" altLang="zh-CN" sz="3200" b="1" i="0" noProof="1" smtClean="0">
+                            <a:solidFill>
+                              <a:srgbClr val="000000"/>
+                            </a:solidFill>
+                            <a:latin typeface="Cambria Math" panose="02040503050406030204" pitchFamily="18" charset="0"/>
+                            <a:ea typeface="黑体" panose="02010609060101010101" charset="-122"/>
+                            <a:cs typeface="Times New Roman" panose="02020603050405020304" charset="0"/>
+                            <a:sym typeface="+mn-ea"/>
+                          </a:rPr>
+                        </m:ctrlPr>
+                      </m:sSubPr>
+                      <m:e>
+                        <m:r>
+                          <a:rPr lang="en-US" altLang="zh-CN" sz="3200" b="1" i="0" noProof="1" smtClean="0">
+                            <a:solidFill>
+                              <a:srgbClr val="000000"/>
+                            </a:solidFill>
+                            <a:latin typeface="Cambria Math" panose="02040503050406030204" pitchFamily="18" charset="0"/>
+                            <a:ea typeface="黑体" panose="02010609060101010101" charset="-122"/>
+                            <a:cs typeface="Times New Roman" panose="02020603050405020304" charset="0"/>
+                            <a:sym typeface="+mn-ea"/>
+                          </a:rPr>
+                          <m:t>𝐒</m:t>
+                        </m:r>
+                      </m:e>
+                      <m:sub>
+                        <m:d>
+                          <m:dPr>
+                            <m:ctrlPr>
+                              <a:rPr lang="en-US" altLang="zh-CN" sz="3200" b="1" i="1" noProof="1" smtClean="0">
+                                <a:solidFill>
+                                  <a:srgbClr val="000000"/>
+                                </a:solidFill>
+                                <a:latin typeface="Cambria Math" panose="02040503050406030204" pitchFamily="18" charset="0"/>
+                                <a:ea typeface="黑体" panose="02010609060101010101" charset="-122"/>
+                                <a:cs typeface="Times New Roman" panose="02020603050405020304" charset="0"/>
+                                <a:sym typeface="+mn-ea"/>
+                              </a:rPr>
+                            </m:ctrlPr>
+                          </m:dPr>
+                          <m:e>
+                            <m:r>
+                              <a:rPr lang="en-US" altLang="zh-CN" sz="3200" b="1" i="1" noProof="1" smtClean="0">
+                                <a:solidFill>
+                                  <a:srgbClr val="000000"/>
+                                </a:solidFill>
+                                <a:latin typeface="Cambria Math" panose="02040503050406030204" pitchFamily="18" charset="0"/>
+                                <a:ea typeface="黑体" panose="02010609060101010101" charset="-122"/>
+                                <a:cs typeface="Times New Roman" panose="02020603050405020304" charset="0"/>
+                                <a:sym typeface="+mn-ea"/>
+                              </a:rPr>
+                              <m:t>𝒏</m:t>
+                            </m:r>
+                            <m:r>
+                              <a:rPr lang="en-US" altLang="zh-CN" sz="3200" b="1" i="1" noProof="1" smtClean="0">
+                                <a:solidFill>
+                                  <a:srgbClr val="000000"/>
+                                </a:solidFill>
+                                <a:latin typeface="Cambria Math" panose="02040503050406030204" pitchFamily="18" charset="0"/>
+                                <a:ea typeface="黑体" panose="02010609060101010101" charset="-122"/>
+                                <a:cs typeface="Times New Roman" panose="02020603050405020304" charset="0"/>
+                                <a:sym typeface="+mn-ea"/>
+                              </a:rPr>
+                              <m:t>×</m:t>
+                            </m:r>
+                            <m:r>
+                              <a:rPr lang="en-US" altLang="zh-CN" sz="3200" b="1" i="1" noProof="1" smtClean="0">
+                                <a:solidFill>
+                                  <a:srgbClr val="000000"/>
+                                </a:solidFill>
+                                <a:latin typeface="Cambria Math" panose="02040503050406030204" pitchFamily="18" charset="0"/>
+                                <a:ea typeface="黑体" panose="02010609060101010101" charset="-122"/>
+                                <a:cs typeface="Times New Roman" panose="02020603050405020304" charset="0"/>
+                                <a:sym typeface="+mn-ea"/>
+                              </a:rPr>
+                              <m:t>𝟓</m:t>
+                            </m:r>
+                          </m:e>
+                        </m:d>
+                      </m:sub>
+                    </m:sSub>
+                    <m:r>
+                      <a:rPr lang="en-US" altLang="zh-CN" sz="3200" b="1" i="0" noProof="1" smtClean="0">
+                        <a:solidFill>
+                          <a:srgbClr val="000000"/>
+                        </a:solidFill>
+                        <a:latin typeface="Cambria Math" panose="02040503050406030204" pitchFamily="18" charset="0"/>
+                        <a:ea typeface="黑体" panose="02010609060101010101" charset="-122"/>
+                        <a:cs typeface="Times New Roman" panose="02020603050405020304" charset="0"/>
+                        <a:sym typeface="+mn-ea"/>
+                      </a:rPr>
+                      <m:t>=</m:t>
+                    </m:r>
+                    <m:r>
+                      <a:rPr lang="en-US" altLang="zh-CN" sz="3200" b="1" i="0" noProof="1" smtClean="0">
+                        <a:solidFill>
+                          <a:srgbClr val="000000"/>
+                        </a:solidFill>
+                        <a:latin typeface="Cambria Math" panose="02040503050406030204" pitchFamily="18" charset="0"/>
+                        <a:ea typeface="黑体" panose="02010609060101010101" charset="-122"/>
+                        <a:cs typeface="Times New Roman" panose="02020603050405020304" charset="0"/>
+                        <a:sym typeface="+mn-ea"/>
+                      </a:rPr>
+                      <m:t>𝐑</m:t>
+                    </m:r>
+                    <m:sSup>
+                      <m:sSupPr>
+                        <m:ctrlPr>
+                          <a:rPr lang="en-US" altLang="zh-CN" sz="3200" b="1" noProof="1" smtClean="0">
+                            <a:solidFill>
+                              <a:srgbClr val="000000"/>
+                            </a:solidFill>
+                            <a:latin typeface="Cambria Math" panose="02040503050406030204" pitchFamily="18" charset="0"/>
+                            <a:ea typeface="黑体" panose="02010609060101010101" charset="-122"/>
+                            <a:cs typeface="Times New Roman" panose="02020603050405020304" charset="0"/>
+                            <a:sym typeface="+mn-ea"/>
+                          </a:rPr>
+                        </m:ctrlPr>
+                      </m:sSupPr>
+                      <m:e>
+                        <m:r>
+                          <a:rPr lang="en-US" altLang="zh-CN" sz="3200" b="1" i="0" noProof="1" smtClean="0">
+                            <a:solidFill>
+                              <a:srgbClr val="000000"/>
+                            </a:solidFill>
+                            <a:latin typeface="Cambria Math" panose="02040503050406030204" pitchFamily="18" charset="0"/>
+                            <a:ea typeface="黑体" panose="02010609060101010101" charset="-122"/>
+                            <a:cs typeface="Times New Roman" panose="02020603050405020304" charset="0"/>
+                            <a:sym typeface="+mn-ea"/>
+                          </a:rPr>
+                          <m:t>𝐇</m:t>
+                        </m:r>
+                      </m:e>
+                      <m:sup>
+                        <m:r>
+                          <a:rPr lang="en-US" altLang="zh-CN" sz="3200" b="1" i="0" noProof="1" smtClean="0">
+                            <a:solidFill>
+                              <a:srgbClr val="000000"/>
+                            </a:solidFill>
+                            <a:latin typeface="Cambria Math" panose="02040503050406030204" pitchFamily="18" charset="0"/>
+                            <a:ea typeface="黑体" panose="02010609060101010101" charset="-122"/>
+                            <a:cs typeface="Times New Roman" panose="02020603050405020304" charset="0"/>
+                            <a:sym typeface="+mn-ea"/>
+                          </a:rPr>
+                          <m:t>𝐇</m:t>
+                        </m:r>
+                      </m:sup>
+                    </m:sSup>
+                    <m:r>
+                      <a:rPr lang="en-US" altLang="zh-CN" sz="3200" b="1" i="0" noProof="1" smtClean="0">
+                        <a:solidFill>
+                          <a:srgbClr val="000000"/>
+                        </a:solidFill>
+                        <a:latin typeface="Cambria Math" panose="02040503050406030204" pitchFamily="18" charset="0"/>
+                        <a:ea typeface="黑体" panose="02010609060101010101" charset="-122"/>
+                        <a:cs typeface="Times New Roman" panose="02020603050405020304" charset="0"/>
+                        <a:sym typeface="+mn-ea"/>
+                      </a:rPr>
+                      <m:t>=</m:t>
+                    </m:r>
+                    <m:d>
+                      <m:dPr>
+                        <m:begChr m:val="["/>
+                        <m:endChr m:val="]"/>
+                        <m:ctrlPr>
+                          <a:rPr lang="en-US" altLang="zh-CN" sz="3200" b="1" i="0" noProof="1" smtClean="0">
+                            <a:solidFill>
+                              <a:srgbClr val="000000"/>
+                            </a:solidFill>
+                            <a:latin typeface="Cambria Math" panose="02040503050406030204" pitchFamily="18" charset="0"/>
+                            <a:ea typeface="黑体" panose="02010609060101010101" charset="-122"/>
+                            <a:cs typeface="Times New Roman" panose="02020603050405020304" charset="0"/>
+                            <a:sym typeface="+mn-ea"/>
+                          </a:rPr>
+                        </m:ctrlPr>
+                      </m:dPr>
+                      <m:e>
+                        <m:sSub>
+                          <m:sSubPr>
+                            <m:ctrlPr>
+                              <a:rPr lang="en-US" altLang="zh-CN" sz="3200" b="1" noProof="1" smtClean="0">
+                                <a:solidFill>
+                                  <a:srgbClr val="000000"/>
+                                </a:solidFill>
+                                <a:latin typeface="Cambria Math" panose="02040503050406030204" pitchFamily="18" charset="0"/>
+                                <a:ea typeface="黑体" panose="02010609060101010101" charset="-122"/>
+                                <a:cs typeface="Times New Roman" panose="02020603050405020304" charset="0"/>
+                                <a:sym typeface="+mn-ea"/>
+                              </a:rPr>
+                            </m:ctrlPr>
+                          </m:sSubPr>
+                          <m:e>
+                            <m:r>
+                              <a:rPr lang="en-US" altLang="zh-CN" sz="3200" b="1" i="0" noProof="1" smtClean="0">
+                                <a:solidFill>
+                                  <a:srgbClr val="000000"/>
+                                </a:solidFill>
+                                <a:latin typeface="Cambria Math" panose="02040503050406030204" pitchFamily="18" charset="0"/>
+                                <a:ea typeface="黑体" panose="02010609060101010101" charset="-122"/>
+                                <a:cs typeface="Times New Roman" panose="02020603050405020304" charset="0"/>
+                                <a:sym typeface="+mn-ea"/>
+                              </a:rPr>
+                              <m:t>𝐬</m:t>
+                            </m:r>
+                          </m:e>
+                          <m:sub>
+                            <m:r>
+                              <a:rPr lang="en-US" altLang="zh-CN" sz="3200" b="1" i="0" noProof="1" smtClean="0">
+                                <a:solidFill>
+                                  <a:srgbClr val="000000"/>
+                                </a:solidFill>
+                                <a:latin typeface="Cambria Math" panose="02040503050406030204" pitchFamily="18" charset="0"/>
+                                <a:ea typeface="黑体" panose="02010609060101010101" charset="-122"/>
+                                <a:cs typeface="Times New Roman" panose="02020603050405020304" charset="0"/>
+                                <a:sym typeface="+mn-ea"/>
+                              </a:rPr>
+                              <m:t>𝟏</m:t>
+                            </m:r>
+                          </m:sub>
+                        </m:sSub>
+                        <m:r>
+                          <a:rPr lang="en-US" altLang="zh-CN" sz="3200" b="1" i="0" noProof="1" smtClean="0">
+                            <a:solidFill>
+                              <a:srgbClr val="000000"/>
+                            </a:solidFill>
+                            <a:latin typeface="Cambria Math" panose="02040503050406030204" pitchFamily="18" charset="0"/>
+                            <a:ea typeface="黑体" panose="02010609060101010101" charset="-122"/>
+                            <a:cs typeface="Times New Roman" panose="02020603050405020304" charset="0"/>
+                            <a:sym typeface="+mn-ea"/>
+                          </a:rPr>
+                          <m:t>;</m:t>
+                        </m:r>
+                        <m:sSub>
+                          <m:sSubPr>
+                            <m:ctrlPr>
+                              <a:rPr lang="en-US" altLang="zh-CN" sz="3200" b="1" noProof="1" smtClean="0">
+                                <a:solidFill>
+                                  <a:srgbClr val="000000"/>
+                                </a:solidFill>
+                                <a:latin typeface="Cambria Math" panose="02040503050406030204" pitchFamily="18" charset="0"/>
+                                <a:ea typeface="黑体" panose="02010609060101010101" charset="-122"/>
+                                <a:cs typeface="Times New Roman" panose="02020603050405020304" charset="0"/>
+                                <a:sym typeface="+mn-ea"/>
+                              </a:rPr>
+                            </m:ctrlPr>
+                          </m:sSubPr>
+                          <m:e>
+                            <m:r>
+                              <a:rPr lang="en-US" altLang="zh-CN" sz="3200" b="1" i="0" noProof="1" smtClean="0">
+                                <a:solidFill>
+                                  <a:srgbClr val="000000"/>
+                                </a:solidFill>
+                                <a:latin typeface="Cambria Math" panose="02040503050406030204" pitchFamily="18" charset="0"/>
+                                <a:ea typeface="黑体" panose="02010609060101010101" charset="-122"/>
+                                <a:cs typeface="Times New Roman" panose="02020603050405020304" charset="0"/>
+                                <a:sym typeface="+mn-ea"/>
+                              </a:rPr>
+                              <m:t>𝐬</m:t>
+                            </m:r>
+                          </m:e>
+                          <m:sub>
+                            <m:r>
+                              <a:rPr lang="en-US" altLang="zh-CN" sz="3200" b="1" i="0" noProof="1" smtClean="0">
+                                <a:solidFill>
+                                  <a:srgbClr val="000000"/>
+                                </a:solidFill>
+                                <a:latin typeface="Cambria Math" panose="02040503050406030204" pitchFamily="18" charset="0"/>
+                                <a:ea typeface="黑体" panose="02010609060101010101" charset="-122"/>
+                                <a:cs typeface="Times New Roman" panose="02020603050405020304" charset="0"/>
+                                <a:sym typeface="+mn-ea"/>
+                              </a:rPr>
+                              <m:t>𝟐</m:t>
+                            </m:r>
+                          </m:sub>
+                        </m:sSub>
+                        <m:r>
+                          <a:rPr lang="en-US" altLang="zh-CN" sz="3200" b="1" i="0" noProof="1" smtClean="0">
+                            <a:solidFill>
+                              <a:srgbClr val="000000"/>
+                            </a:solidFill>
+                            <a:latin typeface="Cambria Math" panose="02040503050406030204" pitchFamily="18" charset="0"/>
+                            <a:ea typeface="黑体" panose="02010609060101010101" charset="-122"/>
+                            <a:cs typeface="Times New Roman" panose="02020603050405020304" charset="0"/>
+                            <a:sym typeface="+mn-ea"/>
+                          </a:rPr>
+                          <m:t>; ⋯;</m:t>
+                        </m:r>
+                        <m:sSub>
+                          <m:sSubPr>
+                            <m:ctrlPr>
+                              <a:rPr lang="en-US" altLang="zh-CN" sz="3200" b="1" noProof="1" smtClean="0">
+                                <a:solidFill>
+                                  <a:srgbClr val="000000"/>
+                                </a:solidFill>
+                                <a:latin typeface="Cambria Math" panose="02040503050406030204" pitchFamily="18" charset="0"/>
+                                <a:ea typeface="黑体" panose="02010609060101010101" charset="-122"/>
+                                <a:cs typeface="Times New Roman" panose="02020603050405020304" charset="0"/>
+                                <a:sym typeface="+mn-ea"/>
+                              </a:rPr>
+                            </m:ctrlPr>
+                          </m:sSubPr>
+                          <m:e>
+                            <m:r>
+                              <a:rPr lang="en-US" altLang="zh-CN" sz="3200" b="1" i="0" noProof="1" smtClean="0">
+                                <a:solidFill>
+                                  <a:srgbClr val="000000"/>
+                                </a:solidFill>
+                                <a:latin typeface="Cambria Math" panose="02040503050406030204" pitchFamily="18" charset="0"/>
+                                <a:ea typeface="黑体" panose="02010609060101010101" charset="-122"/>
+                                <a:cs typeface="Times New Roman" panose="02020603050405020304" charset="0"/>
+                                <a:sym typeface="+mn-ea"/>
+                              </a:rPr>
+                              <m:t>𝐬</m:t>
+                            </m:r>
+                          </m:e>
+                          <m:sub>
+                            <m:r>
+                              <a:rPr lang="en-US" altLang="zh-CN" sz="3200" b="1" i="0" noProof="1" smtClean="0">
+                                <a:solidFill>
+                                  <a:srgbClr val="000000"/>
+                                </a:solidFill>
+                                <a:latin typeface="Cambria Math" panose="02040503050406030204" pitchFamily="18" charset="0"/>
+                                <a:ea typeface="黑体" panose="02010609060101010101" charset="-122"/>
+                                <a:cs typeface="Times New Roman" panose="02020603050405020304" charset="0"/>
+                                <a:sym typeface="+mn-ea"/>
+                              </a:rPr>
+                              <m:t>𝐧</m:t>
+                            </m:r>
+                          </m:sub>
+                        </m:sSub>
+                      </m:e>
+                    </m:d>
+                  </m:oMath>
+                </a14:m>
+                <a:endParaRPr lang="en-US" altLang="zh-CN" sz="3200" b="1" noProof="1">
+                  <a:solidFill>
+                    <a:srgbClr val="000000"/>
+                  </a:solidFill>
+                  <a:latin typeface="Times New Roman" panose="02020603050405020304" charset="0"/>
+                  <a:ea typeface="黑体" panose="02010609060101010101" charset="-122"/>
+                  <a:cs typeface="Times New Roman" panose="02020603050405020304" charset="0"/>
+                  <a:sym typeface="+mn-ea"/>
+                </a:endParaRPr>
+              </a:p>
+              <a:p>
+                <a:pPr marL="342900" lvl="1" indent="-342900" eaLnBrk="1" hangingPunct="1">
+                  <a:spcBef>
+                    <a:spcPts val="600"/>
+                  </a:spcBef>
+                  <a:buClr>
+                    <a:srgbClr val="000000"/>
+                  </a:buClr>
+                  <a:buFont typeface="Wingdings" panose="05000000000000000000" pitchFamily="2" charset="2"/>
+                  <a:buChar char="l"/>
+                  <a:defRPr/>
+                </a:pPr>
+                <a:r>
+                  <a:rPr lang="zh-CN" altLang="en-US" sz="3200" b="1" noProof="1">
+                    <a:solidFill>
+                      <a:srgbClr val="000000"/>
+                    </a:solidFill>
+                    <a:latin typeface="Times New Roman" panose="02020603050405020304" charset="0"/>
+                    <a:ea typeface="黑体" panose="02010609060101010101" charset="-122"/>
+                    <a:cs typeface="Times New Roman" panose="02020603050405020304" charset="0"/>
+                    <a:sym typeface="+mn-ea"/>
+                  </a:rPr>
+                  <a:t>若 </a:t>
+                </a:r>
+                <a14:m>
+                  <m:oMath xmlns:m="http://schemas.openxmlformats.org/officeDocument/2006/math">
+                    <m:sSub>
+                      <m:sSubPr>
+                        <m:ctrlPr>
+                          <a:rPr lang="en-US" altLang="zh-CN" sz="3200" b="1" i="0" noProof="1" smtClean="0">
+                            <a:solidFill>
+                              <a:srgbClr val="000000"/>
+                            </a:solidFill>
+                            <a:latin typeface="Cambria Math" panose="02040503050406030204" pitchFamily="18" charset="0"/>
+                            <a:ea typeface="黑体" panose="02010609060101010101" charset="-122"/>
+                            <a:cs typeface="Times New Roman" panose="02020603050405020304" charset="0"/>
+                            <a:sym typeface="+mn-ea"/>
+                          </a:rPr>
+                        </m:ctrlPr>
+                      </m:sSubPr>
+                      <m:e>
+                        <m:r>
+                          <a:rPr lang="en-US" altLang="zh-CN" sz="3200" b="1" i="0" noProof="1" smtClean="0">
+                            <a:solidFill>
+                              <a:srgbClr val="000000"/>
+                            </a:solidFill>
+                            <a:latin typeface="Cambria Math" panose="02040503050406030204" pitchFamily="18" charset="0"/>
+                            <a:ea typeface="黑体" panose="02010609060101010101" charset="-122"/>
+                            <a:cs typeface="Times New Roman" panose="02020603050405020304" charset="0"/>
+                            <a:sym typeface="+mn-ea"/>
+                          </a:rPr>
+                          <m:t>𝐬</m:t>
+                        </m:r>
+                      </m:e>
+                      <m:sub>
+                        <m:r>
+                          <a:rPr lang="en-US" altLang="zh-CN" sz="3200" b="1" i="1" noProof="1" smtClean="0">
+                            <a:solidFill>
+                              <a:srgbClr val="000000"/>
+                            </a:solidFill>
+                            <a:latin typeface="Cambria Math" panose="02040503050406030204" pitchFamily="18" charset="0"/>
+                            <a:ea typeface="黑体" panose="02010609060101010101" charset="-122"/>
+                            <a:cs typeface="Times New Roman" panose="02020603050405020304" charset="0"/>
+                            <a:sym typeface="+mn-ea"/>
+                          </a:rPr>
+                          <m:t>𝒊</m:t>
+                        </m:r>
+                      </m:sub>
+                    </m:sSub>
+                    <m:r>
+                      <a:rPr lang="en-US" altLang="zh-CN" sz="3200" b="1" i="1" noProof="1" smtClean="0">
+                        <a:solidFill>
+                          <a:srgbClr val="000000"/>
+                        </a:solidFill>
+                        <a:latin typeface="Cambria Math" panose="02040503050406030204" pitchFamily="18" charset="0"/>
+                        <a:ea typeface="黑体" panose="02010609060101010101" charset="-122"/>
+                        <a:cs typeface="Times New Roman" panose="02020603050405020304" charset="0"/>
+                        <a:sym typeface="+mn-ea"/>
+                      </a:rPr>
+                      <m:t>=</m:t>
+                    </m:r>
+                    <m:acc>
+                      <m:accPr>
+                        <m:chr m:val="⃗"/>
+                        <m:ctrlPr>
+                          <a:rPr lang="en-US" altLang="zh-CN" sz="3200" b="1" i="1" noProof="1" smtClean="0">
+                            <a:solidFill>
+                              <a:srgbClr val="000000"/>
+                            </a:solidFill>
+                            <a:latin typeface="Cambria Math" panose="02040503050406030204" pitchFamily="18" charset="0"/>
+                            <a:ea typeface="黑体" panose="02010609060101010101" charset="-122"/>
+                            <a:cs typeface="Times New Roman" panose="02020603050405020304" charset="0"/>
+                            <a:sym typeface="+mn-ea"/>
+                          </a:rPr>
+                        </m:ctrlPr>
+                      </m:accPr>
+                      <m:e>
+                        <m:r>
+                          <a:rPr lang="en-US" altLang="zh-CN" sz="3200" b="1" i="1" noProof="1" smtClean="0">
+                            <a:solidFill>
+                              <a:srgbClr val="000000"/>
+                            </a:solidFill>
+                            <a:latin typeface="Cambria Math" panose="02040503050406030204" pitchFamily="18" charset="0"/>
+                            <a:ea typeface="黑体" panose="02010609060101010101" charset="-122"/>
+                            <a:cs typeface="Times New Roman" panose="02020603050405020304" charset="0"/>
+                            <a:sym typeface="+mn-ea"/>
+                          </a:rPr>
+                          <m:t>𝟎</m:t>
+                        </m:r>
+                      </m:e>
+                    </m:acc>
+                  </m:oMath>
+                </a14:m>
+                <a:r>
+                  <a:rPr lang="zh-CN" altLang="en-US" sz="3200" b="1" noProof="1">
+                    <a:solidFill>
+                      <a:srgbClr val="000000"/>
+                    </a:solidFill>
+                    <a:latin typeface="Times New Roman" panose="02020603050405020304" charset="0"/>
+                    <a:ea typeface="黑体" panose="02010609060101010101" charset="-122"/>
+                    <a:cs typeface="Times New Roman" panose="02020603050405020304" charset="0"/>
+                    <a:sym typeface="+mn-ea"/>
+                  </a:rPr>
+                  <a:t>，则为许用码字，不纠错</a:t>
+                </a:r>
+                <a:endParaRPr lang="en-US" altLang="zh-CN" sz="3200" b="1" noProof="1">
+                  <a:solidFill>
+                    <a:srgbClr val="000000"/>
+                  </a:solidFill>
+                  <a:latin typeface="Times New Roman" panose="02020603050405020304" charset="0"/>
+                  <a:ea typeface="黑体" panose="02010609060101010101" charset="-122"/>
+                  <a:cs typeface="Times New Roman" panose="02020603050405020304" charset="0"/>
+                  <a:sym typeface="+mn-ea"/>
+                </a:endParaRPr>
+              </a:p>
+              <a:p>
+                <a:pPr marL="342900" lvl="1" indent="-342900" eaLnBrk="1" hangingPunct="1">
+                  <a:spcBef>
+                    <a:spcPts val="600"/>
+                  </a:spcBef>
+                  <a:buClr>
+                    <a:srgbClr val="000000"/>
+                  </a:buClr>
+                  <a:buFont typeface="Wingdings" panose="05000000000000000000" pitchFamily="2" charset="2"/>
+                  <a:buChar char="l"/>
+                  <a:defRPr/>
+                </a:pPr>
+                <a:r>
+                  <a:rPr lang="zh-CN" altLang="en-US" sz="3200" b="1" noProof="1">
+                    <a:solidFill>
+                      <a:srgbClr val="000000"/>
+                    </a:solidFill>
+                    <a:latin typeface="Times New Roman" panose="02020603050405020304" charset="0"/>
+                    <a:ea typeface="黑体" panose="02010609060101010101" charset="-122"/>
+                    <a:cs typeface="Times New Roman" panose="02020603050405020304" charset="0"/>
+                    <a:sym typeface="+mn-ea"/>
+                  </a:rPr>
+                  <a:t>若 </a:t>
+                </a:r>
+                <a14:m>
+                  <m:oMath xmlns:m="http://schemas.openxmlformats.org/officeDocument/2006/math">
+                    <m:sSubSup>
+                      <m:sSubSupPr>
+                        <m:ctrlPr>
+                          <a:rPr lang="en-US" altLang="zh-CN" sz="3200" b="1" i="1" noProof="1" smtClean="0">
+                            <a:solidFill>
+                              <a:srgbClr val="000000"/>
+                            </a:solidFill>
+                            <a:latin typeface="Cambria Math" panose="02040503050406030204" pitchFamily="18" charset="0"/>
+                            <a:ea typeface="黑体" panose="02010609060101010101" charset="-122"/>
+                            <a:cs typeface="Times New Roman" panose="02020603050405020304" charset="0"/>
+                            <a:sym typeface="+mn-ea"/>
+                          </a:rPr>
+                        </m:ctrlPr>
+                      </m:sSubSupPr>
+                      <m:e>
+                        <m:r>
+                          <a:rPr lang="en-US" altLang="zh-CN" sz="3200" b="1" i="0" noProof="1" smtClean="0">
+                            <a:solidFill>
+                              <a:srgbClr val="000000"/>
+                            </a:solidFill>
+                            <a:latin typeface="Cambria Math" panose="02040503050406030204" pitchFamily="18" charset="0"/>
+                            <a:ea typeface="黑体" panose="02010609060101010101" charset="-122"/>
+                            <a:cs typeface="Times New Roman" panose="02020603050405020304" charset="0"/>
+                            <a:sym typeface="+mn-ea"/>
+                          </a:rPr>
+                          <m:t>𝐬</m:t>
+                        </m:r>
+                      </m:e>
+                      <m:sub>
+                        <m:r>
+                          <a:rPr lang="en-US" altLang="zh-CN" sz="3200" b="1" i="1" noProof="1" smtClean="0">
+                            <a:solidFill>
+                              <a:srgbClr val="000000"/>
+                            </a:solidFill>
+                            <a:latin typeface="Cambria Math" panose="02040503050406030204" pitchFamily="18" charset="0"/>
+                            <a:ea typeface="黑体" panose="02010609060101010101" charset="-122"/>
+                            <a:cs typeface="Times New Roman" panose="02020603050405020304" charset="0"/>
+                            <a:sym typeface="+mn-ea"/>
+                          </a:rPr>
+                          <m:t>𝒊</m:t>
+                        </m:r>
+                      </m:sub>
+                      <m:sup>
+                        <m:r>
+                          <a:rPr lang="en-US" altLang="zh-CN" sz="3200" b="1" i="0" noProof="1" smtClean="0">
+                            <a:solidFill>
+                              <a:srgbClr val="000000"/>
+                            </a:solidFill>
+                            <a:latin typeface="Cambria Math" panose="02040503050406030204" pitchFamily="18" charset="0"/>
+                            <a:ea typeface="黑体" panose="02010609060101010101" charset="-122"/>
+                            <a:cs typeface="Times New Roman" panose="02020603050405020304" charset="0"/>
+                            <a:sym typeface="+mn-ea"/>
+                          </a:rPr>
+                          <m:t>𝐓</m:t>
+                        </m:r>
+                      </m:sup>
+                    </m:sSubSup>
+                  </m:oMath>
+                </a14:m>
+                <a:r>
+                  <a:rPr lang="zh-CN" altLang="en-US" sz="3200" b="1" noProof="1">
+                    <a:solidFill>
+                      <a:srgbClr val="000000"/>
+                    </a:solidFill>
+                    <a:latin typeface="Times New Roman" panose="02020603050405020304" charset="0"/>
+                    <a:ea typeface="黑体" panose="02010609060101010101" charset="-122"/>
+                    <a:cs typeface="Times New Roman" panose="02020603050405020304" charset="0"/>
+                    <a:sym typeface="+mn-ea"/>
+                  </a:rPr>
+                  <a:t> 与</a:t>
+                </a:r>
+                <a:r>
+                  <a:rPr lang="en-US" altLang="zh-CN" sz="3200" b="1" noProof="1">
+                    <a:solidFill>
+                      <a:srgbClr val="000000"/>
+                    </a:solidFill>
+                    <a:latin typeface="Times New Roman" panose="02020603050405020304" charset="0"/>
+                    <a:ea typeface="黑体" panose="02010609060101010101" charset="-122"/>
+                    <a:cs typeface="Times New Roman" panose="02020603050405020304" charset="0"/>
+                    <a:sym typeface="+mn-ea"/>
+                  </a:rPr>
+                  <a:t> H </a:t>
+                </a:r>
+                <a:r>
+                  <a:rPr lang="zh-CN" altLang="en-US" sz="3200" b="1" noProof="1">
+                    <a:solidFill>
+                      <a:srgbClr val="000000"/>
+                    </a:solidFill>
+                    <a:latin typeface="Times New Roman" panose="02020603050405020304" charset="0"/>
+                    <a:ea typeface="黑体" panose="02010609060101010101" charset="-122"/>
+                    <a:cs typeface="Times New Roman" panose="02020603050405020304" charset="0"/>
+                    <a:sym typeface="+mn-ea"/>
+                  </a:rPr>
+                  <a:t>某列相同，找出错误的一个比特纠正</a:t>
+                </a:r>
+                <a:endParaRPr lang="en-US" altLang="zh-CN" sz="3200" b="1" noProof="1">
+                  <a:solidFill>
+                    <a:srgbClr val="000000"/>
+                  </a:solidFill>
+                  <a:latin typeface="Times New Roman" panose="02020603050405020304" charset="0"/>
+                  <a:ea typeface="黑体" panose="02010609060101010101" charset="-122"/>
+                  <a:cs typeface="Times New Roman" panose="02020603050405020304" charset="0"/>
+                  <a:sym typeface="+mn-ea"/>
+                </a:endParaRPr>
+              </a:p>
+              <a:p>
+                <a:pPr marL="342900" lvl="1" indent="-342900" eaLnBrk="1" hangingPunct="1">
+                  <a:spcBef>
+                    <a:spcPts val="600"/>
+                  </a:spcBef>
+                  <a:buClr>
+                    <a:srgbClr val="000000"/>
+                  </a:buClr>
+                  <a:buFont typeface="Wingdings" panose="05000000000000000000" pitchFamily="2" charset="2"/>
+                  <a:buChar char="l"/>
+                  <a:defRPr/>
+                </a:pPr>
+                <a:r>
+                  <a:rPr lang="zh-CN" altLang="en-US" sz="3200" b="1" noProof="1">
+                    <a:solidFill>
+                      <a:srgbClr val="000000"/>
+                    </a:solidFill>
+                    <a:latin typeface="Times New Roman" panose="02020603050405020304" charset="0"/>
+                    <a:ea typeface="黑体" panose="02010609060101010101" charset="-122"/>
+                    <a:cs typeface="Times New Roman" panose="02020603050405020304" charset="0"/>
+                    <a:sym typeface="+mn-ea"/>
+                  </a:rPr>
+                  <a:t>否则，用汉明距离最小的许用码字替换</a:t>
+                </a:r>
+                <a:endParaRPr lang="en-US" altLang="zh-CN" sz="3200" b="1" noProof="1">
+                  <a:solidFill>
+                    <a:srgbClr val="000000"/>
+                  </a:solidFill>
+                  <a:latin typeface="Times New Roman" panose="02020603050405020304" charset="0"/>
+                  <a:ea typeface="黑体" panose="02010609060101010101" charset="-122"/>
+                  <a:cs typeface="Times New Roman" panose="02020603050405020304" charset="0"/>
+                  <a:sym typeface="+mn-ea"/>
+                </a:endParaRPr>
+              </a:p>
+              <a:p>
+                <a:pPr marL="342900" lvl="1" indent="-342900" eaLnBrk="1" hangingPunct="1">
+                  <a:spcBef>
+                    <a:spcPts val="600"/>
+                  </a:spcBef>
+                  <a:buClr>
+                    <a:srgbClr val="000000"/>
+                  </a:buClr>
+                  <a:buFont typeface="Wingdings" panose="05000000000000000000" pitchFamily="2" charset="2"/>
+                  <a:buChar char="l"/>
+                  <a:defRPr/>
+                </a:pPr>
+                <a:r>
+                  <a:rPr lang="zh-CN" altLang="en-US" sz="3200" b="1" noProof="1">
+                    <a:solidFill>
+                      <a:srgbClr val="00B0F0"/>
+                    </a:solidFill>
+                    <a:latin typeface="Times New Roman" panose="02020603050405020304" charset="0"/>
+                    <a:ea typeface="黑体" panose="02010609060101010101" charset="-122"/>
+                    <a:cs typeface="Times New Roman" panose="02020603050405020304" charset="0"/>
+                    <a:sym typeface="+mn-ea"/>
+                  </a:rPr>
+                  <a:t>译码：</a:t>
+                </a:r>
+                <a:r>
+                  <a:rPr lang="zh-CN" altLang="en-US" sz="3200" b="1" noProof="1">
+                    <a:solidFill>
+                      <a:srgbClr val="000000"/>
+                    </a:solidFill>
+                    <a:latin typeface="Times New Roman" panose="02020603050405020304" charset="0"/>
+                    <a:ea typeface="黑体" panose="02010609060101010101" charset="-122"/>
+                    <a:cs typeface="Times New Roman" panose="02020603050405020304" charset="0"/>
+                    <a:sym typeface="+mn-ea"/>
+                  </a:rPr>
+                  <a:t>取出 </a:t>
+                </a:r>
+                <a:r>
+                  <a:rPr lang="en-US" altLang="zh-CN" sz="3200" b="1" noProof="1">
+                    <a:solidFill>
+                      <a:srgbClr val="000000"/>
+                    </a:solidFill>
+                    <a:latin typeface="Times New Roman" panose="02020603050405020304" charset="0"/>
+                    <a:ea typeface="黑体" panose="02010609060101010101" charset="-122"/>
+                    <a:cs typeface="Times New Roman" panose="02020603050405020304" charset="0"/>
+                    <a:sym typeface="+mn-ea"/>
+                  </a:rPr>
+                  <a:t>R </a:t>
+                </a:r>
+                <a:r>
+                  <a:rPr lang="zh-CN" altLang="en-US" sz="3200" b="1" noProof="1">
+                    <a:solidFill>
+                      <a:srgbClr val="000000"/>
+                    </a:solidFill>
+                    <a:latin typeface="Times New Roman" panose="02020603050405020304" charset="0"/>
+                    <a:ea typeface="黑体" panose="02010609060101010101" charset="-122"/>
+                    <a:cs typeface="Times New Roman" panose="02020603050405020304" charset="0"/>
+                    <a:sym typeface="+mn-ea"/>
+                  </a:rPr>
+                  <a:t>第</a:t>
+                </a:r>
+                <a:r>
+                  <a:rPr lang="en-US" altLang="zh-CN" sz="3200" b="1" noProof="1">
+                    <a:solidFill>
+                      <a:srgbClr val="000000"/>
+                    </a:solidFill>
+                    <a:latin typeface="Times New Roman" panose="02020603050405020304" charset="0"/>
+                    <a:ea typeface="黑体" panose="02010609060101010101" charset="-122"/>
+                    <a:cs typeface="Times New Roman" panose="02020603050405020304" charset="0"/>
+                    <a:sym typeface="+mn-ea"/>
+                  </a:rPr>
+                  <a:t> 2, 3, 5 </a:t>
+                </a:r>
+                <a:r>
+                  <a:rPr lang="zh-CN" altLang="en-US" sz="3200" b="1" noProof="1">
+                    <a:solidFill>
+                      <a:srgbClr val="000000"/>
+                    </a:solidFill>
+                    <a:latin typeface="Times New Roman" panose="02020603050405020304" charset="0"/>
+                    <a:ea typeface="黑体" panose="02010609060101010101" charset="-122"/>
+                    <a:cs typeface="Times New Roman" panose="02020603050405020304" charset="0"/>
+                    <a:sym typeface="+mn-ea"/>
+                  </a:rPr>
+                  <a:t>列，重排得到解码结果</a:t>
+                </a:r>
+                <a:endParaRPr lang="en-US" altLang="zh-CN" sz="3200" b="1" noProof="1">
+                  <a:solidFill>
+                    <a:srgbClr val="000000"/>
+                  </a:solidFill>
+                  <a:latin typeface="Times New Roman" panose="02020603050405020304" charset="0"/>
+                  <a:ea typeface="黑体" panose="02010609060101010101" charset="-122"/>
+                  <a:cs typeface="Times New Roman" panose="02020603050405020304" charset="0"/>
+                  <a:sym typeface="+mn-ea"/>
+                </a:endParaRPr>
+              </a:p>
+            </p:txBody>
+          </p:sp>
+        </mc:Choice>
+        <mc:Fallback>
+          <p:sp>
+            <p:nvSpPr>
+              <p:cNvPr id="33" name="Rectangle 3"/>
+              <p:cNvSpPr txBox="1">
+                <a:spLocks noRot="1" noChangeAspect="1" noMove="1" noResize="1" noEditPoints="1" noAdjustHandles="1" noChangeArrowheads="1" noChangeShapeType="1" noTextEdit="1"/>
+              </p:cNvSpPr>
+              <p:nvPr/>
+            </p:nvSpPr>
+            <p:spPr bwMode="auto">
+              <a:xfrm>
+                <a:off x="65405" y="1584960"/>
+                <a:ext cx="9157648" cy="3692434"/>
+              </a:xfrm>
+              <a:prstGeom prst="rect">
+                <a:avLst/>
+              </a:prstGeom>
+              <a:blipFill>
+                <a:blip r:embed="rId3"/>
+                <a:stretch>
+                  <a:fillRect l="-1531" t="-2640" r="-200" b="-33168"/>
+                </a:stretch>
+              </a:blipFill>
+              <a:ln w="12700" cap="flat" cmpd="sng" algn="ctr">
+                <a:noFill/>
+                <a:prstDash val="solid"/>
+                <a:headEnd type="oval" w="med" len="med"/>
+                <a:tailEnd type="stealth" w="lg" len="lg"/>
+              </a:ln>
+            </p:spPr>
+            <p:txBody>
+              <a:bodyPr/>
+              <a:lstStyle/>
+              <a:p>
+                <a:r>
+                  <a:rPr lang="zh-CN" altLang="en-US">
+                    <a:noFill/>
+                  </a:rPr>
+                  <a:t> </a:t>
+                </a:r>
+              </a:p>
+            </p:txBody>
+          </p:sp>
+        </mc:Fallback>
+      </mc:AlternateContent>
+    </p:spTree>
+    <p:extLst>
+      <p:ext uri="{BB962C8B-B14F-4D97-AF65-F5344CB8AC3E}">
+        <p14:creationId xmlns:p14="http://schemas.microsoft.com/office/powerpoint/2010/main" val="1039349451"/>
+      </p:ext>
+    </p:extLst>
+  </p:cSld>
+  <p:clrMapOvr>
+    <a:masterClrMapping/>
+  </p:clrMapOvr>
+  <mc:AlternateContent xmlns:mc="http://schemas.openxmlformats.org/markup-compatibility/2006">
+    <mc:Choice xmlns:p14="http://schemas.microsoft.com/office/powerpoint/2010/main" Requires="p14">
+      <p:transition spd="med" p14:dur="700">
+        <p:fade/>
+      </p:transition>
+    </mc:Choice>
+    <mc:Fallback>
+      <p:transition spd="med">
+        <p:fade/>
+      </p:transition>
+    </mc:Fallback>
+  </mc:AlternateContent>
+</p:sld>
+</file>
+
+<file path=ppt/slides/slide19.xml><?xml version="1.0" encoding="utf-8"?>
+<p:sld xmlns:a="http://schemas.openxmlformats.org/drawingml/2006/main" xmlns:r="http://schemas.openxmlformats.org/officeDocument/2006/relationships" xmlns:p="http://schemas.openxmlformats.org/presentationml/2006/main">
+  <p:cSld>
+    <p:spTree>
+      <p:nvGrpSpPr>
+        <p:cNvPr id="1" name=""/>
+        <p:cNvGrpSpPr/>
+        <p:nvPr/>
+      </p:nvGrpSpPr>
+      <p:grpSpPr>
+        <a:xfrm>
+          <a:off x="0" y="0"/>
+          <a:ext cx="0" cy="0"/>
+          <a:chOff x="0" y="0"/>
+          <a:chExt cx="0" cy="0"/>
+        </a:xfrm>
+      </p:grpSpPr>
+      <p:sp>
+        <p:nvSpPr>
+          <p:cNvPr id="11" name="矩形 10"/>
+          <p:cNvSpPr/>
+          <p:nvPr/>
+        </p:nvSpPr>
+        <p:spPr>
+          <a:xfrm>
+            <a:off x="-13648" y="0"/>
+            <a:ext cx="9157648" cy="1202643"/>
+          </a:xfrm>
+          <a:prstGeom prst="rect">
+            <a:avLst/>
+          </a:prstGeom>
+          <a:solidFill>
+            <a:srgbClr val="5C307D"/>
+          </a:solidFill>
+          <a:ln>
+            <a:noFill/>
+          </a:ln>
+        </p:spPr>
+        <p:style>
+          <a:lnRef idx="2">
+            <a:schemeClr val="accent1">
+              <a:shade val="50000"/>
+            </a:schemeClr>
+          </a:lnRef>
+          <a:fillRef idx="1">
+            <a:schemeClr val="accent1"/>
+          </a:fillRef>
+          <a:effectRef idx="0">
+            <a:schemeClr val="accent1"/>
+          </a:effectRef>
+          <a:fontRef idx="minor">
+            <a:schemeClr val="lt1"/>
+          </a:fontRef>
+        </p:style>
+        <p:txBody>
+          <a:bodyPr rtlCol="0" anchor="ctr"/>
+          <a:lstStyle/>
+          <a:p>
+            <a:pPr algn="ctr"/>
+            <a:endParaRPr lang="zh-CN" altLang="en-US"/>
+          </a:p>
+        </p:txBody>
+      </p:sp>
+      <p:grpSp>
+        <p:nvGrpSpPr>
+          <p:cNvPr id="43" name="组合 42"/>
+          <p:cNvGrpSpPr/>
+          <p:nvPr/>
+        </p:nvGrpSpPr>
+        <p:grpSpPr>
+          <a:xfrm>
+            <a:off x="0" y="1305569"/>
+            <a:ext cx="9144000" cy="56736"/>
+            <a:chOff x="30834" y="1305568"/>
+            <a:chExt cx="8816454" cy="66133"/>
+          </a:xfrm>
+        </p:grpSpPr>
+        <p:sp>
+          <p:nvSpPr>
+            <p:cNvPr id="14" name="矩形 13"/>
+            <p:cNvSpPr/>
+            <p:nvPr/>
+          </p:nvSpPr>
+          <p:spPr>
+            <a:xfrm>
+              <a:off x="30834" y="1305568"/>
+              <a:ext cx="5800300" cy="65989"/>
+            </a:xfrm>
+            <a:prstGeom prst="rect">
+              <a:avLst/>
+            </a:prstGeom>
+            <a:solidFill>
+              <a:schemeClr val="bg1">
+                <a:lumMod val="75000"/>
+              </a:schemeClr>
+            </a:solidFill>
+            <a:ln>
+              <a:noFill/>
+            </a:ln>
+          </p:spPr>
+          <p:style>
+            <a:lnRef idx="2">
+              <a:schemeClr val="accent1">
+                <a:shade val="50000"/>
+              </a:schemeClr>
+            </a:lnRef>
+            <a:fillRef idx="1">
+              <a:schemeClr val="accent1"/>
+            </a:fillRef>
+            <a:effectRef idx="0">
+              <a:schemeClr val="accent1"/>
+            </a:effectRef>
+            <a:fontRef idx="minor">
+              <a:schemeClr val="lt1"/>
+            </a:fontRef>
+          </p:style>
+          <p:txBody>
+            <a:bodyPr rtlCol="0" anchor="ctr"/>
+            <a:lstStyle/>
+            <a:p>
+              <a:pPr algn="ctr"/>
+              <a:endParaRPr lang="zh-CN" altLang="en-US"/>
+            </a:p>
+          </p:txBody>
+        </p:sp>
+        <p:sp>
+          <p:nvSpPr>
+            <p:cNvPr id="15" name="矩形 14"/>
+            <p:cNvSpPr/>
+            <p:nvPr/>
+          </p:nvSpPr>
+          <p:spPr>
+            <a:xfrm>
+              <a:off x="5886861" y="1305712"/>
+              <a:ext cx="2960427" cy="65989"/>
+            </a:xfrm>
+            <a:prstGeom prst="rect">
+              <a:avLst/>
+            </a:prstGeom>
+            <a:solidFill>
+              <a:srgbClr val="5C307D"/>
+            </a:solidFill>
+            <a:ln>
+              <a:noFill/>
+            </a:ln>
+          </p:spPr>
+          <p:style>
+            <a:lnRef idx="2">
+              <a:schemeClr val="accent1">
+                <a:shade val="50000"/>
+              </a:schemeClr>
+            </a:lnRef>
+            <a:fillRef idx="1">
+              <a:schemeClr val="accent1"/>
+            </a:fillRef>
+            <a:effectRef idx="0">
+              <a:schemeClr val="accent1"/>
+            </a:effectRef>
+            <a:fontRef idx="minor">
+              <a:schemeClr val="lt1"/>
+            </a:fontRef>
+          </p:style>
+          <p:txBody>
+            <a:bodyPr rtlCol="0" anchor="ctr"/>
+            <a:lstStyle/>
+            <a:p>
+              <a:pPr algn="ctr"/>
+              <a:endParaRPr lang="zh-CN" altLang="en-US"/>
+            </a:p>
+          </p:txBody>
+        </p:sp>
+      </p:grpSp>
+      <p:sp>
+        <p:nvSpPr>
+          <p:cNvPr id="2" name="文本框 1"/>
+          <p:cNvSpPr txBox="1"/>
+          <p:nvPr/>
+        </p:nvSpPr>
+        <p:spPr>
+          <a:xfrm>
+            <a:off x="163830" y="217170"/>
+            <a:ext cx="6260047" cy="769441"/>
+          </a:xfrm>
+          <a:prstGeom prst="rect">
+            <a:avLst/>
+          </a:prstGeom>
+          <a:noFill/>
+        </p:spPr>
+        <p:txBody>
+          <a:bodyPr wrap="none" rtlCol="0">
+            <a:spAutoFit/>
+          </a:bodyPr>
+          <a:lstStyle/>
+          <a:p>
+            <a:r>
+              <a:rPr lang="en-US" altLang="zh-CN" sz="4400" b="1" dirty="0">
+                <a:solidFill>
+                  <a:schemeClr val="bg1"/>
+                </a:solidFill>
+                <a:latin typeface="Times New Roman" panose="02020603050405020304" charset="0"/>
+                <a:ea typeface="黑体" panose="02010609060101010101" charset="-122"/>
+                <a:cs typeface="Times New Roman" panose="02020603050405020304" charset="0"/>
+              </a:rPr>
+              <a:t>(8, 3, 4) </a:t>
+            </a:r>
+            <a:r>
+              <a:rPr lang="zh-CN" altLang="en-US" sz="4400" b="1" dirty="0">
+                <a:solidFill>
+                  <a:schemeClr val="bg1"/>
+                </a:solidFill>
+                <a:latin typeface="Times New Roman" panose="02020603050405020304" charset="0"/>
+                <a:ea typeface="黑体" panose="02010609060101010101" charset="-122"/>
+                <a:cs typeface="Times New Roman" panose="02020603050405020304" charset="0"/>
+              </a:rPr>
+              <a:t>线性分组码</a:t>
+            </a:r>
+            <a:r>
+              <a:rPr lang="en-US" altLang="zh-CN" sz="4400" b="1" dirty="0">
+                <a:solidFill>
+                  <a:schemeClr val="bg1"/>
+                </a:solidFill>
+                <a:latin typeface="Times New Roman" panose="02020603050405020304" charset="0"/>
+                <a:ea typeface="黑体" panose="02010609060101010101" charset="-122"/>
+                <a:cs typeface="Times New Roman" panose="02020603050405020304" charset="0"/>
+              </a:rPr>
+              <a:t>-</a:t>
+            </a:r>
+            <a:r>
+              <a:rPr lang="zh-CN" altLang="en-US" sz="4400" b="1" dirty="0">
+                <a:solidFill>
+                  <a:schemeClr val="bg1"/>
+                </a:solidFill>
+                <a:latin typeface="Times New Roman" panose="02020603050405020304" charset="0"/>
+                <a:ea typeface="黑体" panose="02010609060101010101" charset="-122"/>
+                <a:cs typeface="Times New Roman" panose="02020603050405020304" charset="0"/>
+              </a:rPr>
+              <a:t>仿真</a:t>
+            </a:r>
+          </a:p>
+        </p:txBody>
+      </p:sp>
+      <p:sp>
+        <p:nvSpPr>
+          <p:cNvPr id="33" name="Rectangle 3"/>
+          <p:cNvSpPr txBox="1">
+            <a:spLocks noChangeArrowheads="1"/>
+          </p:cNvSpPr>
+          <p:nvPr/>
+        </p:nvSpPr>
+        <p:spPr bwMode="auto">
+          <a:xfrm>
+            <a:off x="65405" y="1584960"/>
+            <a:ext cx="8971915" cy="3692434"/>
+          </a:xfrm>
+          <a:prstGeom prst="rect">
+            <a:avLst/>
+          </a:prstGeom>
+          <a:ln w="12700" cap="flat" cmpd="sng" algn="ctr">
+            <a:noFill/>
+            <a:prstDash val="solid"/>
+            <a:headEnd type="oval" w="med" len="med"/>
+            <a:tailEnd type="stealth" w="lg" len="lg"/>
+          </a:ln>
+        </p:spPr>
+        <p:style>
+          <a:lnRef idx="1">
+            <a:schemeClr val="accent1"/>
+          </a:lnRef>
+          <a:fillRef idx="0">
+            <a:schemeClr val="accent1"/>
+          </a:fillRef>
+          <a:effectRef idx="0">
+            <a:schemeClr val="accent1"/>
+          </a:effectRef>
+          <a:fontRef idx="minor">
+            <a:schemeClr val="tx1"/>
+          </a:fontRef>
+        </p:style>
+        <p:txBody>
+          <a:bodyPr/>
+          <a:lstStyle>
+            <a:lvl1pPr marL="342900" indent="-342900" algn="l" rtl="0" eaLnBrk="0" fontAlgn="base" hangingPunct="0">
+              <a:spcBef>
+                <a:spcPct val="20000"/>
+              </a:spcBef>
+              <a:spcAft>
+                <a:spcPct val="0"/>
+              </a:spcAft>
+              <a:buFont typeface="Wingdings" panose="05000000000000000000" charset="0"/>
+              <a:buChar char="l"/>
+              <a:defRPr kumimoji="1" sz="2800">
+                <a:solidFill>
+                  <a:schemeClr val="tx1"/>
+                </a:solidFill>
+                <a:latin typeface="+mn-lt"/>
+                <a:ea typeface="+mn-ea"/>
+                <a:cs typeface="+mn-cs"/>
+              </a:defRPr>
+            </a:lvl1pPr>
+            <a:lvl2pPr marL="742950" indent="-285750" algn="l" rtl="0" eaLnBrk="0" fontAlgn="base" hangingPunct="0">
+              <a:spcBef>
+                <a:spcPct val="20000"/>
+              </a:spcBef>
+              <a:spcAft>
+                <a:spcPct val="0"/>
+              </a:spcAft>
+              <a:buFont typeface="Wingdings" panose="05000000000000000000" charset="0"/>
+              <a:buChar char="–"/>
+              <a:defRPr kumimoji="1" sz="2400">
+                <a:solidFill>
+                  <a:schemeClr val="tx1"/>
+                </a:solidFill>
+                <a:latin typeface="+mn-lt"/>
+                <a:ea typeface="+mn-ea"/>
+                <a:cs typeface="+mn-cs"/>
+              </a:defRPr>
+            </a:lvl2pPr>
+            <a:lvl3pPr marL="1143000" indent="-228600" algn="l" rtl="0" eaLnBrk="0" fontAlgn="base" hangingPunct="0">
+              <a:spcBef>
+                <a:spcPct val="20000"/>
+              </a:spcBef>
+              <a:spcAft>
+                <a:spcPct val="0"/>
+              </a:spcAft>
+              <a:buFont typeface="Wingdings" panose="05000000000000000000" charset="0"/>
+              <a:buChar char="l"/>
+              <a:defRPr kumimoji="1" sz="2000">
+                <a:solidFill>
+                  <a:schemeClr val="tx1"/>
+                </a:solidFill>
+                <a:latin typeface="+mn-lt"/>
+                <a:ea typeface="+mn-ea"/>
+                <a:cs typeface="+mn-cs"/>
+              </a:defRPr>
+            </a:lvl3pPr>
+            <a:lvl4pPr marL="1600200" indent="-228600" algn="l" rtl="0" eaLnBrk="0" fontAlgn="base" hangingPunct="0">
+              <a:spcBef>
+                <a:spcPct val="20000"/>
+              </a:spcBef>
+              <a:spcAft>
+                <a:spcPct val="0"/>
+              </a:spcAft>
+              <a:buFont typeface="Wingdings" panose="05000000000000000000" charset="0"/>
+              <a:buChar char="–"/>
+              <a:defRPr kumimoji="1" sz="2000">
+                <a:solidFill>
+                  <a:schemeClr val="tx1"/>
+                </a:solidFill>
+                <a:latin typeface="+mn-lt"/>
+                <a:ea typeface="+mn-ea"/>
+                <a:cs typeface="+mn-cs"/>
+              </a:defRPr>
+            </a:lvl4pPr>
+            <a:lvl5pPr marL="2057400" indent="-228600" algn="l" rtl="0" eaLnBrk="0" fontAlgn="base" hangingPunct="0">
+              <a:spcBef>
+                <a:spcPct val="20000"/>
+              </a:spcBef>
+              <a:spcAft>
+                <a:spcPct val="0"/>
+              </a:spcAft>
+              <a:buFont typeface="Wingdings" panose="05000000000000000000" charset="0"/>
+              <a:buChar char="l"/>
+              <a:defRPr kumimoji="1" sz="2000">
+                <a:solidFill>
+                  <a:schemeClr val="tx1"/>
+                </a:solidFill>
+                <a:latin typeface="+mn-lt"/>
+                <a:ea typeface="+mn-ea"/>
+                <a:cs typeface="+mn-cs"/>
+              </a:defRPr>
+            </a:lvl5pPr>
+            <a:lvl6pPr marL="2514600" indent="-228600" algn="l" rtl="0" eaLnBrk="0" fontAlgn="base" hangingPunct="0">
+              <a:spcBef>
+                <a:spcPct val="20000"/>
+              </a:spcBef>
+              <a:spcAft>
+                <a:spcPct val="0"/>
+              </a:spcAft>
+              <a:buFont typeface="Wingdings" panose="05000000000000000000" pitchFamily="2" charset="2"/>
+              <a:buChar char="l"/>
+              <a:defRPr>
+                <a:solidFill>
+                  <a:schemeClr val="tx1"/>
+                </a:solidFill>
+                <a:latin typeface="+mn-lt"/>
+                <a:ea typeface="+mn-ea"/>
+                <a:cs typeface="+mn-cs"/>
+              </a:defRPr>
+            </a:lvl6pPr>
+            <a:lvl7pPr marL="2971800" indent="-228600" algn="l" rtl="0" eaLnBrk="0" fontAlgn="base" hangingPunct="0">
+              <a:spcBef>
+                <a:spcPct val="20000"/>
+              </a:spcBef>
+              <a:spcAft>
+                <a:spcPct val="0"/>
+              </a:spcAft>
+              <a:buFont typeface="Wingdings" panose="05000000000000000000" pitchFamily="2" charset="2"/>
+              <a:buChar char="l"/>
+              <a:defRPr>
+                <a:solidFill>
+                  <a:schemeClr val="tx1"/>
+                </a:solidFill>
+                <a:latin typeface="+mn-lt"/>
+                <a:ea typeface="+mn-ea"/>
+                <a:cs typeface="+mn-cs"/>
+              </a:defRPr>
+            </a:lvl7pPr>
+            <a:lvl8pPr marL="3429000" indent="-228600" algn="l" rtl="0" eaLnBrk="0" fontAlgn="base" hangingPunct="0">
+              <a:spcBef>
+                <a:spcPct val="20000"/>
+              </a:spcBef>
+              <a:spcAft>
+                <a:spcPct val="0"/>
+              </a:spcAft>
+              <a:buFont typeface="Wingdings" panose="05000000000000000000" pitchFamily="2" charset="2"/>
+              <a:buChar char="l"/>
+              <a:defRPr>
+                <a:solidFill>
+                  <a:schemeClr val="tx1"/>
+                </a:solidFill>
+                <a:latin typeface="+mn-lt"/>
+                <a:ea typeface="+mn-ea"/>
+                <a:cs typeface="+mn-cs"/>
+              </a:defRPr>
+            </a:lvl8pPr>
+            <a:lvl9pPr marL="3886200" indent="-228600" algn="l" rtl="0" eaLnBrk="0" fontAlgn="base" hangingPunct="0">
+              <a:spcBef>
+                <a:spcPct val="20000"/>
+              </a:spcBef>
+              <a:spcAft>
+                <a:spcPct val="0"/>
+              </a:spcAft>
+              <a:buFont typeface="Wingdings" panose="05000000000000000000" pitchFamily="2" charset="2"/>
+              <a:buChar char="l"/>
+              <a:defRPr>
+                <a:solidFill>
+                  <a:schemeClr val="tx1"/>
+                </a:solidFill>
+                <a:latin typeface="+mn-lt"/>
+                <a:ea typeface="+mn-ea"/>
+                <a:cs typeface="+mn-cs"/>
+              </a:defRPr>
+            </a:lvl9pPr>
+          </a:lstStyle>
+          <a:p>
+            <a:pPr marL="342900" lvl="1" indent="-342900" eaLnBrk="1" hangingPunct="1">
+              <a:spcBef>
+                <a:spcPts val="600"/>
+              </a:spcBef>
+              <a:buClr>
+                <a:srgbClr val="000000"/>
+              </a:buClr>
+              <a:buFont typeface="Wingdings" panose="05000000000000000000" pitchFamily="2" charset="2"/>
+              <a:buChar char="l"/>
+              <a:defRPr/>
+            </a:pPr>
+            <a:r>
+              <a:rPr lang="zh-CN" altLang="en-US" sz="3200" b="1" noProof="1">
+                <a:solidFill>
+                  <a:srgbClr val="000000"/>
+                </a:solidFill>
+                <a:latin typeface="Times New Roman" panose="02020603050405020304" charset="0"/>
+                <a:ea typeface="黑体" panose="02010609060101010101" charset="-122"/>
+                <a:cs typeface="Times New Roman" panose="02020603050405020304" charset="0"/>
+                <a:sym typeface="+mn-ea"/>
+              </a:rPr>
+              <a:t>仿真条件：</a:t>
+            </a:r>
+            <a:endParaRPr lang="en-US" altLang="zh-CN" sz="3200" b="1" noProof="1">
+              <a:solidFill>
+                <a:srgbClr val="000000"/>
+              </a:solidFill>
+              <a:latin typeface="Times New Roman" panose="02020603050405020304" charset="0"/>
+              <a:ea typeface="黑体" panose="02010609060101010101" charset="-122"/>
+              <a:cs typeface="Times New Roman" panose="02020603050405020304" charset="0"/>
+              <a:sym typeface="+mn-ea"/>
+            </a:endParaRPr>
+          </a:p>
+          <a:p>
+            <a:pPr marL="742950" lvl="2" indent="-342900" eaLnBrk="1" hangingPunct="1">
+              <a:spcBef>
+                <a:spcPts val="600"/>
+              </a:spcBef>
+              <a:buClr>
+                <a:srgbClr val="000000"/>
+              </a:buClr>
+              <a:buFont typeface="Wingdings" panose="05000000000000000000" pitchFamily="2" charset="2"/>
+              <a:buChar char="l"/>
+              <a:defRPr/>
+            </a:pPr>
+            <a:r>
+              <a:rPr lang="zh-CN" altLang="en-US" sz="2800" b="1" noProof="1">
+                <a:solidFill>
+                  <a:srgbClr val="000000"/>
+                </a:solidFill>
+                <a:latin typeface="Times New Roman" panose="02020603050405020304" charset="0"/>
+                <a:ea typeface="黑体" panose="02010609060101010101" charset="-122"/>
+                <a:cs typeface="Times New Roman" panose="02020603050405020304" charset="0"/>
+                <a:sym typeface="+mn-ea"/>
+              </a:rPr>
+              <a:t>待编码比特数 </a:t>
+            </a:r>
+            <a:r>
+              <a:rPr lang="en-US" altLang="zh-CN" sz="2800" b="1" noProof="1">
+                <a:solidFill>
+                  <a:srgbClr val="000000"/>
+                </a:solidFill>
+                <a:latin typeface="Times New Roman" panose="02020603050405020304" charset="0"/>
+                <a:ea typeface="黑体" panose="02010609060101010101" charset="-122"/>
+                <a:cs typeface="Times New Roman" panose="02020603050405020304" charset="0"/>
+                <a:sym typeface="+mn-ea"/>
+              </a:rPr>
+              <a:t>N0</a:t>
+            </a:r>
+            <a:r>
+              <a:rPr lang="zh-CN" altLang="en-US" sz="2800" b="1" noProof="1">
+                <a:solidFill>
+                  <a:srgbClr val="000000"/>
+                </a:solidFill>
+                <a:latin typeface="Times New Roman" panose="02020603050405020304" charset="0"/>
+                <a:ea typeface="黑体" panose="02010609060101010101" charset="-122"/>
+                <a:cs typeface="Times New Roman" panose="02020603050405020304" charset="0"/>
+                <a:sym typeface="+mn-ea"/>
+              </a:rPr>
+              <a:t>：</a:t>
+            </a:r>
+            <a:r>
+              <a:rPr lang="en-US" altLang="zh-CN" sz="2800" b="1" noProof="1">
+                <a:solidFill>
+                  <a:srgbClr val="000000"/>
+                </a:solidFill>
+                <a:latin typeface="Times New Roman" panose="02020603050405020304" charset="0"/>
+                <a:ea typeface="黑体" panose="02010609060101010101" charset="-122"/>
+                <a:cs typeface="Times New Roman" panose="02020603050405020304" charset="0"/>
+                <a:sym typeface="+mn-ea"/>
+              </a:rPr>
+              <a:t>300</a:t>
+            </a:r>
+          </a:p>
+          <a:p>
+            <a:pPr marL="742950" lvl="2" indent="-342900" eaLnBrk="1" hangingPunct="1">
+              <a:spcBef>
+                <a:spcPts val="600"/>
+              </a:spcBef>
+              <a:buClr>
+                <a:srgbClr val="000000"/>
+              </a:buClr>
+              <a:buFont typeface="Wingdings" panose="05000000000000000000" pitchFamily="2" charset="2"/>
+              <a:buChar char="l"/>
+              <a:defRPr/>
+            </a:pPr>
+            <a:r>
+              <a:rPr lang="zh-CN" altLang="en-US" sz="2800" b="1" noProof="1">
+                <a:solidFill>
+                  <a:srgbClr val="000000"/>
+                </a:solidFill>
+                <a:latin typeface="Times New Roman" panose="02020603050405020304" charset="0"/>
+                <a:ea typeface="黑体" panose="02010609060101010101" charset="-122"/>
+                <a:cs typeface="Times New Roman" panose="02020603050405020304" charset="0"/>
+                <a:sym typeface="+mn-ea"/>
+              </a:rPr>
+              <a:t>发送比特数 </a:t>
+            </a:r>
+            <a:r>
+              <a:rPr lang="en-US" altLang="zh-CN" sz="2800" b="1" noProof="1">
+                <a:solidFill>
+                  <a:srgbClr val="000000"/>
+                </a:solidFill>
+                <a:latin typeface="Times New Roman" panose="02020603050405020304" charset="0"/>
+                <a:ea typeface="黑体" panose="02010609060101010101" charset="-122"/>
+                <a:cs typeface="Times New Roman" panose="02020603050405020304" charset="0"/>
+                <a:sym typeface="+mn-ea"/>
+              </a:rPr>
+              <a:t>N</a:t>
+            </a:r>
+            <a:r>
+              <a:rPr lang="zh-CN" altLang="en-US" sz="2800" b="1" noProof="1">
+                <a:solidFill>
+                  <a:srgbClr val="000000"/>
+                </a:solidFill>
+                <a:latin typeface="Times New Roman" panose="02020603050405020304" charset="0"/>
+                <a:ea typeface="黑体" panose="02010609060101010101" charset="-122"/>
+                <a:cs typeface="Times New Roman" panose="02020603050405020304" charset="0"/>
+                <a:sym typeface="+mn-ea"/>
+              </a:rPr>
+              <a:t>：</a:t>
+            </a:r>
+            <a:r>
+              <a:rPr lang="en-US" altLang="zh-CN" sz="2800" b="1" noProof="1">
+                <a:solidFill>
+                  <a:srgbClr val="000000"/>
+                </a:solidFill>
+                <a:latin typeface="Times New Roman" panose="02020603050405020304" charset="0"/>
+                <a:ea typeface="黑体" panose="02010609060101010101" charset="-122"/>
+                <a:cs typeface="Times New Roman" panose="02020603050405020304" charset="0"/>
+                <a:sym typeface="+mn-ea"/>
+              </a:rPr>
+              <a:t>800</a:t>
+            </a:r>
+          </a:p>
+          <a:p>
+            <a:pPr marL="742950" lvl="2" indent="-342900" eaLnBrk="1" hangingPunct="1">
+              <a:spcBef>
+                <a:spcPts val="600"/>
+              </a:spcBef>
+              <a:buClr>
+                <a:srgbClr val="000000"/>
+              </a:buClr>
+              <a:buFont typeface="Wingdings" panose="05000000000000000000" pitchFamily="2" charset="2"/>
+              <a:buChar char="l"/>
+              <a:defRPr/>
+            </a:pPr>
+            <a:r>
+              <a:rPr lang="zh-CN" altLang="en-US" sz="2800" b="1" noProof="1">
+                <a:solidFill>
+                  <a:srgbClr val="000000"/>
+                </a:solidFill>
+                <a:latin typeface="Times New Roman" panose="02020603050405020304" charset="0"/>
+                <a:ea typeface="黑体" panose="02010609060101010101" charset="-122"/>
+                <a:cs typeface="Times New Roman" panose="02020603050405020304" charset="0"/>
+                <a:sym typeface="+mn-ea"/>
+              </a:rPr>
+              <a:t>采样数 </a:t>
+            </a:r>
+            <a:r>
+              <a:rPr lang="en-US" altLang="zh-CN" sz="2800" b="1" noProof="1">
+                <a:solidFill>
+                  <a:srgbClr val="000000"/>
+                </a:solidFill>
+                <a:latin typeface="Times New Roman" panose="02020603050405020304" charset="0"/>
+                <a:ea typeface="黑体" panose="02010609060101010101" charset="-122"/>
+                <a:cs typeface="Times New Roman" panose="02020603050405020304" charset="0"/>
+                <a:sym typeface="+mn-ea"/>
+              </a:rPr>
+              <a:t>T</a:t>
+            </a:r>
+            <a:r>
+              <a:rPr lang="zh-CN" altLang="en-US" sz="2800" b="1" noProof="1">
+                <a:solidFill>
+                  <a:srgbClr val="000000"/>
+                </a:solidFill>
+                <a:latin typeface="Times New Roman" panose="02020603050405020304" charset="0"/>
+                <a:ea typeface="黑体" panose="02010609060101010101" charset="-122"/>
+                <a:cs typeface="Times New Roman" panose="02020603050405020304" charset="0"/>
+                <a:sym typeface="+mn-ea"/>
+              </a:rPr>
+              <a:t>：</a:t>
+            </a:r>
+            <a:r>
+              <a:rPr lang="en-US" altLang="zh-CN" sz="2800" b="1" noProof="1">
+                <a:solidFill>
+                  <a:srgbClr val="000000"/>
+                </a:solidFill>
+                <a:latin typeface="Times New Roman" panose="02020603050405020304" charset="0"/>
+                <a:ea typeface="黑体" panose="02010609060101010101" charset="-122"/>
+                <a:cs typeface="Times New Roman" panose="02020603050405020304" charset="0"/>
+                <a:sym typeface="+mn-ea"/>
+              </a:rPr>
+              <a:t>10</a:t>
+            </a:r>
+          </a:p>
+          <a:p>
+            <a:pPr marL="742950" lvl="2" indent="-342900" eaLnBrk="1" hangingPunct="1">
+              <a:spcBef>
+                <a:spcPts val="600"/>
+              </a:spcBef>
+              <a:buClr>
+                <a:srgbClr val="000000"/>
+              </a:buClr>
+              <a:buFont typeface="Wingdings" panose="05000000000000000000" pitchFamily="2" charset="2"/>
+              <a:buChar char="l"/>
+              <a:defRPr/>
+            </a:pPr>
+            <a:r>
+              <a:rPr lang="zh-CN" altLang="en-US" sz="2800" b="1" noProof="1">
+                <a:solidFill>
+                  <a:srgbClr val="000000"/>
+                </a:solidFill>
+                <a:latin typeface="Times New Roman" panose="02020603050405020304" charset="0"/>
+                <a:ea typeface="黑体" panose="02010609060101010101" charset="-122"/>
+                <a:cs typeface="Times New Roman" panose="02020603050405020304" charset="0"/>
+                <a:sym typeface="+mn-ea"/>
+              </a:rPr>
+              <a:t>实验次数：</a:t>
+            </a:r>
+            <a:r>
+              <a:rPr lang="en-US" altLang="zh-CN" sz="2800" b="1" noProof="1">
+                <a:solidFill>
+                  <a:srgbClr val="000000"/>
+                </a:solidFill>
+                <a:latin typeface="Times New Roman" panose="02020603050405020304" charset="0"/>
+                <a:ea typeface="黑体" panose="02010609060101010101" charset="-122"/>
+                <a:cs typeface="Times New Roman" panose="02020603050405020304" charset="0"/>
+                <a:sym typeface="+mn-ea"/>
+              </a:rPr>
+              <a:t>100</a:t>
+            </a:r>
+          </a:p>
+          <a:p>
+            <a:pPr marL="742950" lvl="2" indent="-342900" eaLnBrk="1" hangingPunct="1">
+              <a:spcBef>
+                <a:spcPts val="600"/>
+              </a:spcBef>
+              <a:buClr>
+                <a:srgbClr val="000000"/>
+              </a:buClr>
+              <a:buFont typeface="Wingdings" panose="05000000000000000000" pitchFamily="2" charset="2"/>
+              <a:buChar char="l"/>
+              <a:defRPr/>
+            </a:pPr>
+            <a:r>
+              <a:rPr lang="zh-CN" altLang="en-US" sz="2800" b="1" noProof="1">
+                <a:solidFill>
+                  <a:srgbClr val="000000"/>
+                </a:solidFill>
+                <a:latin typeface="Times New Roman" panose="02020603050405020304" charset="0"/>
+                <a:ea typeface="黑体" panose="02010609060101010101" charset="-122"/>
+                <a:cs typeface="Times New Roman" panose="02020603050405020304" charset="0"/>
+                <a:sym typeface="+mn-ea"/>
+              </a:rPr>
+              <a:t>每符号比特数：</a:t>
+            </a:r>
+            <a:r>
+              <a:rPr lang="en-US" altLang="zh-CN" sz="2800" b="1" noProof="1">
+                <a:solidFill>
+                  <a:srgbClr val="000000"/>
+                </a:solidFill>
+                <a:latin typeface="Times New Roman" panose="02020603050405020304" charset="0"/>
+                <a:ea typeface="黑体" panose="02010609060101010101" charset="-122"/>
+                <a:cs typeface="Times New Roman" panose="02020603050405020304" charset="0"/>
+                <a:sym typeface="+mn-ea"/>
+              </a:rPr>
+              <a:t>1</a:t>
+            </a:r>
+          </a:p>
+        </p:txBody>
+      </p:sp>
+    </p:spTree>
+    <p:extLst>
+      <p:ext uri="{BB962C8B-B14F-4D97-AF65-F5344CB8AC3E}">
+        <p14:creationId xmlns:p14="http://schemas.microsoft.com/office/powerpoint/2010/main" val="1111387129"/>
+      </p:ext>
+    </p:extLst>
+  </p:cSld>
+  <p:clrMapOvr>
+    <a:masterClrMapping/>
+  </p:clrMapOvr>
+  <mc:AlternateContent xmlns:mc="http://schemas.openxmlformats.org/markup-compatibility/2006">
+    <mc:Choice xmlns:p14="http://schemas.microsoft.com/office/powerpoint/2010/main" Requires="p14">
+      <p:transition spd="med" p14:dur="700">
+        <p:fade/>
+      </p:transition>
+    </mc:Choice>
+    <mc:Fallback>
+      <p:transition spd="med">
+        <p:fade/>
+      </p:transition>
+    </mc:Fallback>
+  </mc:AlternateContent>
 </p:sld>
 </file>
 
@@ -13950,6 +19226,1825 @@
 </p:sld>
 </file>
 
+<file path=ppt/slides/slide20.xml><?xml version="1.0" encoding="utf-8"?>
+<p:sld xmlns:a="http://schemas.openxmlformats.org/drawingml/2006/main" xmlns:r="http://schemas.openxmlformats.org/officeDocument/2006/relationships" xmlns:p="http://schemas.openxmlformats.org/presentationml/2006/main">
+  <p:cSld>
+    <p:spTree>
+      <p:nvGrpSpPr>
+        <p:cNvPr id="1" name=""/>
+        <p:cNvGrpSpPr/>
+        <p:nvPr/>
+      </p:nvGrpSpPr>
+      <p:grpSpPr>
+        <a:xfrm>
+          <a:off x="0" y="0"/>
+          <a:ext cx="0" cy="0"/>
+          <a:chOff x="0" y="0"/>
+          <a:chExt cx="0" cy="0"/>
+        </a:xfrm>
+      </p:grpSpPr>
+      <p:sp>
+        <p:nvSpPr>
+          <p:cNvPr id="11" name="矩形 10"/>
+          <p:cNvSpPr/>
+          <p:nvPr/>
+        </p:nvSpPr>
+        <p:spPr>
+          <a:xfrm>
+            <a:off x="-13648" y="0"/>
+            <a:ext cx="9157648" cy="1202643"/>
+          </a:xfrm>
+          <a:prstGeom prst="rect">
+            <a:avLst/>
+          </a:prstGeom>
+          <a:solidFill>
+            <a:srgbClr val="5C307D"/>
+          </a:solidFill>
+          <a:ln>
+            <a:noFill/>
+          </a:ln>
+        </p:spPr>
+        <p:style>
+          <a:lnRef idx="2">
+            <a:schemeClr val="accent1">
+              <a:shade val="50000"/>
+            </a:schemeClr>
+          </a:lnRef>
+          <a:fillRef idx="1">
+            <a:schemeClr val="accent1"/>
+          </a:fillRef>
+          <a:effectRef idx="0">
+            <a:schemeClr val="accent1"/>
+          </a:effectRef>
+          <a:fontRef idx="minor">
+            <a:schemeClr val="lt1"/>
+          </a:fontRef>
+        </p:style>
+        <p:txBody>
+          <a:bodyPr rtlCol="0" anchor="ctr"/>
+          <a:lstStyle/>
+          <a:p>
+            <a:pPr algn="ctr"/>
+            <a:endParaRPr lang="zh-CN" altLang="en-US"/>
+          </a:p>
+        </p:txBody>
+      </p:sp>
+      <p:grpSp>
+        <p:nvGrpSpPr>
+          <p:cNvPr id="43" name="组合 42"/>
+          <p:cNvGrpSpPr/>
+          <p:nvPr/>
+        </p:nvGrpSpPr>
+        <p:grpSpPr>
+          <a:xfrm>
+            <a:off x="0" y="1305569"/>
+            <a:ext cx="9144000" cy="56736"/>
+            <a:chOff x="30834" y="1305568"/>
+            <a:chExt cx="8816454" cy="66133"/>
+          </a:xfrm>
+        </p:grpSpPr>
+        <p:sp>
+          <p:nvSpPr>
+            <p:cNvPr id="14" name="矩形 13"/>
+            <p:cNvSpPr/>
+            <p:nvPr/>
+          </p:nvSpPr>
+          <p:spPr>
+            <a:xfrm>
+              <a:off x="30834" y="1305568"/>
+              <a:ext cx="5800300" cy="65989"/>
+            </a:xfrm>
+            <a:prstGeom prst="rect">
+              <a:avLst/>
+            </a:prstGeom>
+            <a:solidFill>
+              <a:schemeClr val="bg1">
+                <a:lumMod val="75000"/>
+              </a:schemeClr>
+            </a:solidFill>
+            <a:ln>
+              <a:noFill/>
+            </a:ln>
+          </p:spPr>
+          <p:style>
+            <a:lnRef idx="2">
+              <a:schemeClr val="accent1">
+                <a:shade val="50000"/>
+              </a:schemeClr>
+            </a:lnRef>
+            <a:fillRef idx="1">
+              <a:schemeClr val="accent1"/>
+            </a:fillRef>
+            <a:effectRef idx="0">
+              <a:schemeClr val="accent1"/>
+            </a:effectRef>
+            <a:fontRef idx="minor">
+              <a:schemeClr val="lt1"/>
+            </a:fontRef>
+          </p:style>
+          <p:txBody>
+            <a:bodyPr rtlCol="0" anchor="ctr"/>
+            <a:lstStyle/>
+            <a:p>
+              <a:pPr algn="ctr"/>
+              <a:endParaRPr lang="zh-CN" altLang="en-US"/>
+            </a:p>
+          </p:txBody>
+        </p:sp>
+        <p:sp>
+          <p:nvSpPr>
+            <p:cNvPr id="15" name="矩形 14"/>
+            <p:cNvSpPr/>
+            <p:nvPr/>
+          </p:nvSpPr>
+          <p:spPr>
+            <a:xfrm>
+              <a:off x="5886861" y="1305712"/>
+              <a:ext cx="2960427" cy="65989"/>
+            </a:xfrm>
+            <a:prstGeom prst="rect">
+              <a:avLst/>
+            </a:prstGeom>
+            <a:solidFill>
+              <a:srgbClr val="5C307D"/>
+            </a:solidFill>
+            <a:ln>
+              <a:noFill/>
+            </a:ln>
+          </p:spPr>
+          <p:style>
+            <a:lnRef idx="2">
+              <a:schemeClr val="accent1">
+                <a:shade val="50000"/>
+              </a:schemeClr>
+            </a:lnRef>
+            <a:fillRef idx="1">
+              <a:schemeClr val="accent1"/>
+            </a:fillRef>
+            <a:effectRef idx="0">
+              <a:schemeClr val="accent1"/>
+            </a:effectRef>
+            <a:fontRef idx="minor">
+              <a:schemeClr val="lt1"/>
+            </a:fontRef>
+          </p:style>
+          <p:txBody>
+            <a:bodyPr rtlCol="0" anchor="ctr"/>
+            <a:lstStyle/>
+            <a:p>
+              <a:pPr algn="ctr"/>
+              <a:endParaRPr lang="zh-CN" altLang="en-US"/>
+            </a:p>
+          </p:txBody>
+        </p:sp>
+      </p:grpSp>
+      <p:sp>
+        <p:nvSpPr>
+          <p:cNvPr id="2" name="文本框 1"/>
+          <p:cNvSpPr txBox="1"/>
+          <p:nvPr/>
+        </p:nvSpPr>
+        <p:spPr>
+          <a:xfrm>
+            <a:off x="163830" y="217170"/>
+            <a:ext cx="7673896" cy="769441"/>
+          </a:xfrm>
+          <a:prstGeom prst="rect">
+            <a:avLst/>
+          </a:prstGeom>
+          <a:noFill/>
+        </p:spPr>
+        <p:txBody>
+          <a:bodyPr wrap="none" rtlCol="0">
+            <a:spAutoFit/>
+          </a:bodyPr>
+          <a:lstStyle/>
+          <a:p>
+            <a:r>
+              <a:rPr lang="en-US" altLang="zh-CN" sz="4400" b="1" dirty="0">
+                <a:solidFill>
+                  <a:schemeClr val="bg1"/>
+                </a:solidFill>
+                <a:latin typeface="Times New Roman" panose="02020603050405020304" charset="0"/>
+                <a:ea typeface="黑体" panose="02010609060101010101" charset="-122"/>
+                <a:cs typeface="Times New Roman" panose="02020603050405020304" charset="0"/>
+              </a:rPr>
+              <a:t>(8, 3, 4) </a:t>
+            </a:r>
+            <a:r>
+              <a:rPr lang="zh-CN" altLang="en-US" sz="4400" b="1" dirty="0">
+                <a:solidFill>
+                  <a:schemeClr val="bg1"/>
+                </a:solidFill>
+                <a:latin typeface="Times New Roman" panose="02020603050405020304" charset="0"/>
+                <a:ea typeface="黑体" panose="02010609060101010101" charset="-122"/>
+                <a:cs typeface="Times New Roman" panose="02020603050405020304" charset="0"/>
+              </a:rPr>
+              <a:t>线性分组码</a:t>
+            </a:r>
+            <a:r>
+              <a:rPr lang="en-US" altLang="zh-CN" sz="4400" b="1" dirty="0">
+                <a:solidFill>
+                  <a:schemeClr val="bg1"/>
+                </a:solidFill>
+                <a:latin typeface="Times New Roman" panose="02020603050405020304" charset="0"/>
+                <a:ea typeface="黑体" panose="02010609060101010101" charset="-122"/>
+                <a:cs typeface="Times New Roman" panose="02020603050405020304" charset="0"/>
+              </a:rPr>
+              <a:t>-</a:t>
+            </a:r>
+            <a:r>
+              <a:rPr lang="zh-CN" altLang="en-US" sz="4400" b="1" dirty="0">
+                <a:solidFill>
+                  <a:schemeClr val="bg1"/>
+                </a:solidFill>
+                <a:latin typeface="Times New Roman" panose="02020603050405020304" charset="0"/>
+                <a:ea typeface="黑体" panose="02010609060101010101" charset="-122"/>
+                <a:cs typeface="Times New Roman" panose="02020603050405020304" charset="0"/>
+              </a:rPr>
+              <a:t>效果对比</a:t>
+            </a:r>
+          </a:p>
+        </p:txBody>
+      </p:sp>
+      <p:sp>
+        <p:nvSpPr>
+          <p:cNvPr id="33" name="Rectangle 3"/>
+          <p:cNvSpPr txBox="1">
+            <a:spLocks noChangeArrowheads="1"/>
+          </p:cNvSpPr>
+          <p:nvPr/>
+        </p:nvSpPr>
+        <p:spPr bwMode="auto">
+          <a:xfrm>
+            <a:off x="65405" y="1584960"/>
+            <a:ext cx="8971915" cy="3692434"/>
+          </a:xfrm>
+          <a:prstGeom prst="rect">
+            <a:avLst/>
+          </a:prstGeom>
+          <a:ln w="12700" cap="flat" cmpd="sng" algn="ctr">
+            <a:noFill/>
+            <a:prstDash val="solid"/>
+            <a:headEnd type="oval" w="med" len="med"/>
+            <a:tailEnd type="stealth" w="lg" len="lg"/>
+          </a:ln>
+        </p:spPr>
+        <p:style>
+          <a:lnRef idx="1">
+            <a:schemeClr val="accent1"/>
+          </a:lnRef>
+          <a:fillRef idx="0">
+            <a:schemeClr val="accent1"/>
+          </a:fillRef>
+          <a:effectRef idx="0">
+            <a:schemeClr val="accent1"/>
+          </a:effectRef>
+          <a:fontRef idx="minor">
+            <a:schemeClr val="tx1"/>
+          </a:fontRef>
+        </p:style>
+        <p:txBody>
+          <a:bodyPr/>
+          <a:lstStyle>
+            <a:lvl1pPr marL="342900" indent="-342900" algn="l" rtl="0" eaLnBrk="0" fontAlgn="base" hangingPunct="0">
+              <a:spcBef>
+                <a:spcPct val="20000"/>
+              </a:spcBef>
+              <a:spcAft>
+                <a:spcPct val="0"/>
+              </a:spcAft>
+              <a:buFont typeface="Wingdings" panose="05000000000000000000" charset="0"/>
+              <a:buChar char="l"/>
+              <a:defRPr kumimoji="1" sz="2800">
+                <a:solidFill>
+                  <a:schemeClr val="tx1"/>
+                </a:solidFill>
+                <a:latin typeface="+mn-lt"/>
+                <a:ea typeface="+mn-ea"/>
+                <a:cs typeface="+mn-cs"/>
+              </a:defRPr>
+            </a:lvl1pPr>
+            <a:lvl2pPr marL="742950" indent="-285750" algn="l" rtl="0" eaLnBrk="0" fontAlgn="base" hangingPunct="0">
+              <a:spcBef>
+                <a:spcPct val="20000"/>
+              </a:spcBef>
+              <a:spcAft>
+                <a:spcPct val="0"/>
+              </a:spcAft>
+              <a:buFont typeface="Wingdings" panose="05000000000000000000" charset="0"/>
+              <a:buChar char="–"/>
+              <a:defRPr kumimoji="1" sz="2400">
+                <a:solidFill>
+                  <a:schemeClr val="tx1"/>
+                </a:solidFill>
+                <a:latin typeface="+mn-lt"/>
+                <a:ea typeface="+mn-ea"/>
+                <a:cs typeface="+mn-cs"/>
+              </a:defRPr>
+            </a:lvl2pPr>
+            <a:lvl3pPr marL="1143000" indent="-228600" algn="l" rtl="0" eaLnBrk="0" fontAlgn="base" hangingPunct="0">
+              <a:spcBef>
+                <a:spcPct val="20000"/>
+              </a:spcBef>
+              <a:spcAft>
+                <a:spcPct val="0"/>
+              </a:spcAft>
+              <a:buFont typeface="Wingdings" panose="05000000000000000000" charset="0"/>
+              <a:buChar char="l"/>
+              <a:defRPr kumimoji="1" sz="2000">
+                <a:solidFill>
+                  <a:schemeClr val="tx1"/>
+                </a:solidFill>
+                <a:latin typeface="+mn-lt"/>
+                <a:ea typeface="+mn-ea"/>
+                <a:cs typeface="+mn-cs"/>
+              </a:defRPr>
+            </a:lvl3pPr>
+            <a:lvl4pPr marL="1600200" indent="-228600" algn="l" rtl="0" eaLnBrk="0" fontAlgn="base" hangingPunct="0">
+              <a:spcBef>
+                <a:spcPct val="20000"/>
+              </a:spcBef>
+              <a:spcAft>
+                <a:spcPct val="0"/>
+              </a:spcAft>
+              <a:buFont typeface="Wingdings" panose="05000000000000000000" charset="0"/>
+              <a:buChar char="–"/>
+              <a:defRPr kumimoji="1" sz="2000">
+                <a:solidFill>
+                  <a:schemeClr val="tx1"/>
+                </a:solidFill>
+                <a:latin typeface="+mn-lt"/>
+                <a:ea typeface="+mn-ea"/>
+                <a:cs typeface="+mn-cs"/>
+              </a:defRPr>
+            </a:lvl4pPr>
+            <a:lvl5pPr marL="2057400" indent="-228600" algn="l" rtl="0" eaLnBrk="0" fontAlgn="base" hangingPunct="0">
+              <a:spcBef>
+                <a:spcPct val="20000"/>
+              </a:spcBef>
+              <a:spcAft>
+                <a:spcPct val="0"/>
+              </a:spcAft>
+              <a:buFont typeface="Wingdings" panose="05000000000000000000" charset="0"/>
+              <a:buChar char="l"/>
+              <a:defRPr kumimoji="1" sz="2000">
+                <a:solidFill>
+                  <a:schemeClr val="tx1"/>
+                </a:solidFill>
+                <a:latin typeface="+mn-lt"/>
+                <a:ea typeface="+mn-ea"/>
+                <a:cs typeface="+mn-cs"/>
+              </a:defRPr>
+            </a:lvl5pPr>
+            <a:lvl6pPr marL="2514600" indent="-228600" algn="l" rtl="0" eaLnBrk="0" fontAlgn="base" hangingPunct="0">
+              <a:spcBef>
+                <a:spcPct val="20000"/>
+              </a:spcBef>
+              <a:spcAft>
+                <a:spcPct val="0"/>
+              </a:spcAft>
+              <a:buFont typeface="Wingdings" panose="05000000000000000000" pitchFamily="2" charset="2"/>
+              <a:buChar char="l"/>
+              <a:defRPr>
+                <a:solidFill>
+                  <a:schemeClr val="tx1"/>
+                </a:solidFill>
+                <a:latin typeface="+mn-lt"/>
+                <a:ea typeface="+mn-ea"/>
+                <a:cs typeface="+mn-cs"/>
+              </a:defRPr>
+            </a:lvl6pPr>
+            <a:lvl7pPr marL="2971800" indent="-228600" algn="l" rtl="0" eaLnBrk="0" fontAlgn="base" hangingPunct="0">
+              <a:spcBef>
+                <a:spcPct val="20000"/>
+              </a:spcBef>
+              <a:spcAft>
+                <a:spcPct val="0"/>
+              </a:spcAft>
+              <a:buFont typeface="Wingdings" panose="05000000000000000000" pitchFamily="2" charset="2"/>
+              <a:buChar char="l"/>
+              <a:defRPr>
+                <a:solidFill>
+                  <a:schemeClr val="tx1"/>
+                </a:solidFill>
+                <a:latin typeface="+mn-lt"/>
+                <a:ea typeface="+mn-ea"/>
+                <a:cs typeface="+mn-cs"/>
+              </a:defRPr>
+            </a:lvl7pPr>
+            <a:lvl8pPr marL="3429000" indent="-228600" algn="l" rtl="0" eaLnBrk="0" fontAlgn="base" hangingPunct="0">
+              <a:spcBef>
+                <a:spcPct val="20000"/>
+              </a:spcBef>
+              <a:spcAft>
+                <a:spcPct val="0"/>
+              </a:spcAft>
+              <a:buFont typeface="Wingdings" panose="05000000000000000000" pitchFamily="2" charset="2"/>
+              <a:buChar char="l"/>
+              <a:defRPr>
+                <a:solidFill>
+                  <a:schemeClr val="tx1"/>
+                </a:solidFill>
+                <a:latin typeface="+mn-lt"/>
+                <a:ea typeface="+mn-ea"/>
+                <a:cs typeface="+mn-cs"/>
+              </a:defRPr>
+            </a:lvl8pPr>
+            <a:lvl9pPr marL="3886200" indent="-228600" algn="l" rtl="0" eaLnBrk="0" fontAlgn="base" hangingPunct="0">
+              <a:spcBef>
+                <a:spcPct val="20000"/>
+              </a:spcBef>
+              <a:spcAft>
+                <a:spcPct val="0"/>
+              </a:spcAft>
+              <a:buFont typeface="Wingdings" panose="05000000000000000000" pitchFamily="2" charset="2"/>
+              <a:buChar char="l"/>
+              <a:defRPr>
+                <a:solidFill>
+                  <a:schemeClr val="tx1"/>
+                </a:solidFill>
+                <a:latin typeface="+mn-lt"/>
+                <a:ea typeface="+mn-ea"/>
+                <a:cs typeface="+mn-cs"/>
+              </a:defRPr>
+            </a:lvl9pPr>
+          </a:lstStyle>
+          <a:p>
+            <a:pPr marL="342900" lvl="1" indent="-342900" eaLnBrk="1" hangingPunct="1">
+              <a:spcBef>
+                <a:spcPts val="600"/>
+              </a:spcBef>
+              <a:buClr>
+                <a:srgbClr val="000000"/>
+              </a:buClr>
+              <a:buFont typeface="Wingdings" panose="05000000000000000000" pitchFamily="2" charset="2"/>
+              <a:buChar char="l"/>
+              <a:defRPr/>
+            </a:pPr>
+            <a:r>
+              <a:rPr lang="zh-CN" altLang="en-US" sz="3200" b="1" dirty="0">
+                <a:solidFill>
+                  <a:srgbClr val="000000"/>
+                </a:solidFill>
+                <a:latin typeface="Times New Roman" panose="02020603050405020304" charset="0"/>
+                <a:ea typeface="黑体" panose="02010609060101010101" charset="-122"/>
+                <a:cs typeface="Times New Roman" panose="02020603050405020304" charset="0"/>
+              </a:rPr>
+              <a:t>在各场景下，误码率均降低（实线为编码后）</a:t>
+            </a:r>
+            <a:endParaRPr lang="en-US" altLang="zh-CN" sz="3200" b="1" noProof="1">
+              <a:solidFill>
+                <a:srgbClr val="000000"/>
+              </a:solidFill>
+              <a:latin typeface="Times New Roman" panose="02020603050405020304" charset="0"/>
+              <a:ea typeface="黑体" panose="02010609060101010101" charset="-122"/>
+              <a:cs typeface="Times New Roman" panose="02020603050405020304" charset="0"/>
+              <a:sym typeface="+mn-ea"/>
+            </a:endParaRPr>
+          </a:p>
+        </p:txBody>
+      </p:sp>
+      <p:pic>
+        <p:nvPicPr>
+          <p:cNvPr id="4" name="图片 3">
+            <a:extLst>
+              <a:ext uri="{FF2B5EF4-FFF2-40B4-BE49-F238E27FC236}">
+                <a16:creationId xmlns:a16="http://schemas.microsoft.com/office/drawing/2014/main" id="{C647DFD6-4BB1-87E2-1F52-FA5EC2DB1CA4}"/>
+              </a:ext>
+            </a:extLst>
+          </p:cNvPr>
+          <p:cNvPicPr>
+            <a:picLocks noChangeAspect="1"/>
+          </p:cNvPicPr>
+          <p:nvPr/>
+        </p:nvPicPr>
+        <p:blipFill>
+          <a:blip r:embed="rId3"/>
+          <a:stretch>
+            <a:fillRect/>
+          </a:stretch>
+        </p:blipFill>
+        <p:spPr>
+          <a:xfrm>
+            <a:off x="-111301" y="2312126"/>
+            <a:ext cx="4923245" cy="3692434"/>
+          </a:xfrm>
+          <a:prstGeom prst="rect">
+            <a:avLst/>
+          </a:prstGeom>
+        </p:spPr>
+      </p:pic>
+      <p:pic>
+        <p:nvPicPr>
+          <p:cNvPr id="6" name="图片 5">
+            <a:extLst>
+              <a:ext uri="{FF2B5EF4-FFF2-40B4-BE49-F238E27FC236}">
+                <a16:creationId xmlns:a16="http://schemas.microsoft.com/office/drawing/2014/main" id="{054DB658-A10D-829C-DCF5-985229ADFD45}"/>
+              </a:ext>
+            </a:extLst>
+          </p:cNvPr>
+          <p:cNvPicPr>
+            <a:picLocks noChangeAspect="1"/>
+          </p:cNvPicPr>
+          <p:nvPr/>
+        </p:nvPicPr>
+        <p:blipFill>
+          <a:blip r:embed="rId4"/>
+          <a:stretch>
+            <a:fillRect/>
+          </a:stretch>
+        </p:blipFill>
+        <p:spPr>
+          <a:xfrm>
+            <a:off x="4114075" y="2312126"/>
+            <a:ext cx="4923245" cy="3692434"/>
+          </a:xfrm>
+          <a:prstGeom prst="rect">
+            <a:avLst/>
+          </a:prstGeom>
+        </p:spPr>
+      </p:pic>
+      <p:sp>
+        <p:nvSpPr>
+          <p:cNvPr id="7" name="文本框 6">
+            <a:extLst>
+              <a:ext uri="{FF2B5EF4-FFF2-40B4-BE49-F238E27FC236}">
+                <a16:creationId xmlns:a16="http://schemas.microsoft.com/office/drawing/2014/main" id="{7C3D7BD9-1648-5515-8CAC-14C0A4077C0D}"/>
+              </a:ext>
+            </a:extLst>
+          </p:cNvPr>
+          <p:cNvSpPr txBox="1"/>
+          <p:nvPr/>
+        </p:nvSpPr>
+        <p:spPr>
+          <a:xfrm>
+            <a:off x="1335772" y="6009459"/>
+            <a:ext cx="2029097" cy="468526"/>
+          </a:xfrm>
+          <a:prstGeom prst="rect">
+            <a:avLst/>
+          </a:prstGeom>
+          <a:noFill/>
+        </p:spPr>
+        <p:txBody>
+          <a:bodyPr wrap="square" rtlCol="0" anchor="t">
+            <a:spAutoFit/>
+          </a:bodyPr>
+          <a:lstStyle/>
+          <a:p>
+            <a:pPr algn="ctr">
+              <a:lnSpc>
+                <a:spcPts val="3200"/>
+              </a:lnSpc>
+              <a:buClr>
+                <a:srgbClr val="000000"/>
+              </a:buClr>
+            </a:pPr>
+            <a:r>
+              <a:rPr lang="zh-CN" altLang="en-US" sz="2400" b="1" dirty="0">
+                <a:solidFill>
+                  <a:schemeClr val="tx1"/>
+                </a:solidFill>
+                <a:latin typeface="Times New Roman" panose="02020603050405020304" charset="0"/>
+                <a:ea typeface="黑体" panose="02010609060101010101" charset="-122"/>
+                <a:cs typeface="Times New Roman" panose="02020603050405020304" charset="0"/>
+                <a:sym typeface="+mn-ea"/>
+              </a:rPr>
+              <a:t>情形一</a:t>
+            </a:r>
+          </a:p>
+        </p:txBody>
+      </p:sp>
+      <p:sp>
+        <p:nvSpPr>
+          <p:cNvPr id="8" name="文本框 7">
+            <a:extLst>
+              <a:ext uri="{FF2B5EF4-FFF2-40B4-BE49-F238E27FC236}">
+                <a16:creationId xmlns:a16="http://schemas.microsoft.com/office/drawing/2014/main" id="{F8F6985D-D4DE-2920-0EA8-318C695F8CAA}"/>
+              </a:ext>
+            </a:extLst>
+          </p:cNvPr>
+          <p:cNvSpPr txBox="1"/>
+          <p:nvPr/>
+        </p:nvSpPr>
+        <p:spPr>
+          <a:xfrm>
+            <a:off x="5561148" y="6000750"/>
+            <a:ext cx="2029097" cy="468526"/>
+          </a:xfrm>
+          <a:prstGeom prst="rect">
+            <a:avLst/>
+          </a:prstGeom>
+          <a:noFill/>
+        </p:spPr>
+        <p:txBody>
+          <a:bodyPr wrap="square" rtlCol="0" anchor="t">
+            <a:spAutoFit/>
+          </a:bodyPr>
+          <a:lstStyle/>
+          <a:p>
+            <a:pPr algn="ctr">
+              <a:lnSpc>
+                <a:spcPts val="3200"/>
+              </a:lnSpc>
+              <a:buClr>
+                <a:srgbClr val="000000"/>
+              </a:buClr>
+            </a:pPr>
+            <a:r>
+              <a:rPr lang="zh-CN" altLang="en-US" sz="2400" b="1" dirty="0">
+                <a:solidFill>
+                  <a:schemeClr val="tx1"/>
+                </a:solidFill>
+                <a:latin typeface="Times New Roman" panose="02020603050405020304" charset="0"/>
+                <a:ea typeface="黑体" panose="02010609060101010101" charset="-122"/>
+                <a:cs typeface="Times New Roman" panose="02020603050405020304" charset="0"/>
+                <a:sym typeface="+mn-ea"/>
+              </a:rPr>
+              <a:t>情形三</a:t>
+            </a:r>
+          </a:p>
+        </p:txBody>
+      </p:sp>
+    </p:spTree>
+    <p:extLst>
+      <p:ext uri="{BB962C8B-B14F-4D97-AF65-F5344CB8AC3E}">
+        <p14:creationId xmlns:p14="http://schemas.microsoft.com/office/powerpoint/2010/main" val="1540824401"/>
+      </p:ext>
+    </p:extLst>
+  </p:cSld>
+  <p:clrMapOvr>
+    <a:masterClrMapping/>
+  </p:clrMapOvr>
+  <mc:AlternateContent xmlns:mc="http://schemas.openxmlformats.org/markup-compatibility/2006">
+    <mc:Choice xmlns:p14="http://schemas.microsoft.com/office/powerpoint/2010/main" Requires="p14">
+      <p:transition spd="med" p14:dur="700">
+        <p:fade/>
+      </p:transition>
+    </mc:Choice>
+    <mc:Fallback>
+      <p:transition spd="med">
+        <p:fade/>
+      </p:transition>
+    </mc:Fallback>
+  </mc:AlternateContent>
+</p:sld>
+</file>
+
+<file path=ppt/slides/slide21.xml><?xml version="1.0" encoding="utf-8"?>
+<p:sld xmlns:a="http://schemas.openxmlformats.org/drawingml/2006/main" xmlns:r="http://schemas.openxmlformats.org/officeDocument/2006/relationships" xmlns:p="http://schemas.openxmlformats.org/presentationml/2006/main">
+  <p:cSld>
+    <p:spTree>
+      <p:nvGrpSpPr>
+        <p:cNvPr id="1" name=""/>
+        <p:cNvGrpSpPr/>
+        <p:nvPr/>
+      </p:nvGrpSpPr>
+      <p:grpSpPr>
+        <a:xfrm>
+          <a:off x="0" y="0"/>
+          <a:ext cx="0" cy="0"/>
+          <a:chOff x="0" y="0"/>
+          <a:chExt cx="0" cy="0"/>
+        </a:xfrm>
+      </p:grpSpPr>
+      <p:sp>
+        <p:nvSpPr>
+          <p:cNvPr id="11" name="矩形 10"/>
+          <p:cNvSpPr/>
+          <p:nvPr/>
+        </p:nvSpPr>
+        <p:spPr>
+          <a:xfrm>
+            <a:off x="-13648" y="0"/>
+            <a:ext cx="9157648" cy="1202643"/>
+          </a:xfrm>
+          <a:prstGeom prst="rect">
+            <a:avLst/>
+          </a:prstGeom>
+          <a:solidFill>
+            <a:srgbClr val="5C307D"/>
+          </a:solidFill>
+          <a:ln>
+            <a:noFill/>
+          </a:ln>
+        </p:spPr>
+        <p:style>
+          <a:lnRef idx="2">
+            <a:schemeClr val="accent1">
+              <a:shade val="50000"/>
+            </a:schemeClr>
+          </a:lnRef>
+          <a:fillRef idx="1">
+            <a:schemeClr val="accent1"/>
+          </a:fillRef>
+          <a:effectRef idx="0">
+            <a:schemeClr val="accent1"/>
+          </a:effectRef>
+          <a:fontRef idx="minor">
+            <a:schemeClr val="lt1"/>
+          </a:fontRef>
+        </p:style>
+        <p:txBody>
+          <a:bodyPr rtlCol="0" anchor="ctr"/>
+          <a:lstStyle/>
+          <a:p>
+            <a:pPr algn="ctr"/>
+            <a:endParaRPr lang="zh-CN" altLang="en-US"/>
+          </a:p>
+        </p:txBody>
+      </p:sp>
+      <p:grpSp>
+        <p:nvGrpSpPr>
+          <p:cNvPr id="43" name="组合 42"/>
+          <p:cNvGrpSpPr/>
+          <p:nvPr/>
+        </p:nvGrpSpPr>
+        <p:grpSpPr>
+          <a:xfrm>
+            <a:off x="0" y="1305569"/>
+            <a:ext cx="9144000" cy="56736"/>
+            <a:chOff x="30834" y="1305568"/>
+            <a:chExt cx="8816454" cy="66133"/>
+          </a:xfrm>
+        </p:grpSpPr>
+        <p:sp>
+          <p:nvSpPr>
+            <p:cNvPr id="14" name="矩形 13"/>
+            <p:cNvSpPr/>
+            <p:nvPr/>
+          </p:nvSpPr>
+          <p:spPr>
+            <a:xfrm>
+              <a:off x="30834" y="1305568"/>
+              <a:ext cx="5800300" cy="65989"/>
+            </a:xfrm>
+            <a:prstGeom prst="rect">
+              <a:avLst/>
+            </a:prstGeom>
+            <a:solidFill>
+              <a:schemeClr val="bg1">
+                <a:lumMod val="75000"/>
+              </a:schemeClr>
+            </a:solidFill>
+            <a:ln>
+              <a:noFill/>
+            </a:ln>
+          </p:spPr>
+          <p:style>
+            <a:lnRef idx="2">
+              <a:schemeClr val="accent1">
+                <a:shade val="50000"/>
+              </a:schemeClr>
+            </a:lnRef>
+            <a:fillRef idx="1">
+              <a:schemeClr val="accent1"/>
+            </a:fillRef>
+            <a:effectRef idx="0">
+              <a:schemeClr val="accent1"/>
+            </a:effectRef>
+            <a:fontRef idx="minor">
+              <a:schemeClr val="lt1"/>
+            </a:fontRef>
+          </p:style>
+          <p:txBody>
+            <a:bodyPr rtlCol="0" anchor="ctr"/>
+            <a:lstStyle/>
+            <a:p>
+              <a:pPr algn="ctr"/>
+              <a:endParaRPr lang="zh-CN" altLang="en-US"/>
+            </a:p>
+          </p:txBody>
+        </p:sp>
+        <p:sp>
+          <p:nvSpPr>
+            <p:cNvPr id="15" name="矩形 14"/>
+            <p:cNvSpPr/>
+            <p:nvPr/>
+          </p:nvSpPr>
+          <p:spPr>
+            <a:xfrm>
+              <a:off x="5886861" y="1305712"/>
+              <a:ext cx="2960427" cy="65989"/>
+            </a:xfrm>
+            <a:prstGeom prst="rect">
+              <a:avLst/>
+            </a:prstGeom>
+            <a:solidFill>
+              <a:srgbClr val="5C307D"/>
+            </a:solidFill>
+            <a:ln>
+              <a:noFill/>
+            </a:ln>
+          </p:spPr>
+          <p:style>
+            <a:lnRef idx="2">
+              <a:schemeClr val="accent1">
+                <a:shade val="50000"/>
+              </a:schemeClr>
+            </a:lnRef>
+            <a:fillRef idx="1">
+              <a:schemeClr val="accent1"/>
+            </a:fillRef>
+            <a:effectRef idx="0">
+              <a:schemeClr val="accent1"/>
+            </a:effectRef>
+            <a:fontRef idx="minor">
+              <a:schemeClr val="lt1"/>
+            </a:fontRef>
+          </p:style>
+          <p:txBody>
+            <a:bodyPr rtlCol="0" anchor="ctr"/>
+            <a:lstStyle/>
+            <a:p>
+              <a:pPr algn="ctr"/>
+              <a:endParaRPr lang="zh-CN" altLang="en-US"/>
+            </a:p>
+          </p:txBody>
+        </p:sp>
+      </p:grpSp>
+      <p:sp>
+        <p:nvSpPr>
+          <p:cNvPr id="2" name="文本框 1"/>
+          <p:cNvSpPr txBox="1"/>
+          <p:nvPr/>
+        </p:nvSpPr>
+        <p:spPr>
+          <a:xfrm>
+            <a:off x="163830" y="217170"/>
+            <a:ext cx="7673896" cy="769441"/>
+          </a:xfrm>
+          <a:prstGeom prst="rect">
+            <a:avLst/>
+          </a:prstGeom>
+          <a:noFill/>
+        </p:spPr>
+        <p:txBody>
+          <a:bodyPr wrap="none" rtlCol="0">
+            <a:spAutoFit/>
+          </a:bodyPr>
+          <a:lstStyle/>
+          <a:p>
+            <a:r>
+              <a:rPr lang="en-US" altLang="zh-CN" sz="4400" b="1" dirty="0">
+                <a:solidFill>
+                  <a:schemeClr val="bg1"/>
+                </a:solidFill>
+                <a:latin typeface="Times New Roman" panose="02020603050405020304" charset="0"/>
+                <a:ea typeface="黑体" panose="02010609060101010101" charset="-122"/>
+                <a:cs typeface="Times New Roman" panose="02020603050405020304" charset="0"/>
+              </a:rPr>
+              <a:t>(8, 3, 4) </a:t>
+            </a:r>
+            <a:r>
+              <a:rPr lang="zh-CN" altLang="en-US" sz="4400" b="1" dirty="0">
+                <a:solidFill>
+                  <a:schemeClr val="bg1"/>
+                </a:solidFill>
+                <a:latin typeface="Times New Roman" panose="02020603050405020304" charset="0"/>
+                <a:ea typeface="黑体" panose="02010609060101010101" charset="-122"/>
+                <a:cs typeface="Times New Roman" panose="02020603050405020304" charset="0"/>
+              </a:rPr>
+              <a:t>线性分组码</a:t>
+            </a:r>
+            <a:r>
+              <a:rPr lang="en-US" altLang="zh-CN" sz="4400" b="1" dirty="0">
+                <a:solidFill>
+                  <a:schemeClr val="bg1"/>
+                </a:solidFill>
+                <a:latin typeface="Times New Roman" panose="02020603050405020304" charset="0"/>
+                <a:ea typeface="黑体" panose="02010609060101010101" charset="-122"/>
+                <a:cs typeface="Times New Roman" panose="02020603050405020304" charset="0"/>
+              </a:rPr>
+              <a:t>-</a:t>
+            </a:r>
+            <a:r>
+              <a:rPr lang="zh-CN" altLang="en-US" sz="4400" b="1" dirty="0">
+                <a:solidFill>
+                  <a:schemeClr val="bg1"/>
+                </a:solidFill>
+                <a:latin typeface="Times New Roman" panose="02020603050405020304" charset="0"/>
+                <a:ea typeface="黑体" panose="02010609060101010101" charset="-122"/>
+                <a:cs typeface="Times New Roman" panose="02020603050405020304" charset="0"/>
+              </a:rPr>
+              <a:t>效果对比</a:t>
+            </a:r>
+          </a:p>
+        </p:txBody>
+      </p:sp>
+      <p:sp>
+        <p:nvSpPr>
+          <p:cNvPr id="33" name="Rectangle 3"/>
+          <p:cNvSpPr txBox="1">
+            <a:spLocks noChangeArrowheads="1"/>
+          </p:cNvSpPr>
+          <p:nvPr/>
+        </p:nvSpPr>
+        <p:spPr bwMode="auto">
+          <a:xfrm>
+            <a:off x="65405" y="1584960"/>
+            <a:ext cx="8971915" cy="3692434"/>
+          </a:xfrm>
+          <a:prstGeom prst="rect">
+            <a:avLst/>
+          </a:prstGeom>
+          <a:ln w="12700" cap="flat" cmpd="sng" algn="ctr">
+            <a:noFill/>
+            <a:prstDash val="solid"/>
+            <a:headEnd type="oval" w="med" len="med"/>
+            <a:tailEnd type="stealth" w="lg" len="lg"/>
+          </a:ln>
+        </p:spPr>
+        <p:style>
+          <a:lnRef idx="1">
+            <a:schemeClr val="accent1"/>
+          </a:lnRef>
+          <a:fillRef idx="0">
+            <a:schemeClr val="accent1"/>
+          </a:fillRef>
+          <a:effectRef idx="0">
+            <a:schemeClr val="accent1"/>
+          </a:effectRef>
+          <a:fontRef idx="minor">
+            <a:schemeClr val="tx1"/>
+          </a:fontRef>
+        </p:style>
+        <p:txBody>
+          <a:bodyPr/>
+          <a:lstStyle>
+            <a:lvl1pPr marL="342900" indent="-342900" algn="l" rtl="0" eaLnBrk="0" fontAlgn="base" hangingPunct="0">
+              <a:spcBef>
+                <a:spcPct val="20000"/>
+              </a:spcBef>
+              <a:spcAft>
+                <a:spcPct val="0"/>
+              </a:spcAft>
+              <a:buFont typeface="Wingdings" panose="05000000000000000000" charset="0"/>
+              <a:buChar char="l"/>
+              <a:defRPr kumimoji="1" sz="2800">
+                <a:solidFill>
+                  <a:schemeClr val="tx1"/>
+                </a:solidFill>
+                <a:latin typeface="+mn-lt"/>
+                <a:ea typeface="+mn-ea"/>
+                <a:cs typeface="+mn-cs"/>
+              </a:defRPr>
+            </a:lvl1pPr>
+            <a:lvl2pPr marL="742950" indent="-285750" algn="l" rtl="0" eaLnBrk="0" fontAlgn="base" hangingPunct="0">
+              <a:spcBef>
+                <a:spcPct val="20000"/>
+              </a:spcBef>
+              <a:spcAft>
+                <a:spcPct val="0"/>
+              </a:spcAft>
+              <a:buFont typeface="Wingdings" panose="05000000000000000000" charset="0"/>
+              <a:buChar char="–"/>
+              <a:defRPr kumimoji="1" sz="2400">
+                <a:solidFill>
+                  <a:schemeClr val="tx1"/>
+                </a:solidFill>
+                <a:latin typeface="+mn-lt"/>
+                <a:ea typeface="+mn-ea"/>
+                <a:cs typeface="+mn-cs"/>
+              </a:defRPr>
+            </a:lvl2pPr>
+            <a:lvl3pPr marL="1143000" indent="-228600" algn="l" rtl="0" eaLnBrk="0" fontAlgn="base" hangingPunct="0">
+              <a:spcBef>
+                <a:spcPct val="20000"/>
+              </a:spcBef>
+              <a:spcAft>
+                <a:spcPct val="0"/>
+              </a:spcAft>
+              <a:buFont typeface="Wingdings" panose="05000000000000000000" charset="0"/>
+              <a:buChar char="l"/>
+              <a:defRPr kumimoji="1" sz="2000">
+                <a:solidFill>
+                  <a:schemeClr val="tx1"/>
+                </a:solidFill>
+                <a:latin typeface="+mn-lt"/>
+                <a:ea typeface="+mn-ea"/>
+                <a:cs typeface="+mn-cs"/>
+              </a:defRPr>
+            </a:lvl3pPr>
+            <a:lvl4pPr marL="1600200" indent="-228600" algn="l" rtl="0" eaLnBrk="0" fontAlgn="base" hangingPunct="0">
+              <a:spcBef>
+                <a:spcPct val="20000"/>
+              </a:spcBef>
+              <a:spcAft>
+                <a:spcPct val="0"/>
+              </a:spcAft>
+              <a:buFont typeface="Wingdings" panose="05000000000000000000" charset="0"/>
+              <a:buChar char="–"/>
+              <a:defRPr kumimoji="1" sz="2000">
+                <a:solidFill>
+                  <a:schemeClr val="tx1"/>
+                </a:solidFill>
+                <a:latin typeface="+mn-lt"/>
+                <a:ea typeface="+mn-ea"/>
+                <a:cs typeface="+mn-cs"/>
+              </a:defRPr>
+            </a:lvl4pPr>
+            <a:lvl5pPr marL="2057400" indent="-228600" algn="l" rtl="0" eaLnBrk="0" fontAlgn="base" hangingPunct="0">
+              <a:spcBef>
+                <a:spcPct val="20000"/>
+              </a:spcBef>
+              <a:spcAft>
+                <a:spcPct val="0"/>
+              </a:spcAft>
+              <a:buFont typeface="Wingdings" panose="05000000000000000000" charset="0"/>
+              <a:buChar char="l"/>
+              <a:defRPr kumimoji="1" sz="2000">
+                <a:solidFill>
+                  <a:schemeClr val="tx1"/>
+                </a:solidFill>
+                <a:latin typeface="+mn-lt"/>
+                <a:ea typeface="+mn-ea"/>
+                <a:cs typeface="+mn-cs"/>
+              </a:defRPr>
+            </a:lvl5pPr>
+            <a:lvl6pPr marL="2514600" indent="-228600" algn="l" rtl="0" eaLnBrk="0" fontAlgn="base" hangingPunct="0">
+              <a:spcBef>
+                <a:spcPct val="20000"/>
+              </a:spcBef>
+              <a:spcAft>
+                <a:spcPct val="0"/>
+              </a:spcAft>
+              <a:buFont typeface="Wingdings" panose="05000000000000000000" pitchFamily="2" charset="2"/>
+              <a:buChar char="l"/>
+              <a:defRPr>
+                <a:solidFill>
+                  <a:schemeClr val="tx1"/>
+                </a:solidFill>
+                <a:latin typeface="+mn-lt"/>
+                <a:ea typeface="+mn-ea"/>
+                <a:cs typeface="+mn-cs"/>
+              </a:defRPr>
+            </a:lvl6pPr>
+            <a:lvl7pPr marL="2971800" indent="-228600" algn="l" rtl="0" eaLnBrk="0" fontAlgn="base" hangingPunct="0">
+              <a:spcBef>
+                <a:spcPct val="20000"/>
+              </a:spcBef>
+              <a:spcAft>
+                <a:spcPct val="0"/>
+              </a:spcAft>
+              <a:buFont typeface="Wingdings" panose="05000000000000000000" pitchFamily="2" charset="2"/>
+              <a:buChar char="l"/>
+              <a:defRPr>
+                <a:solidFill>
+                  <a:schemeClr val="tx1"/>
+                </a:solidFill>
+                <a:latin typeface="+mn-lt"/>
+                <a:ea typeface="+mn-ea"/>
+                <a:cs typeface="+mn-cs"/>
+              </a:defRPr>
+            </a:lvl7pPr>
+            <a:lvl8pPr marL="3429000" indent="-228600" algn="l" rtl="0" eaLnBrk="0" fontAlgn="base" hangingPunct="0">
+              <a:spcBef>
+                <a:spcPct val="20000"/>
+              </a:spcBef>
+              <a:spcAft>
+                <a:spcPct val="0"/>
+              </a:spcAft>
+              <a:buFont typeface="Wingdings" panose="05000000000000000000" pitchFamily="2" charset="2"/>
+              <a:buChar char="l"/>
+              <a:defRPr>
+                <a:solidFill>
+                  <a:schemeClr val="tx1"/>
+                </a:solidFill>
+                <a:latin typeface="+mn-lt"/>
+                <a:ea typeface="+mn-ea"/>
+                <a:cs typeface="+mn-cs"/>
+              </a:defRPr>
+            </a:lvl8pPr>
+            <a:lvl9pPr marL="3886200" indent="-228600" algn="l" rtl="0" eaLnBrk="0" fontAlgn="base" hangingPunct="0">
+              <a:spcBef>
+                <a:spcPct val="20000"/>
+              </a:spcBef>
+              <a:spcAft>
+                <a:spcPct val="0"/>
+              </a:spcAft>
+              <a:buFont typeface="Wingdings" panose="05000000000000000000" pitchFamily="2" charset="2"/>
+              <a:buChar char="l"/>
+              <a:defRPr>
+                <a:solidFill>
+                  <a:schemeClr val="tx1"/>
+                </a:solidFill>
+                <a:latin typeface="+mn-lt"/>
+                <a:ea typeface="+mn-ea"/>
+                <a:cs typeface="+mn-cs"/>
+              </a:defRPr>
+            </a:lvl9pPr>
+          </a:lstStyle>
+          <a:p>
+            <a:pPr marL="342900" lvl="1" indent="-342900" eaLnBrk="1" hangingPunct="1">
+              <a:spcBef>
+                <a:spcPts val="600"/>
+              </a:spcBef>
+              <a:buClr>
+                <a:srgbClr val="000000"/>
+              </a:buClr>
+              <a:buFont typeface="Wingdings" panose="05000000000000000000" pitchFamily="2" charset="2"/>
+              <a:buChar char="l"/>
+              <a:defRPr/>
+            </a:pPr>
+            <a:r>
+              <a:rPr lang="zh-CN" altLang="en-US" sz="3200" b="1" noProof="1">
+                <a:solidFill>
+                  <a:srgbClr val="000000"/>
+                </a:solidFill>
+                <a:latin typeface="Times New Roman" panose="02020603050405020304" charset="0"/>
+                <a:ea typeface="黑体" panose="02010609060101010101" charset="-122"/>
+                <a:cs typeface="Times New Roman" panose="02020603050405020304" charset="0"/>
+                <a:sym typeface="+mn-ea"/>
+              </a:rPr>
+              <a:t>与无编码情况下对比</a:t>
+            </a:r>
+            <a:endParaRPr lang="en-US" altLang="zh-CN" sz="3200" b="1" noProof="1">
+              <a:solidFill>
+                <a:srgbClr val="000000"/>
+              </a:solidFill>
+              <a:latin typeface="Times New Roman" panose="02020603050405020304" charset="0"/>
+              <a:ea typeface="黑体" panose="02010609060101010101" charset="-122"/>
+              <a:cs typeface="Times New Roman" panose="02020603050405020304" charset="0"/>
+              <a:sym typeface="+mn-ea"/>
+            </a:endParaRPr>
+          </a:p>
+        </p:txBody>
+      </p:sp>
+      <p:pic>
+        <p:nvPicPr>
+          <p:cNvPr id="5" name="图片 4">
+            <a:extLst>
+              <a:ext uri="{FF2B5EF4-FFF2-40B4-BE49-F238E27FC236}">
+                <a16:creationId xmlns:a16="http://schemas.microsoft.com/office/drawing/2014/main" id="{F2454C02-7074-FB5A-D457-32CF9143E46F}"/>
+              </a:ext>
+            </a:extLst>
+          </p:cNvPr>
+          <p:cNvPicPr>
+            <a:picLocks noChangeAspect="1"/>
+          </p:cNvPicPr>
+          <p:nvPr/>
+        </p:nvPicPr>
+        <p:blipFill>
+          <a:blip r:embed="rId3"/>
+          <a:stretch>
+            <a:fillRect/>
+          </a:stretch>
+        </p:blipFill>
+        <p:spPr>
+          <a:xfrm>
+            <a:off x="-217629" y="2280221"/>
+            <a:ext cx="4923245" cy="3692434"/>
+          </a:xfrm>
+          <a:prstGeom prst="rect">
+            <a:avLst/>
+          </a:prstGeom>
+        </p:spPr>
+      </p:pic>
+      <p:pic>
+        <p:nvPicPr>
+          <p:cNvPr id="8" name="图片 7">
+            <a:extLst>
+              <a:ext uri="{FF2B5EF4-FFF2-40B4-BE49-F238E27FC236}">
+                <a16:creationId xmlns:a16="http://schemas.microsoft.com/office/drawing/2014/main" id="{95E3E647-FDB7-50A2-391C-CAFD88F28CC1}"/>
+              </a:ext>
+            </a:extLst>
+          </p:cNvPr>
+          <p:cNvPicPr>
+            <a:picLocks noChangeAspect="1"/>
+          </p:cNvPicPr>
+          <p:nvPr/>
+        </p:nvPicPr>
+        <p:blipFill>
+          <a:blip r:embed="rId4"/>
+          <a:stretch>
+            <a:fillRect/>
+          </a:stretch>
+        </p:blipFill>
+        <p:spPr>
+          <a:xfrm>
+            <a:off x="4155350" y="2280221"/>
+            <a:ext cx="4923245" cy="3692434"/>
+          </a:xfrm>
+          <a:prstGeom prst="rect">
+            <a:avLst/>
+          </a:prstGeom>
+        </p:spPr>
+      </p:pic>
+      <p:sp>
+        <p:nvSpPr>
+          <p:cNvPr id="9" name="文本框 8">
+            <a:extLst>
+              <a:ext uri="{FF2B5EF4-FFF2-40B4-BE49-F238E27FC236}">
+                <a16:creationId xmlns:a16="http://schemas.microsoft.com/office/drawing/2014/main" id="{3F9D2F31-B34F-1634-DAF6-8AE7355A1983}"/>
+              </a:ext>
+            </a:extLst>
+          </p:cNvPr>
+          <p:cNvSpPr txBox="1"/>
+          <p:nvPr/>
+        </p:nvSpPr>
+        <p:spPr>
+          <a:xfrm>
+            <a:off x="1229444" y="5972655"/>
+            <a:ext cx="2029097" cy="468526"/>
+          </a:xfrm>
+          <a:prstGeom prst="rect">
+            <a:avLst/>
+          </a:prstGeom>
+          <a:noFill/>
+        </p:spPr>
+        <p:txBody>
+          <a:bodyPr wrap="square" rtlCol="0" anchor="t">
+            <a:spAutoFit/>
+          </a:bodyPr>
+          <a:lstStyle/>
+          <a:p>
+            <a:pPr algn="ctr">
+              <a:lnSpc>
+                <a:spcPts val="3200"/>
+              </a:lnSpc>
+              <a:buClr>
+                <a:srgbClr val="000000"/>
+              </a:buClr>
+            </a:pPr>
+            <a:r>
+              <a:rPr lang="zh-CN" altLang="en-US" sz="2400" b="1" dirty="0">
+                <a:latin typeface="Times New Roman" panose="02020603050405020304" charset="0"/>
+                <a:ea typeface="黑体" panose="02010609060101010101" charset="-122"/>
+                <a:cs typeface="Times New Roman" panose="02020603050405020304" charset="0"/>
+                <a:sym typeface="+mn-ea"/>
+              </a:rPr>
+              <a:t>无编码</a:t>
+            </a:r>
+            <a:endParaRPr lang="zh-CN" altLang="en-US" sz="2400" b="1" dirty="0">
+              <a:solidFill>
+                <a:schemeClr val="tx1"/>
+              </a:solidFill>
+              <a:latin typeface="Times New Roman" panose="02020603050405020304" charset="0"/>
+              <a:ea typeface="黑体" panose="02010609060101010101" charset="-122"/>
+              <a:cs typeface="Times New Roman" panose="02020603050405020304" charset="0"/>
+              <a:sym typeface="+mn-ea"/>
+            </a:endParaRPr>
+          </a:p>
+        </p:txBody>
+      </p:sp>
+      <p:sp>
+        <p:nvSpPr>
+          <p:cNvPr id="10" name="文本框 9">
+            <a:extLst>
+              <a:ext uri="{FF2B5EF4-FFF2-40B4-BE49-F238E27FC236}">
+                <a16:creationId xmlns:a16="http://schemas.microsoft.com/office/drawing/2014/main" id="{E3C88B6C-FA2A-682F-540D-FC8B1FFCF5BC}"/>
+              </a:ext>
+            </a:extLst>
+          </p:cNvPr>
+          <p:cNvSpPr txBox="1"/>
+          <p:nvPr/>
+        </p:nvSpPr>
+        <p:spPr>
+          <a:xfrm>
+            <a:off x="5602425" y="5977554"/>
+            <a:ext cx="2029097" cy="468526"/>
+          </a:xfrm>
+          <a:prstGeom prst="rect">
+            <a:avLst/>
+          </a:prstGeom>
+          <a:noFill/>
+        </p:spPr>
+        <p:txBody>
+          <a:bodyPr wrap="square" rtlCol="0" anchor="t">
+            <a:spAutoFit/>
+          </a:bodyPr>
+          <a:lstStyle/>
+          <a:p>
+            <a:pPr algn="ctr">
+              <a:lnSpc>
+                <a:spcPts val="3200"/>
+              </a:lnSpc>
+              <a:buClr>
+                <a:srgbClr val="000000"/>
+              </a:buClr>
+            </a:pPr>
+            <a:r>
+              <a:rPr lang="en-US" altLang="zh-CN" sz="2400" b="1" dirty="0">
+                <a:latin typeface="Times New Roman" panose="02020603050405020304" charset="0"/>
+                <a:ea typeface="黑体" panose="02010609060101010101" charset="-122"/>
+                <a:cs typeface="Times New Roman" panose="02020603050405020304" charset="0"/>
+                <a:sym typeface="+mn-ea"/>
+              </a:rPr>
+              <a:t>(8, 3, 4) </a:t>
+            </a:r>
+            <a:r>
+              <a:rPr lang="zh-CN" altLang="en-US" sz="2400" b="1" dirty="0">
+                <a:latin typeface="Times New Roman" panose="02020603050405020304" charset="0"/>
+                <a:ea typeface="黑体" panose="02010609060101010101" charset="-122"/>
+                <a:cs typeface="Times New Roman" panose="02020603050405020304" charset="0"/>
+                <a:sym typeface="+mn-ea"/>
+              </a:rPr>
+              <a:t>编码</a:t>
+            </a:r>
+            <a:endParaRPr lang="zh-CN" altLang="en-US" sz="2400" b="1" dirty="0">
+              <a:solidFill>
+                <a:schemeClr val="tx1"/>
+              </a:solidFill>
+              <a:latin typeface="Times New Roman" panose="02020603050405020304" charset="0"/>
+              <a:ea typeface="黑体" panose="02010609060101010101" charset="-122"/>
+              <a:cs typeface="Times New Roman" panose="02020603050405020304" charset="0"/>
+              <a:sym typeface="+mn-ea"/>
+            </a:endParaRPr>
+          </a:p>
+        </p:txBody>
+      </p:sp>
+    </p:spTree>
+    <p:extLst>
+      <p:ext uri="{BB962C8B-B14F-4D97-AF65-F5344CB8AC3E}">
+        <p14:creationId xmlns:p14="http://schemas.microsoft.com/office/powerpoint/2010/main" val="1312589452"/>
+      </p:ext>
+    </p:extLst>
+  </p:cSld>
+  <p:clrMapOvr>
+    <a:masterClrMapping/>
+  </p:clrMapOvr>
+  <mc:AlternateContent xmlns:mc="http://schemas.openxmlformats.org/markup-compatibility/2006">
+    <mc:Choice xmlns:p14="http://schemas.microsoft.com/office/powerpoint/2010/main" Requires="p14">
+      <p:transition spd="med" p14:dur="700">
+        <p:fade/>
+      </p:transition>
+    </mc:Choice>
+    <mc:Fallback>
+      <p:transition spd="med">
+        <p:fade/>
+      </p:transition>
+    </mc:Fallback>
+  </mc:AlternateContent>
+</p:sld>
+</file>
+
+<file path=ppt/slides/slide22.xml><?xml version="1.0" encoding="utf-8"?>
+<p:sld xmlns:a="http://schemas.openxmlformats.org/drawingml/2006/main" xmlns:r="http://schemas.openxmlformats.org/officeDocument/2006/relationships" xmlns:p="http://schemas.openxmlformats.org/presentationml/2006/main">
+  <p:cSld>
+    <p:spTree>
+      <p:nvGrpSpPr>
+        <p:cNvPr id="1" name=""/>
+        <p:cNvGrpSpPr/>
+        <p:nvPr/>
+      </p:nvGrpSpPr>
+      <p:grpSpPr>
+        <a:xfrm>
+          <a:off x="0" y="0"/>
+          <a:ext cx="0" cy="0"/>
+          <a:chOff x="0" y="0"/>
+          <a:chExt cx="0" cy="0"/>
+        </a:xfrm>
+      </p:grpSpPr>
+      <p:sp>
+        <p:nvSpPr>
+          <p:cNvPr id="11" name="矩形 10"/>
+          <p:cNvSpPr/>
+          <p:nvPr/>
+        </p:nvSpPr>
+        <p:spPr>
+          <a:xfrm>
+            <a:off x="0" y="1"/>
+            <a:ext cx="9144000" cy="3654674"/>
+          </a:xfrm>
+          <a:prstGeom prst="rect">
+            <a:avLst/>
+          </a:prstGeom>
+          <a:solidFill>
+            <a:srgbClr val="5C307D"/>
+          </a:solidFill>
+          <a:ln>
+            <a:noFill/>
+          </a:ln>
+        </p:spPr>
+        <p:style>
+          <a:lnRef idx="2">
+            <a:schemeClr val="accent1">
+              <a:shade val="50000"/>
+            </a:schemeClr>
+          </a:lnRef>
+          <a:fillRef idx="1">
+            <a:schemeClr val="accent1"/>
+          </a:fillRef>
+          <a:effectRef idx="0">
+            <a:schemeClr val="accent1"/>
+          </a:effectRef>
+          <a:fontRef idx="minor">
+            <a:schemeClr val="lt1"/>
+          </a:fontRef>
+        </p:style>
+        <p:txBody>
+          <a:bodyPr rtlCol="0" anchor="ctr"/>
+          <a:lstStyle/>
+          <a:p>
+            <a:pPr algn="ctr"/>
+            <a:endParaRPr lang="zh-CN" altLang="en-US"/>
+          </a:p>
+        </p:txBody>
+      </p:sp>
+      <p:sp>
+        <p:nvSpPr>
+          <p:cNvPr id="3" name="TextBox 89"/>
+          <p:cNvSpPr txBox="1"/>
+          <p:nvPr/>
+        </p:nvSpPr>
+        <p:spPr>
+          <a:xfrm>
+            <a:off x="6025572" y="4823674"/>
+            <a:ext cx="2954655" cy="461665"/>
+          </a:xfrm>
+          <a:prstGeom prst="rect">
+            <a:avLst/>
+          </a:prstGeom>
+          <a:noFill/>
+        </p:spPr>
+        <p:txBody>
+          <a:bodyPr wrap="none" rtlCol="0">
+            <a:spAutoFit/>
+          </a:bodyPr>
+          <a:lstStyle/>
+          <a:p>
+            <a:pPr algn="r"/>
+            <a:r>
+              <a:rPr lang="zh-CN" altLang="en-US" sz="2400" b="1" dirty="0">
+                <a:solidFill>
+                  <a:schemeClr val="tx1">
+                    <a:lumMod val="75000"/>
+                    <a:lumOff val="25000"/>
+                  </a:schemeClr>
+                </a:solidFill>
+                <a:latin typeface="华文楷体" panose="02010600040101010101" pitchFamily="2" charset="-122"/>
+                <a:ea typeface="华文楷体" panose="02010600040101010101" pitchFamily="2" charset="-122"/>
+                <a:sym typeface="+mn-ea"/>
+              </a:rPr>
+              <a:t>电平信道编译码展示</a:t>
+            </a:r>
+            <a:endParaRPr lang="zh-CN" altLang="en-US" sz="2400" b="1" dirty="0">
+              <a:solidFill>
+                <a:schemeClr val="tx1">
+                  <a:lumMod val="75000"/>
+                  <a:lumOff val="25000"/>
+                </a:schemeClr>
+              </a:solidFill>
+              <a:latin typeface="华文楷体" panose="02010600040101010101" pitchFamily="2" charset="-122"/>
+              <a:ea typeface="华文楷体" panose="02010600040101010101" pitchFamily="2" charset="-122"/>
+            </a:endParaRPr>
+          </a:p>
+        </p:txBody>
+      </p:sp>
+      <p:cxnSp>
+        <p:nvCxnSpPr>
+          <p:cNvPr id="4" name="直接连接符 3"/>
+          <p:cNvCxnSpPr/>
+          <p:nvPr/>
+        </p:nvCxnSpPr>
+        <p:spPr>
+          <a:xfrm>
+            <a:off x="7057588" y="4732426"/>
+            <a:ext cx="1813954" cy="0"/>
+          </a:xfrm>
+          <a:prstGeom prst="line">
+            <a:avLst/>
+          </a:prstGeom>
+          <a:ln>
+            <a:solidFill>
+              <a:schemeClr val="tx1">
+                <a:lumMod val="75000"/>
+                <a:lumOff val="25000"/>
+              </a:schemeClr>
+            </a:solidFill>
+          </a:ln>
+        </p:spPr>
+        <p:style>
+          <a:lnRef idx="1">
+            <a:schemeClr val="accent1"/>
+          </a:lnRef>
+          <a:fillRef idx="0">
+            <a:schemeClr val="accent1"/>
+          </a:fillRef>
+          <a:effectRef idx="0">
+            <a:schemeClr val="accent1"/>
+          </a:effectRef>
+          <a:fontRef idx="minor">
+            <a:schemeClr val="tx1"/>
+          </a:fontRef>
+        </p:style>
+      </p:cxnSp>
+      <p:sp>
+        <p:nvSpPr>
+          <p:cNvPr id="5" name="TextBox 5"/>
+          <p:cNvSpPr txBox="1"/>
+          <p:nvPr/>
+        </p:nvSpPr>
+        <p:spPr>
+          <a:xfrm>
+            <a:off x="6331411" y="3881926"/>
+            <a:ext cx="2646878" cy="830997"/>
+          </a:xfrm>
+          <a:prstGeom prst="rect">
+            <a:avLst/>
+          </a:prstGeom>
+          <a:noFill/>
+        </p:spPr>
+        <p:txBody>
+          <a:bodyPr wrap="none" rtlCol="0">
+            <a:spAutoFit/>
+          </a:bodyPr>
+          <a:lstStyle/>
+          <a:p>
+            <a:pPr algn="r"/>
+            <a:r>
+              <a:rPr lang="zh-CN" altLang="en-US" sz="4800" b="1" dirty="0">
+                <a:solidFill>
+                  <a:schemeClr val="tx1">
+                    <a:lumMod val="75000"/>
+                    <a:lumOff val="25000"/>
+                  </a:schemeClr>
+                </a:solidFill>
+                <a:latin typeface="华文楷体" panose="02010600040101010101" pitchFamily="2" charset="-122"/>
+                <a:ea typeface="华文楷体" panose="02010600040101010101" pitchFamily="2" charset="-122"/>
+              </a:rPr>
+              <a:t>谢谢倾听</a:t>
+            </a:r>
+          </a:p>
+        </p:txBody>
+      </p:sp>
+      <p:sp>
+        <p:nvSpPr>
+          <p:cNvPr id="10" name="矩形 9"/>
+          <p:cNvSpPr/>
+          <p:nvPr/>
+        </p:nvSpPr>
+        <p:spPr>
+          <a:xfrm>
+            <a:off x="163773" y="6210551"/>
+            <a:ext cx="424342" cy="424342"/>
+          </a:xfrm>
+          <a:prstGeom prst="rect">
+            <a:avLst/>
+          </a:prstGeom>
+          <a:solidFill>
+            <a:srgbClr val="5C307D"/>
+          </a:solidFill>
+          <a:ln>
+            <a:solidFill>
+              <a:schemeClr val="bg1">
+                <a:lumMod val="50000"/>
+              </a:schemeClr>
+            </a:solidFill>
+          </a:ln>
+        </p:spPr>
+        <p:style>
+          <a:lnRef idx="2">
+            <a:schemeClr val="accent1">
+              <a:shade val="50000"/>
+            </a:schemeClr>
+          </a:lnRef>
+          <a:fillRef idx="1">
+            <a:schemeClr val="accent1"/>
+          </a:fillRef>
+          <a:effectRef idx="0">
+            <a:schemeClr val="accent1"/>
+          </a:effectRef>
+          <a:fontRef idx="minor">
+            <a:schemeClr val="lt1"/>
+          </a:fontRef>
+        </p:style>
+        <p:txBody>
+          <a:bodyPr rtlCol="0" anchor="ctr"/>
+          <a:lstStyle/>
+          <a:p>
+            <a:pPr algn="ctr"/>
+            <a:endParaRPr lang="zh-CN" altLang="en-US"/>
+          </a:p>
+        </p:txBody>
+      </p:sp>
+      <p:cxnSp>
+        <p:nvCxnSpPr>
+          <p:cNvPr id="7" name="直接连接符 6"/>
+          <p:cNvCxnSpPr/>
+          <p:nvPr/>
+        </p:nvCxnSpPr>
+        <p:spPr>
+          <a:xfrm>
+            <a:off x="163773" y="6627119"/>
+            <a:ext cx="4408227" cy="0"/>
+          </a:xfrm>
+          <a:prstGeom prst="line">
+            <a:avLst/>
+          </a:prstGeom>
+          <a:ln>
+            <a:solidFill>
+              <a:schemeClr val="bg1">
+                <a:lumMod val="50000"/>
+              </a:schemeClr>
+            </a:solidFill>
+          </a:ln>
+        </p:spPr>
+        <p:style>
+          <a:lnRef idx="1">
+            <a:schemeClr val="accent1"/>
+          </a:lnRef>
+          <a:fillRef idx="0">
+            <a:schemeClr val="accent1"/>
+          </a:fillRef>
+          <a:effectRef idx="0">
+            <a:schemeClr val="accent1"/>
+          </a:effectRef>
+          <a:fontRef idx="minor">
+            <a:schemeClr val="tx1"/>
+          </a:fontRef>
+        </p:style>
+      </p:cxnSp>
+      <p:grpSp>
+        <p:nvGrpSpPr>
+          <p:cNvPr id="28" name="组合 27"/>
+          <p:cNvGrpSpPr/>
+          <p:nvPr/>
+        </p:nvGrpSpPr>
+        <p:grpSpPr>
+          <a:xfrm>
+            <a:off x="0" y="3770844"/>
+            <a:ext cx="9144000" cy="56736"/>
+            <a:chOff x="30834" y="1305568"/>
+            <a:chExt cx="8816454" cy="66133"/>
+          </a:xfrm>
+        </p:grpSpPr>
+        <p:sp>
+          <p:nvSpPr>
+            <p:cNvPr id="29" name="矩形 28"/>
+            <p:cNvSpPr/>
+            <p:nvPr/>
+          </p:nvSpPr>
+          <p:spPr>
+            <a:xfrm>
+              <a:off x="30834" y="1305568"/>
+              <a:ext cx="5800300" cy="65989"/>
+            </a:xfrm>
+            <a:prstGeom prst="rect">
+              <a:avLst/>
+            </a:prstGeom>
+            <a:solidFill>
+              <a:schemeClr val="bg1">
+                <a:lumMod val="75000"/>
+              </a:schemeClr>
+            </a:solidFill>
+            <a:ln>
+              <a:noFill/>
+            </a:ln>
+          </p:spPr>
+          <p:style>
+            <a:lnRef idx="2">
+              <a:schemeClr val="accent1">
+                <a:shade val="50000"/>
+              </a:schemeClr>
+            </a:lnRef>
+            <a:fillRef idx="1">
+              <a:schemeClr val="accent1"/>
+            </a:fillRef>
+            <a:effectRef idx="0">
+              <a:schemeClr val="accent1"/>
+            </a:effectRef>
+            <a:fontRef idx="minor">
+              <a:schemeClr val="lt1"/>
+            </a:fontRef>
+          </p:style>
+          <p:txBody>
+            <a:bodyPr rtlCol="0" anchor="ctr"/>
+            <a:lstStyle/>
+            <a:p>
+              <a:pPr algn="ctr"/>
+              <a:endParaRPr lang="zh-CN" altLang="en-US"/>
+            </a:p>
+          </p:txBody>
+        </p:sp>
+        <p:sp>
+          <p:nvSpPr>
+            <p:cNvPr id="30" name="矩形 29"/>
+            <p:cNvSpPr/>
+            <p:nvPr/>
+          </p:nvSpPr>
+          <p:spPr>
+            <a:xfrm>
+              <a:off x="5886861" y="1305712"/>
+              <a:ext cx="2960427" cy="65989"/>
+            </a:xfrm>
+            <a:prstGeom prst="rect">
+              <a:avLst/>
+            </a:prstGeom>
+            <a:solidFill>
+              <a:srgbClr val="5C307D"/>
+            </a:solidFill>
+            <a:ln>
+              <a:noFill/>
+            </a:ln>
+          </p:spPr>
+          <p:style>
+            <a:lnRef idx="2">
+              <a:schemeClr val="accent1">
+                <a:shade val="50000"/>
+              </a:schemeClr>
+            </a:lnRef>
+            <a:fillRef idx="1">
+              <a:schemeClr val="accent1"/>
+            </a:fillRef>
+            <a:effectRef idx="0">
+              <a:schemeClr val="accent1"/>
+            </a:effectRef>
+            <a:fontRef idx="minor">
+              <a:schemeClr val="lt1"/>
+            </a:fontRef>
+          </p:style>
+          <p:txBody>
+            <a:bodyPr rtlCol="0" anchor="ctr"/>
+            <a:lstStyle/>
+            <a:p>
+              <a:pPr algn="ctr"/>
+              <a:endParaRPr lang="zh-CN" altLang="en-US"/>
+            </a:p>
+          </p:txBody>
+        </p:sp>
+      </p:grpSp>
+      <p:pic>
+        <p:nvPicPr>
+          <p:cNvPr id="31" name="图片 30"/>
+          <p:cNvPicPr>
+            <a:picLocks noChangeAspect="1"/>
+          </p:cNvPicPr>
+          <p:nvPr/>
+        </p:nvPicPr>
+        <p:blipFill>
+          <a:blip r:embed="rId3" cstate="print">
+            <a:clrChange>
+              <a:clrFrom>
+                <a:srgbClr val="FFFFFF"/>
+              </a:clrFrom>
+              <a:clrTo>
+                <a:srgbClr val="FFFFFF">
+                  <a:alpha val="0"/>
+                </a:srgbClr>
+              </a:clrTo>
+            </a:clrChange>
+            <a:lum bright="70000" contrast="-70000"/>
+            <a:extLst>
+              <a:ext uri="{28A0092B-C50C-407E-A947-70E740481C1C}">
+                <a14:useLocalDpi xmlns:a14="http://schemas.microsoft.com/office/drawing/2010/main" val="0"/>
+              </a:ext>
+            </a:extLst>
+          </a:blip>
+          <a:stretch>
+            <a:fillRect/>
+          </a:stretch>
+        </p:blipFill>
+        <p:spPr>
+          <a:xfrm>
+            <a:off x="137613" y="266701"/>
+            <a:ext cx="3137850" cy="1327881"/>
+          </a:xfrm>
+          <a:prstGeom prst="rect">
+            <a:avLst/>
+          </a:prstGeom>
+        </p:spPr>
+      </p:pic>
+      <p:pic>
+        <p:nvPicPr>
+          <p:cNvPr id="12" name="图片 11">
+            <a:extLst>
+              <a:ext uri="{FF2B5EF4-FFF2-40B4-BE49-F238E27FC236}">
+                <a16:creationId xmlns:a16="http://schemas.microsoft.com/office/drawing/2014/main" id="{9C0B2538-4DF6-4E58-998A-B6C62EDE9279}"/>
+              </a:ext>
+            </a:extLst>
+          </p:cNvPr>
+          <p:cNvPicPr>
+            <a:picLocks noChangeAspect="1"/>
+          </p:cNvPicPr>
+          <p:nvPr/>
+        </p:nvPicPr>
+        <p:blipFill>
+          <a:blip r:embed="rId4"/>
+          <a:stretch>
+            <a:fillRect/>
+          </a:stretch>
+        </p:blipFill>
+        <p:spPr>
+          <a:xfrm>
+            <a:off x="7705725" y="6027001"/>
+            <a:ext cx="1438275" cy="830997"/>
+          </a:xfrm>
+          <a:prstGeom prst="rect">
+            <a:avLst/>
+          </a:prstGeom>
+        </p:spPr>
+      </p:pic>
+    </p:spTree>
+  </p:cSld>
+  <p:clrMapOvr>
+    <a:masterClrMapping/>
+  </p:clrMapOvr>
+</p:sld>
+</file>
+
 <file path=ppt/slides/slide3.xml><?xml version="1.0" encoding="utf-8"?>
 <p:sld xmlns:a="http://schemas.openxmlformats.org/drawingml/2006/main" xmlns:r="http://schemas.openxmlformats.org/officeDocument/2006/relationships" xmlns:p="http://schemas.openxmlformats.org/presentationml/2006/main">
   <p:cSld>
@@ -14546,8 +21641,8 @@
           </a:p>
         </p:txBody>
       </p:sp>
-      <mc:AlternateContent xmlns:mc="http://schemas.openxmlformats.org/markup-compatibility/2006">
-        <mc:Choice xmlns:a14="http://schemas.microsoft.com/office/drawing/2010/main" Requires="a14">
+      <mc:AlternateContent xmlns:mc="http://schemas.openxmlformats.org/markup-compatibility/2006" xmlns:a14="http://schemas.microsoft.com/office/drawing/2010/main">
+        <mc:Choice Requires="a14">
           <p:sp>
             <p:nvSpPr>
               <p:cNvPr id="4" name="文本框 3">
@@ -14802,7 +21897,7 @@
             </p:txBody>
           </p:sp>
         </mc:Choice>
-        <mc:Fallback>
+        <mc:Fallback xmlns="">
           <p:sp>
             <p:nvSpPr>
               <p:cNvPr id="4" name="文本框 3">
@@ -14847,8 +21942,8 @@
           </p:sp>
         </mc:Fallback>
       </mc:AlternateContent>
-      <mc:AlternateContent xmlns:mc="http://schemas.openxmlformats.org/markup-compatibility/2006">
-        <mc:Choice xmlns:a14="http://schemas.microsoft.com/office/drawing/2010/main" Requires="a14">
+      <mc:AlternateContent xmlns:mc="http://schemas.openxmlformats.org/markup-compatibility/2006" xmlns:a14="http://schemas.microsoft.com/office/drawing/2010/main">
+        <mc:Choice Requires="a14">
           <p:sp>
             <p:nvSpPr>
               <p:cNvPr id="12" name="文本框 11">
@@ -15115,7 +22210,7 @@
             </p:txBody>
           </p:sp>
         </mc:Choice>
-        <mc:Fallback>
+        <mc:Fallback xmlns="">
           <p:sp>
             <p:nvSpPr>
               <p:cNvPr id="12" name="文本框 11">
@@ -15160,8 +22255,8 @@
           </p:sp>
         </mc:Fallback>
       </mc:AlternateContent>
-      <mc:AlternateContent xmlns:mc="http://schemas.openxmlformats.org/markup-compatibility/2006">
-        <mc:Choice xmlns:a14="http://schemas.microsoft.com/office/drawing/2010/main" Requires="a14">
+      <mc:AlternateContent xmlns:mc="http://schemas.openxmlformats.org/markup-compatibility/2006" xmlns:a14="http://schemas.microsoft.com/office/drawing/2010/main">
+        <mc:Choice Requires="a14">
           <p:sp>
             <p:nvSpPr>
               <p:cNvPr id="13" name="文本框 12">
@@ -15495,7 +22590,7 @@
             </p:txBody>
           </p:sp>
         </mc:Choice>
-        <mc:Fallback>
+        <mc:Fallback xmlns="">
           <p:sp>
             <p:nvSpPr>
               <p:cNvPr id="13" name="文本框 12">
@@ -15540,8 +22635,8 @@
           </p:sp>
         </mc:Fallback>
       </mc:AlternateContent>
-      <mc:AlternateContent xmlns:mc="http://schemas.openxmlformats.org/markup-compatibility/2006">
-        <mc:Choice xmlns:a14="http://schemas.microsoft.com/office/drawing/2010/main" Requires="a14">
+      <mc:AlternateContent xmlns:mc="http://schemas.openxmlformats.org/markup-compatibility/2006" xmlns:a14="http://schemas.microsoft.com/office/drawing/2010/main">
+        <mc:Choice Requires="a14">
           <p:sp>
             <p:nvSpPr>
               <p:cNvPr id="16" name="文本框 15">
@@ -15782,7 +22877,7 @@
             </p:txBody>
           </p:sp>
         </mc:Choice>
-        <mc:Fallback>
+        <mc:Fallback xmlns="">
           <p:sp>
             <p:nvSpPr>
               <p:cNvPr id="16" name="文本框 15">
@@ -15827,8 +22922,8 @@
           </p:sp>
         </mc:Fallback>
       </mc:AlternateContent>
-      <mc:AlternateContent xmlns:mc="http://schemas.openxmlformats.org/markup-compatibility/2006">
-        <mc:Choice xmlns:a14="http://schemas.microsoft.com/office/drawing/2010/main" Requires="a14">
+      <mc:AlternateContent xmlns:mc="http://schemas.openxmlformats.org/markup-compatibility/2006" xmlns:a14="http://schemas.microsoft.com/office/drawing/2010/main">
+        <mc:Choice Requires="a14">
           <p:sp>
             <p:nvSpPr>
               <p:cNvPr id="17" name="文本框 16">
@@ -16032,7 +23127,7 @@
             </p:txBody>
           </p:sp>
         </mc:Choice>
-        <mc:Fallback>
+        <mc:Fallback xmlns="">
           <p:sp>
             <p:nvSpPr>
               <p:cNvPr id="17" name="文本框 16">
@@ -16077,8 +23172,8 @@
           </p:sp>
         </mc:Fallback>
       </mc:AlternateContent>
-      <mc:AlternateContent xmlns:mc="http://schemas.openxmlformats.org/markup-compatibility/2006">
-        <mc:Choice xmlns:a14="http://schemas.microsoft.com/office/drawing/2010/main" Requires="a14">
+      <mc:AlternateContent xmlns:mc="http://schemas.openxmlformats.org/markup-compatibility/2006" xmlns:a14="http://schemas.microsoft.com/office/drawing/2010/main">
+        <mc:Choice Requires="a14">
           <p:sp>
             <p:nvSpPr>
               <p:cNvPr id="18" name="文本框 17">
@@ -16266,7 +23361,7 @@
             </p:txBody>
           </p:sp>
         </mc:Choice>
-        <mc:Fallback>
+        <mc:Fallback xmlns="">
           <p:sp>
             <p:nvSpPr>
               <p:cNvPr id="18" name="文本框 17">
@@ -16311,8 +23406,8 @@
           </p:sp>
         </mc:Fallback>
       </mc:AlternateContent>
-      <mc:AlternateContent xmlns:mc="http://schemas.openxmlformats.org/markup-compatibility/2006">
-        <mc:Choice xmlns:a14="http://schemas.microsoft.com/office/drawing/2010/main" Requires="a14">
+      <mc:AlternateContent xmlns:mc="http://schemas.openxmlformats.org/markup-compatibility/2006" xmlns:a14="http://schemas.microsoft.com/office/drawing/2010/main">
+        <mc:Choice Requires="a14">
           <p:sp>
             <p:nvSpPr>
               <p:cNvPr id="19" name="文本框 18">
@@ -16573,7 +23668,7 @@
             </p:txBody>
           </p:sp>
         </mc:Choice>
-        <mc:Fallback>
+        <mc:Fallback xmlns="">
           <p:sp>
             <p:nvSpPr>
               <p:cNvPr id="19" name="文本框 18">
@@ -16618,8 +23713,8 @@
           </p:sp>
         </mc:Fallback>
       </mc:AlternateContent>
-      <mc:AlternateContent xmlns:mc="http://schemas.openxmlformats.org/markup-compatibility/2006">
-        <mc:Choice xmlns:a14="http://schemas.microsoft.com/office/drawing/2010/main" Requires="a14">
+      <mc:AlternateContent xmlns:mc="http://schemas.openxmlformats.org/markup-compatibility/2006" xmlns:a14="http://schemas.microsoft.com/office/drawing/2010/main">
+        <mc:Choice Requires="a14">
           <p:sp>
             <p:nvSpPr>
               <p:cNvPr id="20" name="矩形: 圆角 19">
@@ -16914,7 +24009,7 @@
             </p:txBody>
           </p:sp>
         </mc:Choice>
-        <mc:Fallback>
+        <mc:Fallback xmlns="">
           <p:sp>
             <p:nvSpPr>
               <p:cNvPr id="20" name="矩形: 圆角 19">
@@ -18057,8 +25152,8 @@
           </a:p>
         </p:txBody>
       </p:sp>
-      <mc:AlternateContent xmlns:mc="http://schemas.openxmlformats.org/markup-compatibility/2006">
-        <mc:Choice xmlns:a14="http://schemas.microsoft.com/office/drawing/2010/main" Requires="a14">
+      <mc:AlternateContent xmlns:mc="http://schemas.openxmlformats.org/markup-compatibility/2006" xmlns:a14="http://schemas.microsoft.com/office/drawing/2010/main">
+        <mc:Choice Requires="a14">
           <p:sp>
             <p:nvSpPr>
               <p:cNvPr id="3" name="文本框 2">
@@ -18402,7 +25497,7 @@
             </p:txBody>
           </p:sp>
         </mc:Choice>
-        <mc:Fallback>
+        <mc:Fallback xmlns="">
           <p:sp>
             <p:nvSpPr>
               <p:cNvPr id="3" name="文本框 2">
@@ -18447,8 +25542,8 @@
           </p:sp>
         </mc:Fallback>
       </mc:AlternateContent>
-      <mc:AlternateContent xmlns:mc="http://schemas.openxmlformats.org/markup-compatibility/2006">
-        <mc:Choice xmlns:a14="http://schemas.microsoft.com/office/drawing/2010/main" Requires="a14">
+      <mc:AlternateContent xmlns:mc="http://schemas.openxmlformats.org/markup-compatibility/2006" xmlns:a14="http://schemas.microsoft.com/office/drawing/2010/main">
+        <mc:Choice Requires="a14">
           <p:sp>
             <p:nvSpPr>
               <p:cNvPr id="12" name="文本框 11">
@@ -18703,7 +25798,7 @@
             </p:txBody>
           </p:sp>
         </mc:Choice>
-        <mc:Fallback>
+        <mc:Fallback xmlns="">
           <p:sp>
             <p:nvSpPr>
               <p:cNvPr id="12" name="文本框 11">
@@ -19483,8 +26578,8 @@
           </a:p>
         </p:txBody>
       </p:sp>
-      <mc:AlternateContent xmlns:mc="http://schemas.openxmlformats.org/markup-compatibility/2006">
-        <mc:Choice xmlns:a14="http://schemas.microsoft.com/office/drawing/2010/main" Requires="a14">
+      <mc:AlternateContent xmlns:mc="http://schemas.openxmlformats.org/markup-compatibility/2006" xmlns:a14="http://schemas.microsoft.com/office/drawing/2010/main">
+        <mc:Choice Requires="a14">
           <p:graphicFrame>
             <p:nvGraphicFramePr>
               <p:cNvPr id="10" name="表格 5">
@@ -19878,7 +26973,7 @@
             </a:graphic>
           </p:graphicFrame>
         </mc:Choice>
-        <mc:Fallback>
+        <mc:Fallback xmlns="">
           <p:graphicFrame>
             <p:nvGraphicFramePr>
               <p:cNvPr id="10" name="表格 5">
@@ -22340,8 +29435,8 @@
           </a:p>
         </p:txBody>
       </p:sp>
-      <mc:AlternateContent xmlns:mc="http://schemas.openxmlformats.org/markup-compatibility/2006">
-        <mc:Choice xmlns:a14="http://schemas.microsoft.com/office/drawing/2010/main" Requires="a14">
+      <mc:AlternateContent xmlns:mc="http://schemas.openxmlformats.org/markup-compatibility/2006" xmlns:a14="http://schemas.microsoft.com/office/drawing/2010/main">
+        <mc:Choice Requires="a14">
           <p:graphicFrame>
             <p:nvGraphicFramePr>
               <p:cNvPr id="16" name="表格 5">
@@ -22657,7 +29752,7 @@
             </a:graphic>
           </p:graphicFrame>
         </mc:Choice>
-        <mc:Fallback>
+        <mc:Fallback xmlns="">
           <p:graphicFrame>
             <p:nvGraphicFramePr>
               <p:cNvPr id="16" name="表格 5">
